--- a/docs/assets/figures.pptx
+++ b/docs/assets/figures.pptx
@@ -259,7 +259,7 @@
           <a:p>
             <a:fld id="{561A2A45-0058-0E42-84DF-D4076AB56970}" type="datetimeFigureOut">
               <a:rPr lang="en-US" smtClean="0"/>
-              <a:t>1/8/21</a:t>
+              <a:t>2/20/23</a:t>
             </a:fld>
             <a:endParaRPr lang="en-US"/>
           </a:p>
@@ -457,7 +457,7 @@
           <a:p>
             <a:fld id="{561A2A45-0058-0E42-84DF-D4076AB56970}" type="datetimeFigureOut">
               <a:rPr lang="en-US" smtClean="0"/>
-              <a:t>1/8/21</a:t>
+              <a:t>2/20/23</a:t>
             </a:fld>
             <a:endParaRPr lang="en-US"/>
           </a:p>
@@ -665,7 +665,7 @@
           <a:p>
             <a:fld id="{561A2A45-0058-0E42-84DF-D4076AB56970}" type="datetimeFigureOut">
               <a:rPr lang="en-US" smtClean="0"/>
-              <a:t>1/8/21</a:t>
+              <a:t>2/20/23</a:t>
             </a:fld>
             <a:endParaRPr lang="en-US"/>
           </a:p>
@@ -863,7 +863,7 @@
           <a:p>
             <a:fld id="{561A2A45-0058-0E42-84DF-D4076AB56970}" type="datetimeFigureOut">
               <a:rPr lang="en-US" smtClean="0"/>
-              <a:t>1/8/21</a:t>
+              <a:t>2/20/23</a:t>
             </a:fld>
             <a:endParaRPr lang="en-US"/>
           </a:p>
@@ -1138,7 +1138,7 @@
           <a:p>
             <a:fld id="{561A2A45-0058-0E42-84DF-D4076AB56970}" type="datetimeFigureOut">
               <a:rPr lang="en-US" smtClean="0"/>
-              <a:t>1/8/21</a:t>
+              <a:t>2/20/23</a:t>
             </a:fld>
             <a:endParaRPr lang="en-US"/>
           </a:p>
@@ -1403,7 +1403,7 @@
           <a:p>
             <a:fld id="{561A2A45-0058-0E42-84DF-D4076AB56970}" type="datetimeFigureOut">
               <a:rPr lang="en-US" smtClean="0"/>
-              <a:t>1/8/21</a:t>
+              <a:t>2/20/23</a:t>
             </a:fld>
             <a:endParaRPr lang="en-US"/>
           </a:p>
@@ -1815,7 +1815,7 @@
           <a:p>
             <a:fld id="{561A2A45-0058-0E42-84DF-D4076AB56970}" type="datetimeFigureOut">
               <a:rPr lang="en-US" smtClean="0"/>
-              <a:t>1/8/21</a:t>
+              <a:t>2/20/23</a:t>
             </a:fld>
             <a:endParaRPr lang="en-US"/>
           </a:p>
@@ -1956,7 +1956,7 @@
           <a:p>
             <a:fld id="{561A2A45-0058-0E42-84DF-D4076AB56970}" type="datetimeFigureOut">
               <a:rPr lang="en-US" smtClean="0"/>
-              <a:t>1/8/21</a:t>
+              <a:t>2/20/23</a:t>
             </a:fld>
             <a:endParaRPr lang="en-US"/>
           </a:p>
@@ -2069,7 +2069,7 @@
           <a:p>
             <a:fld id="{561A2A45-0058-0E42-84DF-D4076AB56970}" type="datetimeFigureOut">
               <a:rPr lang="en-US" smtClean="0"/>
-              <a:t>1/8/21</a:t>
+              <a:t>2/20/23</a:t>
             </a:fld>
             <a:endParaRPr lang="en-US"/>
           </a:p>
@@ -2380,7 +2380,7 @@
           <a:p>
             <a:fld id="{561A2A45-0058-0E42-84DF-D4076AB56970}" type="datetimeFigureOut">
               <a:rPr lang="en-US" smtClean="0"/>
-              <a:t>1/8/21</a:t>
+              <a:t>2/20/23</a:t>
             </a:fld>
             <a:endParaRPr lang="en-US"/>
           </a:p>
@@ -2668,7 +2668,7 @@
           <a:p>
             <a:fld id="{561A2A45-0058-0E42-84DF-D4076AB56970}" type="datetimeFigureOut">
               <a:rPr lang="en-US" smtClean="0"/>
-              <a:t>1/8/21</a:t>
+              <a:t>2/20/23</a:t>
             </a:fld>
             <a:endParaRPr lang="en-US"/>
           </a:p>
@@ -2909,7 +2909,7 @@
           <a:p>
             <a:fld id="{561A2A45-0058-0E42-84DF-D4076AB56970}" type="datetimeFigureOut">
               <a:rPr lang="en-US" smtClean="0"/>
-              <a:t>1/8/21</a:t>
+              <a:t>2/20/23</a:t>
             </a:fld>
             <a:endParaRPr lang="en-US"/>
           </a:p>
@@ -3328,10 +3328,10 @@
       </p:grpSpPr>
       <p:grpSp>
         <p:nvGrpSpPr>
-          <p:cNvPr id="3" name="Group 2">
+          <p:cNvPr id="6" name="Group 5">
             <a:extLst>
               <a:ext uri="{FF2B5EF4-FFF2-40B4-BE49-F238E27FC236}">
-                <a16:creationId xmlns:a16="http://schemas.microsoft.com/office/drawing/2014/main" id="{ADC5BEEA-BF00-FC4F-B24C-6B6E714BCF85}"/>
+                <a16:creationId xmlns:a16="http://schemas.microsoft.com/office/drawing/2014/main" id="{1D79359D-EEB6-9065-FF65-0D2E9C0E9F34}"/>
               </a:ext>
             </a:extLst>
           </p:cNvPr>
@@ -3340,18 +3340,18 @@
         </p:nvGrpSpPr>
         <p:grpSpPr>
           <a:xfrm>
-            <a:off x="5735893" y="627299"/>
-            <a:ext cx="1928400" cy="1909837"/>
-            <a:chOff x="5735893" y="627299"/>
-            <a:chExt cx="1928400" cy="1909837"/>
+            <a:off x="556618" y="246275"/>
+            <a:ext cx="10699931" cy="6472621"/>
+            <a:chOff x="556618" y="246275"/>
+            <a:chExt cx="10699931" cy="6472621"/>
           </a:xfrm>
         </p:grpSpPr>
         <p:grpSp>
           <p:nvGrpSpPr>
-            <p:cNvPr id="122" name="Group 121">
+            <p:cNvPr id="3" name="Group 2">
               <a:extLst>
                 <a:ext uri="{FF2B5EF4-FFF2-40B4-BE49-F238E27FC236}">
-                  <a16:creationId xmlns:a16="http://schemas.microsoft.com/office/drawing/2014/main" id="{2A446254-B0E1-4F49-9670-E717CF501400}"/>
+                  <a16:creationId xmlns:a16="http://schemas.microsoft.com/office/drawing/2014/main" id="{ADC5BEEA-BF00-FC4F-B24C-6B6E714BCF85}"/>
                 </a:ext>
               </a:extLst>
             </p:cNvPr>
@@ -3362,16 +3362,923 @@
             <a:xfrm>
               <a:off x="5735893" y="627299"/>
               <a:ext cx="1928400" cy="1909837"/>
-              <a:chOff x="5896173" y="610154"/>
+              <a:chOff x="5735893" y="627299"/>
               <a:chExt cx="1928400" cy="1909837"/>
+            </a:xfrm>
+          </p:grpSpPr>
+          <p:grpSp>
+            <p:nvGrpSpPr>
+              <p:cNvPr id="122" name="Group 121">
+                <a:extLst>
+                  <a:ext uri="{FF2B5EF4-FFF2-40B4-BE49-F238E27FC236}">
+                    <a16:creationId xmlns:a16="http://schemas.microsoft.com/office/drawing/2014/main" id="{2A446254-B0E1-4F49-9670-E717CF501400}"/>
+                  </a:ext>
+                </a:extLst>
+              </p:cNvPr>
+              <p:cNvGrpSpPr/>
+              <p:nvPr/>
+            </p:nvGrpSpPr>
+            <p:grpSpPr>
+              <a:xfrm>
+                <a:off x="5735893" y="627299"/>
+                <a:ext cx="1928400" cy="1909837"/>
+                <a:chOff x="5896173" y="610154"/>
+                <a:chExt cx="1928400" cy="1909837"/>
+              </a:xfrm>
+            </p:grpSpPr>
+            <p:sp>
+              <p:nvSpPr>
+                <p:cNvPr id="21" name="Rectangle 20">
+                  <a:extLst>
+                    <a:ext uri="{FF2B5EF4-FFF2-40B4-BE49-F238E27FC236}">
+                      <a16:creationId xmlns:a16="http://schemas.microsoft.com/office/drawing/2014/main" id="{C012DE06-1E2C-E945-861A-200E1B8BB152}"/>
+                    </a:ext>
+                  </a:extLst>
+                </p:cNvPr>
+                <p:cNvSpPr/>
+                <p:nvPr/>
+              </p:nvSpPr>
+              <p:spPr>
+                <a:xfrm>
+                  <a:off x="5896173" y="610154"/>
+                  <a:ext cx="1928400" cy="1909837"/>
+                </a:xfrm>
+                <a:prstGeom prst="rect">
+                  <a:avLst/>
+                </a:prstGeom>
+                <a:solidFill>
+                  <a:schemeClr val="bg1"/>
+                </a:solidFill>
+                <a:ln>
+                  <a:solidFill>
+                    <a:schemeClr val="tx1"/>
+                  </a:solidFill>
+                  <a:prstDash val="dash"/>
+                </a:ln>
+              </p:spPr>
+              <p:style>
+                <a:lnRef idx="2">
+                  <a:schemeClr val="accent1">
+                    <a:shade val="50000"/>
+                  </a:schemeClr>
+                </a:lnRef>
+                <a:fillRef idx="1">
+                  <a:schemeClr val="accent1"/>
+                </a:fillRef>
+                <a:effectRef idx="0">
+                  <a:schemeClr val="accent1"/>
+                </a:effectRef>
+                <a:fontRef idx="minor">
+                  <a:schemeClr val="lt1"/>
+                </a:fontRef>
+              </p:style>
+              <p:txBody>
+                <a:bodyPr rtlCol="0" anchor="t"/>
+                <a:lstStyle/>
+                <a:p>
+                  <a:pPr algn="r"/>
+                  <a:r>
+                    <a:rPr lang="en-US" dirty="0">
+                      <a:solidFill>
+                        <a:schemeClr val="tx1"/>
+                      </a:solidFill>
+                      <a:latin typeface="CMU Sans Serif Medium" panose="02000603000000000000" pitchFamily="2" charset="0"/>
+                      <a:ea typeface="CMU Sans Serif Medium" panose="02000603000000000000" pitchFamily="2" charset="0"/>
+                      <a:cs typeface="CMU Sans Serif Medium" panose="02000603000000000000" pitchFamily="2" charset="0"/>
+                    </a:rPr>
+                    <a:t>Edge Node</a:t>
+                  </a:r>
+                </a:p>
+              </p:txBody>
+            </p:sp>
+            <p:sp>
+              <p:nvSpPr>
+                <p:cNvPr id="5" name="Rectangle 4">
+                  <a:extLst>
+                    <a:ext uri="{FF2B5EF4-FFF2-40B4-BE49-F238E27FC236}">
+                      <a16:creationId xmlns:a16="http://schemas.microsoft.com/office/drawing/2014/main" id="{CDBEC012-EBC4-AA4A-A851-6D7BC29E2E0A}"/>
+                    </a:ext>
+                  </a:extLst>
+                </p:cNvPr>
+                <p:cNvSpPr/>
+                <p:nvPr/>
+              </p:nvSpPr>
+              <p:spPr>
+                <a:xfrm>
+                  <a:off x="5990248" y="981664"/>
+                  <a:ext cx="1683963" cy="1332258"/>
+                </a:xfrm>
+                <a:prstGeom prst="rect">
+                  <a:avLst/>
+                </a:prstGeom>
+                <a:solidFill>
+                  <a:schemeClr val="bg1"/>
+                </a:solidFill>
+                <a:ln>
+                  <a:solidFill>
+                    <a:schemeClr val="tx1"/>
+                  </a:solidFill>
+                </a:ln>
+              </p:spPr>
+              <p:style>
+                <a:lnRef idx="2">
+                  <a:schemeClr val="accent1">
+                    <a:shade val="50000"/>
+                  </a:schemeClr>
+                </a:lnRef>
+                <a:fillRef idx="1">
+                  <a:schemeClr val="accent1"/>
+                </a:fillRef>
+                <a:effectRef idx="0">
+                  <a:schemeClr val="accent1"/>
+                </a:effectRef>
+                <a:fontRef idx="minor">
+                  <a:schemeClr val="lt1"/>
+                </a:fontRef>
+              </p:style>
+              <p:txBody>
+                <a:bodyPr rtlCol="0" anchor="b"/>
+                <a:lstStyle/>
+                <a:p>
+                  <a:pPr algn="r"/>
+                  <a:r>
+                    <a:rPr lang="en-US" dirty="0" err="1">
+                      <a:solidFill>
+                        <a:schemeClr val="tx1"/>
+                      </a:solidFill>
+                      <a:latin typeface="CMU Sans Serif Medium" panose="02000603000000000000" pitchFamily="2" charset="0"/>
+                      <a:ea typeface="CMU Sans Serif Medium" panose="02000603000000000000" pitchFamily="2" charset="0"/>
+                      <a:cs typeface="CMU Sans Serif Medium" panose="02000603000000000000" pitchFamily="2" charset="0"/>
+                    </a:rPr>
+                    <a:t>FReD</a:t>
+                  </a:r>
+                  <a:r>
+                    <a:rPr lang="en-US" dirty="0">
+                      <a:solidFill>
+                        <a:schemeClr val="tx1"/>
+                      </a:solidFill>
+                      <a:latin typeface="CMU Sans Serif Medium" panose="02000603000000000000" pitchFamily="2" charset="0"/>
+                      <a:ea typeface="CMU Sans Serif Medium" panose="02000603000000000000" pitchFamily="2" charset="0"/>
+                      <a:cs typeface="CMU Sans Serif Medium" panose="02000603000000000000" pitchFamily="2" charset="0"/>
+                    </a:rPr>
+                    <a:t> Node</a:t>
+                  </a:r>
+                </a:p>
+              </p:txBody>
+            </p:sp>
+            <p:sp>
+              <p:nvSpPr>
+                <p:cNvPr id="20" name="Rectangle 19">
+                  <a:extLst>
+                    <a:ext uri="{FF2B5EF4-FFF2-40B4-BE49-F238E27FC236}">
+                      <a16:creationId xmlns:a16="http://schemas.microsoft.com/office/drawing/2014/main" id="{14E5F5F3-37EE-AD4A-B72F-32735A2CF4A5}"/>
+                    </a:ext>
+                  </a:extLst>
+                </p:cNvPr>
+                <p:cNvSpPr/>
+                <p:nvPr/>
+              </p:nvSpPr>
+              <p:spPr>
+                <a:xfrm>
+                  <a:off x="6246101" y="1269843"/>
+                  <a:ext cx="867104" cy="549564"/>
+                </a:xfrm>
+                <a:prstGeom prst="rect">
+                  <a:avLst/>
+                </a:prstGeom>
+                <a:solidFill>
+                  <a:schemeClr val="bg1"/>
+                </a:solidFill>
+                <a:ln>
+                  <a:solidFill>
+                    <a:schemeClr val="tx1"/>
+                  </a:solidFill>
+                </a:ln>
+              </p:spPr>
+              <p:style>
+                <a:lnRef idx="2">
+                  <a:schemeClr val="accent1">
+                    <a:shade val="50000"/>
+                  </a:schemeClr>
+                </a:lnRef>
+                <a:fillRef idx="1">
+                  <a:schemeClr val="accent1"/>
+                </a:fillRef>
+                <a:effectRef idx="0">
+                  <a:schemeClr val="accent1"/>
+                </a:effectRef>
+                <a:fontRef idx="minor">
+                  <a:schemeClr val="lt1"/>
+                </a:fontRef>
+              </p:style>
+              <p:txBody>
+                <a:bodyPr rtlCol="0" anchor="ctr"/>
+                <a:lstStyle/>
+                <a:p>
+                  <a:pPr algn="ctr"/>
+                  <a:r>
+                    <a:rPr lang="en-US" dirty="0" err="1">
+                      <a:solidFill>
+                        <a:schemeClr val="tx1"/>
+                      </a:solidFill>
+                      <a:latin typeface="Hack" panose="020B0609030202020204" pitchFamily="49" charset="0"/>
+                      <a:ea typeface="Hack" panose="020B0609030202020204" pitchFamily="49" charset="0"/>
+                      <a:cs typeface="Hack" panose="020B0609030202020204" pitchFamily="49" charset="0"/>
+                    </a:rPr>
+                    <a:t>fred</a:t>
+                  </a:r>
+                  <a:r>
+                    <a:rPr lang="en-US" dirty="0">
+                      <a:solidFill>
+                        <a:schemeClr val="tx1"/>
+                      </a:solidFill>
+                      <a:latin typeface="Courier New" panose="02070309020205020404" pitchFamily="49" charset="0"/>
+                      <a:ea typeface="CMU Serif Roman" panose="02000603000000000000" pitchFamily="2" charset="0"/>
+                      <a:cs typeface="Courier New" panose="02070309020205020404" pitchFamily="49" charset="0"/>
+                    </a:rPr>
+                    <a:t> </a:t>
+                  </a:r>
+                </a:p>
+              </p:txBody>
+            </p:sp>
+          </p:grpSp>
+          <p:grpSp>
+            <p:nvGrpSpPr>
+              <p:cNvPr id="34" name="Graphic 61" descr="Database with solid fill">
+                <a:extLst>
+                  <a:ext uri="{FF2B5EF4-FFF2-40B4-BE49-F238E27FC236}">
+                    <a16:creationId xmlns:a16="http://schemas.microsoft.com/office/drawing/2014/main" id="{D247B1B6-84C7-935A-5F69-9C8C71445ADB}"/>
+                  </a:ext>
+                </a:extLst>
+              </p:cNvPr>
+              <p:cNvGrpSpPr/>
+              <p:nvPr/>
+            </p:nvGrpSpPr>
+            <p:grpSpPr>
+              <a:xfrm>
+                <a:off x="5972279" y="1610374"/>
+                <a:ext cx="276887" cy="375775"/>
+                <a:chOff x="5972279" y="1610374"/>
+                <a:chExt cx="276887" cy="375775"/>
+              </a:xfrm>
+              <a:solidFill>
+                <a:srgbClr val="000000"/>
+              </a:solidFill>
+            </p:grpSpPr>
+            <p:sp>
+              <p:nvSpPr>
+                <p:cNvPr id="35" name="Freeform 34">
+                  <a:extLst>
+                    <a:ext uri="{FF2B5EF4-FFF2-40B4-BE49-F238E27FC236}">
+                      <a16:creationId xmlns:a16="http://schemas.microsoft.com/office/drawing/2014/main" id="{CB62C7EC-1F13-2DD7-DB8C-6FF4B40D33F8}"/>
+                    </a:ext>
+                  </a:extLst>
+                </p:cNvPr>
+                <p:cNvSpPr/>
+                <p:nvPr/>
+              </p:nvSpPr>
+              <p:spPr>
+                <a:xfrm>
+                  <a:off x="5972279" y="1610374"/>
+                  <a:ext cx="276887" cy="79110"/>
+                </a:xfrm>
+                <a:custGeom>
+                  <a:avLst/>
+                  <a:gdLst>
+                    <a:gd name="connsiteX0" fmla="*/ 276887 w 276887"/>
+                    <a:gd name="connsiteY0" fmla="*/ 39555 h 79110"/>
+                    <a:gd name="connsiteX1" fmla="*/ 138444 w 276887"/>
+                    <a:gd name="connsiteY1" fmla="*/ 79111 h 79110"/>
+                    <a:gd name="connsiteX2" fmla="*/ 0 w 276887"/>
+                    <a:gd name="connsiteY2" fmla="*/ 39555 h 79110"/>
+                    <a:gd name="connsiteX3" fmla="*/ 138444 w 276887"/>
+                    <a:gd name="connsiteY3" fmla="*/ 0 h 79110"/>
+                    <a:gd name="connsiteX4" fmla="*/ 276887 w 276887"/>
+                    <a:gd name="connsiteY4" fmla="*/ 39555 h 79110"/>
+                  </a:gdLst>
+                  <a:ahLst/>
+                  <a:cxnLst>
+                    <a:cxn ang="0">
+                      <a:pos x="connsiteX0" y="connsiteY0"/>
+                    </a:cxn>
+                    <a:cxn ang="0">
+                      <a:pos x="connsiteX1" y="connsiteY1"/>
+                    </a:cxn>
+                    <a:cxn ang="0">
+                      <a:pos x="connsiteX2" y="connsiteY2"/>
+                    </a:cxn>
+                    <a:cxn ang="0">
+                      <a:pos x="connsiteX3" y="connsiteY3"/>
+                    </a:cxn>
+                    <a:cxn ang="0">
+                      <a:pos x="connsiteX4" y="connsiteY4"/>
+                    </a:cxn>
+                  </a:cxnLst>
+                  <a:rect l="l" t="t" r="r" b="b"/>
+                  <a:pathLst>
+                    <a:path w="276887" h="79110">
+                      <a:moveTo>
+                        <a:pt x="276887" y="39555"/>
+                      </a:moveTo>
+                      <a:cubicBezTo>
+                        <a:pt x="276887" y="61401"/>
+                        <a:pt x="214904" y="79111"/>
+                        <a:pt x="138444" y="79111"/>
+                      </a:cubicBezTo>
+                      <a:cubicBezTo>
+                        <a:pt x="61983" y="79111"/>
+                        <a:pt x="0" y="61401"/>
+                        <a:pt x="0" y="39555"/>
+                      </a:cubicBezTo>
+                      <a:cubicBezTo>
+                        <a:pt x="0" y="17710"/>
+                        <a:pt x="61983" y="0"/>
+                        <a:pt x="138444" y="0"/>
+                      </a:cubicBezTo>
+                      <a:cubicBezTo>
+                        <a:pt x="214904" y="0"/>
+                        <a:pt x="276887" y="17710"/>
+                        <a:pt x="276887" y="39555"/>
+                      </a:cubicBezTo>
+                      <a:close/>
+                    </a:path>
+                  </a:pathLst>
+                </a:custGeom>
+                <a:solidFill>
+                  <a:srgbClr val="000000"/>
+                </a:solidFill>
+                <a:ln w="4862" cap="flat">
+                  <a:noFill/>
+                  <a:prstDash val="solid"/>
+                  <a:miter/>
+                </a:ln>
+              </p:spPr>
+              <p:txBody>
+                <a:bodyPr rtlCol="0" anchor="ctr"/>
+                <a:lstStyle/>
+                <a:p>
+                  <a:endParaRPr lang="en-US"/>
+                </a:p>
+              </p:txBody>
+            </p:sp>
+            <p:sp>
+              <p:nvSpPr>
+                <p:cNvPr id="36" name="Freeform 35">
+                  <a:extLst>
+                    <a:ext uri="{FF2B5EF4-FFF2-40B4-BE49-F238E27FC236}">
+                      <a16:creationId xmlns:a16="http://schemas.microsoft.com/office/drawing/2014/main" id="{2DBB3BD5-77AE-5C48-F2E6-D406CAD67158}"/>
+                    </a:ext>
+                  </a:extLst>
+                </p:cNvPr>
+                <p:cNvSpPr/>
+                <p:nvPr/>
+              </p:nvSpPr>
+              <p:spPr>
+                <a:xfrm>
+                  <a:off x="5972279" y="1669707"/>
+                  <a:ext cx="276887" cy="118666"/>
+                </a:xfrm>
+                <a:custGeom>
+                  <a:avLst/>
+                  <a:gdLst>
+                    <a:gd name="connsiteX0" fmla="*/ 237332 w 276887"/>
+                    <a:gd name="connsiteY0" fmla="*/ 79111 h 118666"/>
+                    <a:gd name="connsiteX1" fmla="*/ 227443 w 276887"/>
+                    <a:gd name="connsiteY1" fmla="*/ 69222 h 118666"/>
+                    <a:gd name="connsiteX2" fmla="*/ 237332 w 276887"/>
+                    <a:gd name="connsiteY2" fmla="*/ 59333 h 118666"/>
+                    <a:gd name="connsiteX3" fmla="*/ 247221 w 276887"/>
+                    <a:gd name="connsiteY3" fmla="*/ 69222 h 118666"/>
+                    <a:gd name="connsiteX4" fmla="*/ 237332 w 276887"/>
+                    <a:gd name="connsiteY4" fmla="*/ 79111 h 118666"/>
+                    <a:gd name="connsiteX5" fmla="*/ 138444 w 276887"/>
+                    <a:gd name="connsiteY5" fmla="*/ 39555 h 118666"/>
+                    <a:gd name="connsiteX6" fmla="*/ 0 w 276887"/>
+                    <a:gd name="connsiteY6" fmla="*/ 0 h 118666"/>
+                    <a:gd name="connsiteX7" fmla="*/ 0 w 276887"/>
+                    <a:gd name="connsiteY7" fmla="*/ 79111 h 118666"/>
+                    <a:gd name="connsiteX8" fmla="*/ 138444 w 276887"/>
+                    <a:gd name="connsiteY8" fmla="*/ 118666 h 118666"/>
+                    <a:gd name="connsiteX9" fmla="*/ 276887 w 276887"/>
+                    <a:gd name="connsiteY9" fmla="*/ 79111 h 118666"/>
+                    <a:gd name="connsiteX10" fmla="*/ 276887 w 276887"/>
+                    <a:gd name="connsiteY10" fmla="*/ 0 h 118666"/>
+                    <a:gd name="connsiteX11" fmla="*/ 138444 w 276887"/>
+                    <a:gd name="connsiteY11" fmla="*/ 39555 h 118666"/>
+                  </a:gdLst>
+                  <a:ahLst/>
+                  <a:cxnLst>
+                    <a:cxn ang="0">
+                      <a:pos x="connsiteX0" y="connsiteY0"/>
+                    </a:cxn>
+                    <a:cxn ang="0">
+                      <a:pos x="connsiteX1" y="connsiteY1"/>
+                    </a:cxn>
+                    <a:cxn ang="0">
+                      <a:pos x="connsiteX2" y="connsiteY2"/>
+                    </a:cxn>
+                    <a:cxn ang="0">
+                      <a:pos x="connsiteX3" y="connsiteY3"/>
+                    </a:cxn>
+                    <a:cxn ang="0">
+                      <a:pos x="connsiteX4" y="connsiteY4"/>
+                    </a:cxn>
+                    <a:cxn ang="0">
+                      <a:pos x="connsiteX5" y="connsiteY5"/>
+                    </a:cxn>
+                    <a:cxn ang="0">
+                      <a:pos x="connsiteX6" y="connsiteY6"/>
+                    </a:cxn>
+                    <a:cxn ang="0">
+                      <a:pos x="connsiteX7" y="connsiteY7"/>
+                    </a:cxn>
+                    <a:cxn ang="0">
+                      <a:pos x="connsiteX8" y="connsiteY8"/>
+                    </a:cxn>
+                    <a:cxn ang="0">
+                      <a:pos x="connsiteX9" y="connsiteY9"/>
+                    </a:cxn>
+                    <a:cxn ang="0">
+                      <a:pos x="connsiteX10" y="connsiteY10"/>
+                    </a:cxn>
+                    <a:cxn ang="0">
+                      <a:pos x="connsiteX11" y="connsiteY11"/>
+                    </a:cxn>
+                  </a:cxnLst>
+                  <a:rect l="l" t="t" r="r" b="b"/>
+                  <a:pathLst>
+                    <a:path w="276887" h="118666">
+                      <a:moveTo>
+                        <a:pt x="237332" y="79111"/>
+                      </a:moveTo>
+                      <a:cubicBezTo>
+                        <a:pt x="231399" y="79111"/>
+                        <a:pt x="227443" y="75155"/>
+                        <a:pt x="227443" y="69222"/>
+                      </a:cubicBezTo>
+                      <a:cubicBezTo>
+                        <a:pt x="227443" y="63289"/>
+                        <a:pt x="231399" y="59333"/>
+                        <a:pt x="237332" y="59333"/>
+                      </a:cubicBezTo>
+                      <a:cubicBezTo>
+                        <a:pt x="243265" y="59333"/>
+                        <a:pt x="247221" y="63289"/>
+                        <a:pt x="247221" y="69222"/>
+                      </a:cubicBezTo>
+                      <a:cubicBezTo>
+                        <a:pt x="247221" y="75155"/>
+                        <a:pt x="243265" y="79111"/>
+                        <a:pt x="237332" y="79111"/>
+                      </a:cubicBezTo>
+                      <a:close/>
+                      <a:moveTo>
+                        <a:pt x="138444" y="39555"/>
+                      </a:moveTo>
+                      <a:cubicBezTo>
+                        <a:pt x="62300" y="39555"/>
+                        <a:pt x="0" y="21755"/>
+                        <a:pt x="0" y="0"/>
+                      </a:cubicBezTo>
+                      <a:lnTo>
+                        <a:pt x="0" y="79111"/>
+                      </a:lnTo>
+                      <a:cubicBezTo>
+                        <a:pt x="0" y="100866"/>
+                        <a:pt x="62300" y="118666"/>
+                        <a:pt x="138444" y="118666"/>
+                      </a:cubicBezTo>
+                      <a:cubicBezTo>
+                        <a:pt x="214588" y="118666"/>
+                        <a:pt x="276887" y="100866"/>
+                        <a:pt x="276887" y="79111"/>
+                      </a:cubicBezTo>
+                      <a:lnTo>
+                        <a:pt x="276887" y="0"/>
+                      </a:lnTo>
+                      <a:cubicBezTo>
+                        <a:pt x="276887" y="21755"/>
+                        <a:pt x="214588" y="39555"/>
+                        <a:pt x="138444" y="39555"/>
+                      </a:cubicBezTo>
+                      <a:close/>
+                    </a:path>
+                  </a:pathLst>
+                </a:custGeom>
+                <a:solidFill>
+                  <a:srgbClr val="000000"/>
+                </a:solidFill>
+                <a:ln w="4862" cap="flat">
+                  <a:noFill/>
+                  <a:prstDash val="solid"/>
+                  <a:miter/>
+                </a:ln>
+              </p:spPr>
+              <p:txBody>
+                <a:bodyPr rtlCol="0" anchor="ctr"/>
+                <a:lstStyle/>
+                <a:p>
+                  <a:endParaRPr lang="en-US"/>
+                </a:p>
+              </p:txBody>
+            </p:sp>
+            <p:sp>
+              <p:nvSpPr>
+                <p:cNvPr id="37" name="Freeform 36">
+                  <a:extLst>
+                    <a:ext uri="{FF2B5EF4-FFF2-40B4-BE49-F238E27FC236}">
+                      <a16:creationId xmlns:a16="http://schemas.microsoft.com/office/drawing/2014/main" id="{53F1A78F-7261-479A-DA0D-E3DB4A84FC7D}"/>
+                    </a:ext>
+                  </a:extLst>
+                </p:cNvPr>
+                <p:cNvSpPr/>
+                <p:nvPr/>
+              </p:nvSpPr>
+              <p:spPr>
+                <a:xfrm>
+                  <a:off x="5972279" y="1768595"/>
+                  <a:ext cx="276887" cy="118666"/>
+                </a:xfrm>
+                <a:custGeom>
+                  <a:avLst/>
+                  <a:gdLst>
+                    <a:gd name="connsiteX0" fmla="*/ 237332 w 276887"/>
+                    <a:gd name="connsiteY0" fmla="*/ 79111 h 118666"/>
+                    <a:gd name="connsiteX1" fmla="*/ 227443 w 276887"/>
+                    <a:gd name="connsiteY1" fmla="*/ 69222 h 118666"/>
+                    <a:gd name="connsiteX2" fmla="*/ 237332 w 276887"/>
+                    <a:gd name="connsiteY2" fmla="*/ 59333 h 118666"/>
+                    <a:gd name="connsiteX3" fmla="*/ 247221 w 276887"/>
+                    <a:gd name="connsiteY3" fmla="*/ 69222 h 118666"/>
+                    <a:gd name="connsiteX4" fmla="*/ 237332 w 276887"/>
+                    <a:gd name="connsiteY4" fmla="*/ 79111 h 118666"/>
+                    <a:gd name="connsiteX5" fmla="*/ 138444 w 276887"/>
+                    <a:gd name="connsiteY5" fmla="*/ 39555 h 118666"/>
+                    <a:gd name="connsiteX6" fmla="*/ 0 w 276887"/>
+                    <a:gd name="connsiteY6" fmla="*/ 0 h 118666"/>
+                    <a:gd name="connsiteX7" fmla="*/ 0 w 276887"/>
+                    <a:gd name="connsiteY7" fmla="*/ 79111 h 118666"/>
+                    <a:gd name="connsiteX8" fmla="*/ 138444 w 276887"/>
+                    <a:gd name="connsiteY8" fmla="*/ 118666 h 118666"/>
+                    <a:gd name="connsiteX9" fmla="*/ 276887 w 276887"/>
+                    <a:gd name="connsiteY9" fmla="*/ 79111 h 118666"/>
+                    <a:gd name="connsiteX10" fmla="*/ 276887 w 276887"/>
+                    <a:gd name="connsiteY10" fmla="*/ 0 h 118666"/>
+                    <a:gd name="connsiteX11" fmla="*/ 138444 w 276887"/>
+                    <a:gd name="connsiteY11" fmla="*/ 39555 h 118666"/>
+                  </a:gdLst>
+                  <a:ahLst/>
+                  <a:cxnLst>
+                    <a:cxn ang="0">
+                      <a:pos x="connsiteX0" y="connsiteY0"/>
+                    </a:cxn>
+                    <a:cxn ang="0">
+                      <a:pos x="connsiteX1" y="connsiteY1"/>
+                    </a:cxn>
+                    <a:cxn ang="0">
+                      <a:pos x="connsiteX2" y="connsiteY2"/>
+                    </a:cxn>
+                    <a:cxn ang="0">
+                      <a:pos x="connsiteX3" y="connsiteY3"/>
+                    </a:cxn>
+                    <a:cxn ang="0">
+                      <a:pos x="connsiteX4" y="connsiteY4"/>
+                    </a:cxn>
+                    <a:cxn ang="0">
+                      <a:pos x="connsiteX5" y="connsiteY5"/>
+                    </a:cxn>
+                    <a:cxn ang="0">
+                      <a:pos x="connsiteX6" y="connsiteY6"/>
+                    </a:cxn>
+                    <a:cxn ang="0">
+                      <a:pos x="connsiteX7" y="connsiteY7"/>
+                    </a:cxn>
+                    <a:cxn ang="0">
+                      <a:pos x="connsiteX8" y="connsiteY8"/>
+                    </a:cxn>
+                    <a:cxn ang="0">
+                      <a:pos x="connsiteX9" y="connsiteY9"/>
+                    </a:cxn>
+                    <a:cxn ang="0">
+                      <a:pos x="connsiteX10" y="connsiteY10"/>
+                    </a:cxn>
+                    <a:cxn ang="0">
+                      <a:pos x="connsiteX11" y="connsiteY11"/>
+                    </a:cxn>
+                  </a:cxnLst>
+                  <a:rect l="l" t="t" r="r" b="b"/>
+                  <a:pathLst>
+                    <a:path w="276887" h="118666">
+                      <a:moveTo>
+                        <a:pt x="237332" y="79111"/>
+                      </a:moveTo>
+                      <a:cubicBezTo>
+                        <a:pt x="231399" y="79111"/>
+                        <a:pt x="227443" y="75155"/>
+                        <a:pt x="227443" y="69222"/>
+                      </a:cubicBezTo>
+                      <a:cubicBezTo>
+                        <a:pt x="227443" y="63289"/>
+                        <a:pt x="231399" y="59333"/>
+                        <a:pt x="237332" y="59333"/>
+                      </a:cubicBezTo>
+                      <a:cubicBezTo>
+                        <a:pt x="243265" y="59333"/>
+                        <a:pt x="247221" y="63289"/>
+                        <a:pt x="247221" y="69222"/>
+                      </a:cubicBezTo>
+                      <a:cubicBezTo>
+                        <a:pt x="247221" y="75155"/>
+                        <a:pt x="243265" y="79111"/>
+                        <a:pt x="237332" y="79111"/>
+                      </a:cubicBezTo>
+                      <a:close/>
+                      <a:moveTo>
+                        <a:pt x="138444" y="39555"/>
+                      </a:moveTo>
+                      <a:cubicBezTo>
+                        <a:pt x="62300" y="39555"/>
+                        <a:pt x="0" y="21755"/>
+                        <a:pt x="0" y="0"/>
+                      </a:cubicBezTo>
+                      <a:lnTo>
+                        <a:pt x="0" y="79111"/>
+                      </a:lnTo>
+                      <a:cubicBezTo>
+                        <a:pt x="0" y="100866"/>
+                        <a:pt x="62300" y="118666"/>
+                        <a:pt x="138444" y="118666"/>
+                      </a:cubicBezTo>
+                      <a:cubicBezTo>
+                        <a:pt x="214588" y="118666"/>
+                        <a:pt x="276887" y="100866"/>
+                        <a:pt x="276887" y="79111"/>
+                      </a:cubicBezTo>
+                      <a:lnTo>
+                        <a:pt x="276887" y="0"/>
+                      </a:lnTo>
+                      <a:cubicBezTo>
+                        <a:pt x="276887" y="21755"/>
+                        <a:pt x="214588" y="39555"/>
+                        <a:pt x="138444" y="39555"/>
+                      </a:cubicBezTo>
+                      <a:close/>
+                    </a:path>
+                  </a:pathLst>
+                </a:custGeom>
+                <a:solidFill>
+                  <a:srgbClr val="000000"/>
+                </a:solidFill>
+                <a:ln w="4862" cap="flat">
+                  <a:noFill/>
+                  <a:prstDash val="solid"/>
+                  <a:miter/>
+                </a:ln>
+              </p:spPr>
+              <p:txBody>
+                <a:bodyPr rtlCol="0" anchor="ctr"/>
+                <a:lstStyle/>
+                <a:p>
+                  <a:endParaRPr lang="en-US"/>
+                </a:p>
+              </p:txBody>
+            </p:sp>
+            <p:sp>
+              <p:nvSpPr>
+                <p:cNvPr id="38" name="Freeform 37">
+                  <a:extLst>
+                    <a:ext uri="{FF2B5EF4-FFF2-40B4-BE49-F238E27FC236}">
+                      <a16:creationId xmlns:a16="http://schemas.microsoft.com/office/drawing/2014/main" id="{27381EFB-1E29-6C8D-EE5B-24A938071109}"/>
+                    </a:ext>
+                  </a:extLst>
+                </p:cNvPr>
+                <p:cNvSpPr/>
+                <p:nvPr/>
+              </p:nvSpPr>
+              <p:spPr>
+                <a:xfrm>
+                  <a:off x="5972279" y="1867483"/>
+                  <a:ext cx="276887" cy="118666"/>
+                </a:xfrm>
+                <a:custGeom>
+                  <a:avLst/>
+                  <a:gdLst>
+                    <a:gd name="connsiteX0" fmla="*/ 237332 w 276887"/>
+                    <a:gd name="connsiteY0" fmla="*/ 79111 h 118666"/>
+                    <a:gd name="connsiteX1" fmla="*/ 227443 w 276887"/>
+                    <a:gd name="connsiteY1" fmla="*/ 69222 h 118666"/>
+                    <a:gd name="connsiteX2" fmla="*/ 237332 w 276887"/>
+                    <a:gd name="connsiteY2" fmla="*/ 59333 h 118666"/>
+                    <a:gd name="connsiteX3" fmla="*/ 247221 w 276887"/>
+                    <a:gd name="connsiteY3" fmla="*/ 69222 h 118666"/>
+                    <a:gd name="connsiteX4" fmla="*/ 237332 w 276887"/>
+                    <a:gd name="connsiteY4" fmla="*/ 79111 h 118666"/>
+                    <a:gd name="connsiteX5" fmla="*/ 138444 w 276887"/>
+                    <a:gd name="connsiteY5" fmla="*/ 39555 h 118666"/>
+                    <a:gd name="connsiteX6" fmla="*/ 0 w 276887"/>
+                    <a:gd name="connsiteY6" fmla="*/ 0 h 118666"/>
+                    <a:gd name="connsiteX7" fmla="*/ 0 w 276887"/>
+                    <a:gd name="connsiteY7" fmla="*/ 79111 h 118666"/>
+                    <a:gd name="connsiteX8" fmla="*/ 138444 w 276887"/>
+                    <a:gd name="connsiteY8" fmla="*/ 118666 h 118666"/>
+                    <a:gd name="connsiteX9" fmla="*/ 276887 w 276887"/>
+                    <a:gd name="connsiteY9" fmla="*/ 79111 h 118666"/>
+                    <a:gd name="connsiteX10" fmla="*/ 276887 w 276887"/>
+                    <a:gd name="connsiteY10" fmla="*/ 0 h 118666"/>
+                    <a:gd name="connsiteX11" fmla="*/ 138444 w 276887"/>
+                    <a:gd name="connsiteY11" fmla="*/ 39555 h 118666"/>
+                  </a:gdLst>
+                  <a:ahLst/>
+                  <a:cxnLst>
+                    <a:cxn ang="0">
+                      <a:pos x="connsiteX0" y="connsiteY0"/>
+                    </a:cxn>
+                    <a:cxn ang="0">
+                      <a:pos x="connsiteX1" y="connsiteY1"/>
+                    </a:cxn>
+                    <a:cxn ang="0">
+                      <a:pos x="connsiteX2" y="connsiteY2"/>
+                    </a:cxn>
+                    <a:cxn ang="0">
+                      <a:pos x="connsiteX3" y="connsiteY3"/>
+                    </a:cxn>
+                    <a:cxn ang="0">
+                      <a:pos x="connsiteX4" y="connsiteY4"/>
+                    </a:cxn>
+                    <a:cxn ang="0">
+                      <a:pos x="connsiteX5" y="connsiteY5"/>
+                    </a:cxn>
+                    <a:cxn ang="0">
+                      <a:pos x="connsiteX6" y="connsiteY6"/>
+                    </a:cxn>
+                    <a:cxn ang="0">
+                      <a:pos x="connsiteX7" y="connsiteY7"/>
+                    </a:cxn>
+                    <a:cxn ang="0">
+                      <a:pos x="connsiteX8" y="connsiteY8"/>
+                    </a:cxn>
+                    <a:cxn ang="0">
+                      <a:pos x="connsiteX9" y="connsiteY9"/>
+                    </a:cxn>
+                    <a:cxn ang="0">
+                      <a:pos x="connsiteX10" y="connsiteY10"/>
+                    </a:cxn>
+                    <a:cxn ang="0">
+                      <a:pos x="connsiteX11" y="connsiteY11"/>
+                    </a:cxn>
+                  </a:cxnLst>
+                  <a:rect l="l" t="t" r="r" b="b"/>
+                  <a:pathLst>
+                    <a:path w="276887" h="118666">
+                      <a:moveTo>
+                        <a:pt x="237332" y="79111"/>
+                      </a:moveTo>
+                      <a:cubicBezTo>
+                        <a:pt x="231399" y="79111"/>
+                        <a:pt x="227443" y="75155"/>
+                        <a:pt x="227443" y="69222"/>
+                      </a:cubicBezTo>
+                      <a:cubicBezTo>
+                        <a:pt x="227443" y="63289"/>
+                        <a:pt x="231399" y="59333"/>
+                        <a:pt x="237332" y="59333"/>
+                      </a:cubicBezTo>
+                      <a:cubicBezTo>
+                        <a:pt x="243265" y="59333"/>
+                        <a:pt x="247221" y="63289"/>
+                        <a:pt x="247221" y="69222"/>
+                      </a:cubicBezTo>
+                      <a:cubicBezTo>
+                        <a:pt x="247221" y="75155"/>
+                        <a:pt x="243265" y="79111"/>
+                        <a:pt x="237332" y="79111"/>
+                      </a:cubicBezTo>
+                      <a:close/>
+                      <a:moveTo>
+                        <a:pt x="138444" y="39555"/>
+                      </a:moveTo>
+                      <a:cubicBezTo>
+                        <a:pt x="62300" y="39555"/>
+                        <a:pt x="0" y="21755"/>
+                        <a:pt x="0" y="0"/>
+                      </a:cubicBezTo>
+                      <a:lnTo>
+                        <a:pt x="0" y="79111"/>
+                      </a:lnTo>
+                      <a:cubicBezTo>
+                        <a:pt x="0" y="100866"/>
+                        <a:pt x="62300" y="118666"/>
+                        <a:pt x="138444" y="118666"/>
+                      </a:cubicBezTo>
+                      <a:cubicBezTo>
+                        <a:pt x="214588" y="118666"/>
+                        <a:pt x="276887" y="100866"/>
+                        <a:pt x="276887" y="79111"/>
+                      </a:cubicBezTo>
+                      <a:lnTo>
+                        <a:pt x="276887" y="0"/>
+                      </a:lnTo>
+                      <a:cubicBezTo>
+                        <a:pt x="276887" y="21755"/>
+                        <a:pt x="214588" y="39555"/>
+                        <a:pt x="138444" y="39555"/>
+                      </a:cubicBezTo>
+                      <a:close/>
+                    </a:path>
+                  </a:pathLst>
+                </a:custGeom>
+                <a:solidFill>
+                  <a:srgbClr val="000000"/>
+                </a:solidFill>
+                <a:ln w="4862" cap="flat">
+                  <a:noFill/>
+                  <a:prstDash val="solid"/>
+                  <a:miter/>
+                </a:ln>
+              </p:spPr>
+              <p:txBody>
+                <a:bodyPr rtlCol="0" anchor="ctr"/>
+                <a:lstStyle/>
+                <a:p>
+                  <a:endParaRPr lang="en-US"/>
+                </a:p>
+              </p:txBody>
+            </p:sp>
+          </p:grpSp>
+        </p:grpSp>
+        <p:cxnSp>
+          <p:nvCxnSpPr>
+            <p:cNvPr id="30" name="Straight Arrow Connector 29">
+              <a:extLst>
+                <a:ext uri="{FF2B5EF4-FFF2-40B4-BE49-F238E27FC236}">
+                  <a16:creationId xmlns:a16="http://schemas.microsoft.com/office/drawing/2014/main" id="{9A2349B0-6E77-5544-AAF3-24DB3B7D849D}"/>
+                </a:ext>
+              </a:extLst>
+            </p:cNvPr>
+            <p:cNvCxnSpPr>
+              <a:cxnSpLocks/>
+              <a:stCxn id="22" idx="0"/>
+              <a:endCxn id="74" idx="3"/>
+            </p:cNvCxnSpPr>
+            <p:nvPr/>
+          </p:nvCxnSpPr>
+          <p:spPr>
+            <a:xfrm flipH="1" flipV="1">
+              <a:off x="4268283" y="1666723"/>
+              <a:ext cx="2485825" cy="3073275"/>
+            </a:xfrm>
+            <a:prstGeom prst="straightConnector1">
+              <a:avLst/>
+            </a:prstGeom>
+            <a:ln>
+              <a:solidFill>
+                <a:schemeClr val="tx1"/>
+              </a:solidFill>
+              <a:headEnd type="triangle"/>
+              <a:tailEnd type="triangle"/>
+            </a:ln>
+          </p:spPr>
+          <p:style>
+            <a:lnRef idx="1">
+              <a:schemeClr val="accent1"/>
+            </a:lnRef>
+            <a:fillRef idx="0">
+              <a:schemeClr val="accent1"/>
+            </a:fillRef>
+            <a:effectRef idx="0">
+              <a:schemeClr val="accent1"/>
+            </a:effectRef>
+            <a:fontRef idx="minor">
+              <a:schemeClr val="tx1"/>
+            </a:fontRef>
+          </p:style>
+        </p:cxnSp>
+        <p:grpSp>
+          <p:nvGrpSpPr>
+            <p:cNvPr id="123" name="Group 122">
+              <a:extLst>
+                <a:ext uri="{FF2B5EF4-FFF2-40B4-BE49-F238E27FC236}">
+                  <a16:creationId xmlns:a16="http://schemas.microsoft.com/office/drawing/2014/main" id="{C0AD6CCD-B304-8E40-8BE2-393D9801BAC8}"/>
+                </a:ext>
+              </a:extLst>
+            </p:cNvPr>
+            <p:cNvGrpSpPr/>
+            <p:nvPr/>
+          </p:nvGrpSpPr>
+          <p:grpSpPr>
+            <a:xfrm>
+              <a:off x="5305564" y="4578692"/>
+              <a:ext cx="2926009" cy="2118620"/>
+              <a:chOff x="5657816" y="3944526"/>
+              <a:chExt cx="2926009" cy="2118620"/>
             </a:xfrm>
           </p:grpSpPr>
           <p:sp>
             <p:nvSpPr>
-              <p:cNvPr id="21" name="Rectangle 20">
+              <p:cNvPr id="24" name="Rectangle 23">
                 <a:extLst>
                   <a:ext uri="{FF2B5EF4-FFF2-40B4-BE49-F238E27FC236}">
-                    <a16:creationId xmlns:a16="http://schemas.microsoft.com/office/drawing/2014/main" id="{C012DE06-1E2C-E945-861A-200E1B8BB152}"/>
+                    <a16:creationId xmlns:a16="http://schemas.microsoft.com/office/drawing/2014/main" id="{7FD30231-46AF-4645-B6F0-73ED3FCE7064}"/>
                   </a:ext>
                 </a:extLst>
               </p:cNvPr>
@@ -3380,8 +4287,8 @@
             </p:nvSpPr>
             <p:spPr>
               <a:xfrm>
-                <a:off x="5896173" y="610154"/>
-                <a:ext cx="1928400" cy="1909837"/>
+                <a:off x="5657816" y="3944526"/>
+                <a:ext cx="2926009" cy="2118620"/>
               </a:xfrm>
               <a:prstGeom prst="rect">
                 <a:avLst/>
@@ -3413,7 +4320,7 @@
               </a:fontRef>
             </p:style>
             <p:txBody>
-              <a:bodyPr rtlCol="0" anchor="t"/>
+              <a:bodyPr rtlCol="0" anchor="b"/>
               <a:lstStyle/>
               <a:p>
                 <a:pPr algn="r"/>
@@ -3422,21 +4329,21 @@
                     <a:solidFill>
                       <a:schemeClr val="tx1"/>
                     </a:solidFill>
-                    <a:latin typeface="CMU Serif Roman" panose="02000603000000000000" pitchFamily="2" charset="0"/>
-                    <a:ea typeface="CMU Serif Roman" panose="02000603000000000000" pitchFamily="2" charset="0"/>
-                    <a:cs typeface="CMU Serif Roman" panose="02000603000000000000" pitchFamily="2" charset="0"/>
+                    <a:latin typeface="CMU Sans Serif Medium" panose="02000603000000000000" pitchFamily="2" charset="0"/>
+                    <a:ea typeface="CMU Sans Serif Medium" panose="02000603000000000000" pitchFamily="2" charset="0"/>
+                    <a:cs typeface="CMU Sans Serif Medium" panose="02000603000000000000" pitchFamily="2" charset="0"/>
                   </a:rPr>
-                  <a:t>Edge Node</a:t>
+                  <a:t>Fog Node</a:t>
                 </a:r>
               </a:p>
             </p:txBody>
           </p:sp>
           <p:sp>
             <p:nvSpPr>
-              <p:cNvPr id="5" name="Rectangle 4">
+              <p:cNvPr id="22" name="Rectangle 21">
                 <a:extLst>
                   <a:ext uri="{FF2B5EF4-FFF2-40B4-BE49-F238E27FC236}">
-                    <a16:creationId xmlns:a16="http://schemas.microsoft.com/office/drawing/2014/main" id="{CDBEC012-EBC4-AA4A-A851-6D7BC29E2E0A}"/>
+                    <a16:creationId xmlns:a16="http://schemas.microsoft.com/office/drawing/2014/main" id="{BCAE6EBF-7919-A24A-A69D-6B2485FF262D}"/>
                   </a:ext>
                 </a:extLst>
               </p:cNvPr>
@@ -3445,8 +4352,8 @@
             </p:nvSpPr>
             <p:spPr>
               <a:xfrm>
-                <a:off x="5990248" y="981664"/>
-                <a:ext cx="1683963" cy="1332258"/>
+                <a:off x="5751892" y="4105832"/>
+                <a:ext cx="2708936" cy="1538211"/>
               </a:xfrm>
               <a:prstGeom prst="rect">
                 <a:avLst/>
@@ -3486,9 +4393,9 @@
                     <a:solidFill>
                       <a:schemeClr val="tx1"/>
                     </a:solidFill>
-                    <a:latin typeface="CMU Serif Roman" panose="02000603000000000000" pitchFamily="2" charset="0"/>
-                    <a:ea typeface="CMU Serif Roman" panose="02000603000000000000" pitchFamily="2" charset="0"/>
-                    <a:cs typeface="CMU Serif Roman" panose="02000603000000000000" pitchFamily="2" charset="0"/>
+                    <a:latin typeface="CMU Sans Serif Medium" panose="02000603000000000000" pitchFamily="2" charset="0"/>
+                    <a:ea typeface="CMU Sans Serif Medium" panose="02000603000000000000" pitchFamily="2" charset="0"/>
+                    <a:cs typeface="CMU Sans Serif Medium" panose="02000603000000000000" pitchFamily="2" charset="0"/>
                   </a:rPr>
                   <a:t>FReD</a:t>
                 </a:r>
@@ -3497,9 +4404,9 @@
                     <a:solidFill>
                       <a:schemeClr val="tx1"/>
                     </a:solidFill>
-                    <a:latin typeface="CMU Serif Roman" panose="02000603000000000000" pitchFamily="2" charset="0"/>
-                    <a:ea typeface="CMU Serif Roman" panose="02000603000000000000" pitchFamily="2" charset="0"/>
-                    <a:cs typeface="CMU Serif Roman" panose="02000603000000000000" pitchFamily="2" charset="0"/>
+                    <a:latin typeface="CMU Sans Serif Medium" panose="02000603000000000000" pitchFamily="2" charset="0"/>
+                    <a:ea typeface="CMU Sans Serif Medium" panose="02000603000000000000" pitchFamily="2" charset="0"/>
+                    <a:cs typeface="CMU Sans Serif Medium" panose="02000603000000000000" pitchFamily="2" charset="0"/>
                   </a:rPr>
                   <a:t> Node</a:t>
                 </a:r>
@@ -3508,10 +4415,10 @@
           </p:sp>
           <p:sp>
             <p:nvSpPr>
-              <p:cNvPr id="20" name="Rectangle 19">
+              <p:cNvPr id="25" name="Rectangle 24">
                 <a:extLst>
                   <a:ext uri="{FF2B5EF4-FFF2-40B4-BE49-F238E27FC236}">
-                    <a16:creationId xmlns:a16="http://schemas.microsoft.com/office/drawing/2014/main" id="{14E5F5F3-37EE-AD4A-B72F-32735A2CF4A5}"/>
+                    <a16:creationId xmlns:a16="http://schemas.microsoft.com/office/drawing/2014/main" id="{CFAE62F7-48A9-AC4A-9F59-2A62F67522EF}"/>
                   </a:ext>
                 </a:extLst>
               </p:cNvPr>
@@ -3520,7 +4427,82 @@
             </p:nvSpPr>
             <p:spPr>
               <a:xfrm>
-                <a:off x="6246101" y="1269843"/>
+                <a:off x="6024346" y="4353314"/>
+                <a:ext cx="1154220" cy="549564"/>
+              </a:xfrm>
+              <a:prstGeom prst="rect">
+                <a:avLst/>
+              </a:prstGeom>
+              <a:solidFill>
+                <a:schemeClr val="bg1"/>
+              </a:solidFill>
+              <a:ln>
+                <a:solidFill>
+                  <a:schemeClr val="tx1"/>
+                </a:solidFill>
+              </a:ln>
+            </p:spPr>
+            <p:style>
+              <a:lnRef idx="2">
+                <a:schemeClr val="accent1">
+                  <a:shade val="50000"/>
+                </a:schemeClr>
+              </a:lnRef>
+              <a:fillRef idx="1">
+                <a:schemeClr val="accent1"/>
+              </a:fillRef>
+              <a:effectRef idx="0">
+                <a:schemeClr val="accent1"/>
+              </a:effectRef>
+              <a:fontRef idx="minor">
+                <a:schemeClr val="lt1"/>
+              </a:fontRef>
+            </p:style>
+            <p:txBody>
+              <a:bodyPr rtlCol="0" anchor="ctr"/>
+              <a:lstStyle/>
+              <a:p>
+                <a:pPr algn="ctr"/>
+                <a:r>
+                  <a:rPr lang="en-US" dirty="0">
+                    <a:solidFill>
+                      <a:schemeClr val="tx1"/>
+                    </a:solidFill>
+                    <a:latin typeface="Hack" panose="020B0609030202020204" pitchFamily="49" charset="0"/>
+                    <a:ea typeface="Hack" panose="020B0609030202020204" pitchFamily="49" charset="0"/>
+                    <a:cs typeface="Hack" panose="020B0609030202020204" pitchFamily="49" charset="0"/>
+                  </a:rPr>
+                  <a:t>storage</a:t>
+                </a:r>
+                <a:r>
+                  <a:rPr lang="en-US" dirty="0">
+                    <a:solidFill>
+                      <a:schemeClr val="tx1"/>
+                    </a:solidFill>
+                    <a:latin typeface="Courier New" panose="02070309020205020404" pitchFamily="49" charset="0"/>
+                    <a:ea typeface="CMU Serif Roman" panose="02000603000000000000" pitchFamily="2" charset="0"/>
+                    <a:cs typeface="Courier New" panose="02070309020205020404" pitchFamily="49" charset="0"/>
+                  </a:rPr>
+                  <a:t> </a:t>
+                </a:r>
+              </a:p>
+            </p:txBody>
+          </p:sp>
+          <p:sp>
+            <p:nvSpPr>
+              <p:cNvPr id="23" name="Rectangle 22">
+                <a:extLst>
+                  <a:ext uri="{FF2B5EF4-FFF2-40B4-BE49-F238E27FC236}">
+                    <a16:creationId xmlns:a16="http://schemas.microsoft.com/office/drawing/2014/main" id="{58D81263-0FF9-E248-8E18-C4BA22B14783}"/>
+                  </a:ext>
+                </a:extLst>
+              </p:cNvPr>
+              <p:cNvSpPr/>
+              <p:nvPr/>
+            </p:nvSpPr>
+            <p:spPr>
+              <a:xfrm>
+                <a:off x="7399279" y="4358537"/>
                 <a:ext cx="867104" cy="549564"/>
               </a:xfrm>
               <a:prstGeom prst="rect">
@@ -3561,9 +4543,9 @@
                     <a:solidFill>
                       <a:schemeClr val="tx1"/>
                     </a:solidFill>
-                    <a:latin typeface="Courier New" panose="02070309020205020404" pitchFamily="49" charset="0"/>
-                    <a:ea typeface="CMU Serif Roman" panose="02000603000000000000" pitchFamily="2" charset="0"/>
-                    <a:cs typeface="Courier New" panose="02070309020205020404" pitchFamily="49" charset="0"/>
+                    <a:latin typeface="Hack" panose="020B0609030202020204" pitchFamily="49" charset="0"/>
+                    <a:ea typeface="Hack" panose="020B0609030202020204" pitchFamily="49" charset="0"/>
+                    <a:cs typeface="Hack" panose="020B0609030202020204" pitchFamily="49" charset="0"/>
                   </a:rPr>
                   <a:t>fred</a:t>
                 </a:r>
@@ -3581,117 +4563,2719 @@
               </a:p>
             </p:txBody>
           </p:sp>
+          <p:grpSp>
+            <p:nvGrpSpPr>
+              <p:cNvPr id="27" name="Graphic 25" descr="Database with solid fill">
+                <a:extLst>
+                  <a:ext uri="{FF2B5EF4-FFF2-40B4-BE49-F238E27FC236}">
+                    <a16:creationId xmlns:a16="http://schemas.microsoft.com/office/drawing/2014/main" id="{FB5D4B04-AE92-EA08-38FA-64D2C0F943A4}"/>
+                  </a:ext>
+                </a:extLst>
+              </p:cNvPr>
+              <p:cNvGrpSpPr/>
+              <p:nvPr/>
+            </p:nvGrpSpPr>
+            <p:grpSpPr>
+              <a:xfrm>
+                <a:off x="5886591" y="4681908"/>
+                <a:ext cx="320579" cy="435071"/>
+                <a:chOff x="5886591" y="4681908"/>
+                <a:chExt cx="320579" cy="435071"/>
+              </a:xfrm>
+              <a:solidFill>
+                <a:srgbClr val="000000"/>
+              </a:solidFill>
+            </p:grpSpPr>
+            <p:sp>
+              <p:nvSpPr>
+                <p:cNvPr id="28" name="Freeform 27">
+                  <a:extLst>
+                    <a:ext uri="{FF2B5EF4-FFF2-40B4-BE49-F238E27FC236}">
+                      <a16:creationId xmlns:a16="http://schemas.microsoft.com/office/drawing/2014/main" id="{348E571D-6447-1674-EAC4-3F4A003038A7}"/>
+                    </a:ext>
+                  </a:extLst>
+                </p:cNvPr>
+                <p:cNvSpPr/>
+                <p:nvPr/>
+              </p:nvSpPr>
+              <p:spPr>
+                <a:xfrm>
+                  <a:off x="5886591" y="4681908"/>
+                  <a:ext cx="320579" cy="91594"/>
+                </a:xfrm>
+                <a:custGeom>
+                  <a:avLst/>
+                  <a:gdLst>
+                    <a:gd name="connsiteX0" fmla="*/ 320579 w 320579"/>
+                    <a:gd name="connsiteY0" fmla="*/ 45797 h 91594"/>
+                    <a:gd name="connsiteX1" fmla="*/ 160290 w 320579"/>
+                    <a:gd name="connsiteY1" fmla="*/ 91594 h 91594"/>
+                    <a:gd name="connsiteX2" fmla="*/ 0 w 320579"/>
+                    <a:gd name="connsiteY2" fmla="*/ 45797 h 91594"/>
+                    <a:gd name="connsiteX3" fmla="*/ 160290 w 320579"/>
+                    <a:gd name="connsiteY3" fmla="*/ 0 h 91594"/>
+                    <a:gd name="connsiteX4" fmla="*/ 320579 w 320579"/>
+                    <a:gd name="connsiteY4" fmla="*/ 45797 h 91594"/>
+                  </a:gdLst>
+                  <a:ahLst/>
+                  <a:cxnLst>
+                    <a:cxn ang="0">
+                      <a:pos x="connsiteX0" y="connsiteY0"/>
+                    </a:cxn>
+                    <a:cxn ang="0">
+                      <a:pos x="connsiteX1" y="connsiteY1"/>
+                    </a:cxn>
+                    <a:cxn ang="0">
+                      <a:pos x="connsiteX2" y="connsiteY2"/>
+                    </a:cxn>
+                    <a:cxn ang="0">
+                      <a:pos x="connsiteX3" y="connsiteY3"/>
+                    </a:cxn>
+                    <a:cxn ang="0">
+                      <a:pos x="connsiteX4" y="connsiteY4"/>
+                    </a:cxn>
+                  </a:cxnLst>
+                  <a:rect l="l" t="t" r="r" b="b"/>
+                  <a:pathLst>
+                    <a:path w="320579" h="91594">
+                      <a:moveTo>
+                        <a:pt x="320579" y="45797"/>
+                      </a:moveTo>
+                      <a:cubicBezTo>
+                        <a:pt x="320579" y="71090"/>
+                        <a:pt x="248815" y="91594"/>
+                        <a:pt x="160290" y="91594"/>
+                      </a:cubicBezTo>
+                      <a:cubicBezTo>
+                        <a:pt x="71764" y="91594"/>
+                        <a:pt x="0" y="71090"/>
+                        <a:pt x="0" y="45797"/>
+                      </a:cubicBezTo>
+                      <a:cubicBezTo>
+                        <a:pt x="0" y="20504"/>
+                        <a:pt x="71764" y="0"/>
+                        <a:pt x="160290" y="0"/>
+                      </a:cubicBezTo>
+                      <a:cubicBezTo>
+                        <a:pt x="248815" y="0"/>
+                        <a:pt x="320579" y="20504"/>
+                        <a:pt x="320579" y="45797"/>
+                      </a:cubicBezTo>
+                      <a:close/>
+                    </a:path>
+                  </a:pathLst>
+                </a:custGeom>
+                <a:solidFill>
+                  <a:srgbClr val="000000"/>
+                </a:solidFill>
+                <a:ln w="5655" cap="flat">
+                  <a:noFill/>
+                  <a:prstDash val="solid"/>
+                  <a:miter/>
+                </a:ln>
+              </p:spPr>
+              <p:txBody>
+                <a:bodyPr rtlCol="0" anchor="ctr"/>
+                <a:lstStyle/>
+                <a:p>
+                  <a:endParaRPr lang="en-US"/>
+                </a:p>
+              </p:txBody>
+            </p:sp>
+            <p:sp>
+              <p:nvSpPr>
+                <p:cNvPr id="29" name="Freeform 28">
+                  <a:extLst>
+                    <a:ext uri="{FF2B5EF4-FFF2-40B4-BE49-F238E27FC236}">
+                      <a16:creationId xmlns:a16="http://schemas.microsoft.com/office/drawing/2014/main" id="{715FE755-1EDC-9685-2ABF-1ECABB5902EE}"/>
+                    </a:ext>
+                  </a:extLst>
+                </p:cNvPr>
+                <p:cNvSpPr/>
+                <p:nvPr/>
+              </p:nvSpPr>
+              <p:spPr>
+                <a:xfrm>
+                  <a:off x="5886591" y="4750603"/>
+                  <a:ext cx="320579" cy="137391"/>
+                </a:xfrm>
+                <a:custGeom>
+                  <a:avLst/>
+                  <a:gdLst>
+                    <a:gd name="connsiteX0" fmla="*/ 274782 w 320579"/>
+                    <a:gd name="connsiteY0" fmla="*/ 91594 h 137391"/>
+                    <a:gd name="connsiteX1" fmla="*/ 263333 w 320579"/>
+                    <a:gd name="connsiteY1" fmla="*/ 80145 h 137391"/>
+                    <a:gd name="connsiteX2" fmla="*/ 274782 w 320579"/>
+                    <a:gd name="connsiteY2" fmla="*/ 68696 h 137391"/>
+                    <a:gd name="connsiteX3" fmla="*/ 286231 w 320579"/>
+                    <a:gd name="connsiteY3" fmla="*/ 80145 h 137391"/>
+                    <a:gd name="connsiteX4" fmla="*/ 274782 w 320579"/>
+                    <a:gd name="connsiteY4" fmla="*/ 91594 h 137391"/>
+                    <a:gd name="connsiteX5" fmla="*/ 160290 w 320579"/>
+                    <a:gd name="connsiteY5" fmla="*/ 45797 h 137391"/>
+                    <a:gd name="connsiteX6" fmla="*/ 0 w 320579"/>
+                    <a:gd name="connsiteY6" fmla="*/ 0 h 137391"/>
+                    <a:gd name="connsiteX7" fmla="*/ 0 w 320579"/>
+                    <a:gd name="connsiteY7" fmla="*/ 91594 h 137391"/>
+                    <a:gd name="connsiteX8" fmla="*/ 160290 w 320579"/>
+                    <a:gd name="connsiteY8" fmla="*/ 137391 h 137391"/>
+                    <a:gd name="connsiteX9" fmla="*/ 320579 w 320579"/>
+                    <a:gd name="connsiteY9" fmla="*/ 91594 h 137391"/>
+                    <a:gd name="connsiteX10" fmla="*/ 320579 w 320579"/>
+                    <a:gd name="connsiteY10" fmla="*/ 0 h 137391"/>
+                    <a:gd name="connsiteX11" fmla="*/ 160290 w 320579"/>
+                    <a:gd name="connsiteY11" fmla="*/ 45797 h 137391"/>
+                  </a:gdLst>
+                  <a:ahLst/>
+                  <a:cxnLst>
+                    <a:cxn ang="0">
+                      <a:pos x="connsiteX0" y="connsiteY0"/>
+                    </a:cxn>
+                    <a:cxn ang="0">
+                      <a:pos x="connsiteX1" y="connsiteY1"/>
+                    </a:cxn>
+                    <a:cxn ang="0">
+                      <a:pos x="connsiteX2" y="connsiteY2"/>
+                    </a:cxn>
+                    <a:cxn ang="0">
+                      <a:pos x="connsiteX3" y="connsiteY3"/>
+                    </a:cxn>
+                    <a:cxn ang="0">
+                      <a:pos x="connsiteX4" y="connsiteY4"/>
+                    </a:cxn>
+                    <a:cxn ang="0">
+                      <a:pos x="connsiteX5" y="connsiteY5"/>
+                    </a:cxn>
+                    <a:cxn ang="0">
+                      <a:pos x="connsiteX6" y="connsiteY6"/>
+                    </a:cxn>
+                    <a:cxn ang="0">
+                      <a:pos x="connsiteX7" y="connsiteY7"/>
+                    </a:cxn>
+                    <a:cxn ang="0">
+                      <a:pos x="connsiteX8" y="connsiteY8"/>
+                    </a:cxn>
+                    <a:cxn ang="0">
+                      <a:pos x="connsiteX9" y="connsiteY9"/>
+                    </a:cxn>
+                    <a:cxn ang="0">
+                      <a:pos x="connsiteX10" y="connsiteY10"/>
+                    </a:cxn>
+                    <a:cxn ang="0">
+                      <a:pos x="connsiteX11" y="connsiteY11"/>
+                    </a:cxn>
+                  </a:cxnLst>
+                  <a:rect l="l" t="t" r="r" b="b"/>
+                  <a:pathLst>
+                    <a:path w="320579" h="137391">
+                      <a:moveTo>
+                        <a:pt x="274782" y="91594"/>
+                      </a:moveTo>
+                      <a:cubicBezTo>
+                        <a:pt x="267912" y="91594"/>
+                        <a:pt x="263333" y="87014"/>
+                        <a:pt x="263333" y="80145"/>
+                      </a:cubicBezTo>
+                      <a:cubicBezTo>
+                        <a:pt x="263333" y="73275"/>
+                        <a:pt x="267912" y="68696"/>
+                        <a:pt x="274782" y="68696"/>
+                      </a:cubicBezTo>
+                      <a:cubicBezTo>
+                        <a:pt x="281652" y="68696"/>
+                        <a:pt x="286231" y="73275"/>
+                        <a:pt x="286231" y="80145"/>
+                      </a:cubicBezTo>
+                      <a:cubicBezTo>
+                        <a:pt x="286231" y="87014"/>
+                        <a:pt x="281652" y="91594"/>
+                        <a:pt x="274782" y="91594"/>
+                      </a:cubicBezTo>
+                      <a:close/>
+                      <a:moveTo>
+                        <a:pt x="160290" y="45797"/>
+                      </a:moveTo>
+                      <a:cubicBezTo>
+                        <a:pt x="72130" y="45797"/>
+                        <a:pt x="0" y="25188"/>
+                        <a:pt x="0" y="0"/>
+                      </a:cubicBezTo>
+                      <a:lnTo>
+                        <a:pt x="0" y="91594"/>
+                      </a:lnTo>
+                      <a:cubicBezTo>
+                        <a:pt x="0" y="116782"/>
+                        <a:pt x="72130" y="137391"/>
+                        <a:pt x="160290" y="137391"/>
+                      </a:cubicBezTo>
+                      <a:cubicBezTo>
+                        <a:pt x="248449" y="137391"/>
+                        <a:pt x="320579" y="116782"/>
+                        <a:pt x="320579" y="91594"/>
+                      </a:cubicBezTo>
+                      <a:lnTo>
+                        <a:pt x="320579" y="0"/>
+                      </a:lnTo>
+                      <a:cubicBezTo>
+                        <a:pt x="320579" y="25188"/>
+                        <a:pt x="248449" y="45797"/>
+                        <a:pt x="160290" y="45797"/>
+                      </a:cubicBezTo>
+                      <a:close/>
+                    </a:path>
+                  </a:pathLst>
+                </a:custGeom>
+                <a:solidFill>
+                  <a:srgbClr val="000000"/>
+                </a:solidFill>
+                <a:ln w="5655" cap="flat">
+                  <a:noFill/>
+                  <a:prstDash val="solid"/>
+                  <a:miter/>
+                </a:ln>
+              </p:spPr>
+              <p:txBody>
+                <a:bodyPr rtlCol="0" anchor="ctr"/>
+                <a:lstStyle/>
+                <a:p>
+                  <a:endParaRPr lang="en-US"/>
+                </a:p>
+              </p:txBody>
+            </p:sp>
+            <p:sp>
+              <p:nvSpPr>
+                <p:cNvPr id="31" name="Freeform 30">
+                  <a:extLst>
+                    <a:ext uri="{FF2B5EF4-FFF2-40B4-BE49-F238E27FC236}">
+                      <a16:creationId xmlns:a16="http://schemas.microsoft.com/office/drawing/2014/main" id="{1DDECCF9-0C1B-5E93-B2BC-5EB98DCFECB3}"/>
+                    </a:ext>
+                  </a:extLst>
+                </p:cNvPr>
+                <p:cNvSpPr/>
+                <p:nvPr/>
+              </p:nvSpPr>
+              <p:spPr>
+                <a:xfrm>
+                  <a:off x="5886591" y="4865096"/>
+                  <a:ext cx="320579" cy="137391"/>
+                </a:xfrm>
+                <a:custGeom>
+                  <a:avLst/>
+                  <a:gdLst>
+                    <a:gd name="connsiteX0" fmla="*/ 274782 w 320579"/>
+                    <a:gd name="connsiteY0" fmla="*/ 91594 h 137391"/>
+                    <a:gd name="connsiteX1" fmla="*/ 263333 w 320579"/>
+                    <a:gd name="connsiteY1" fmla="*/ 80145 h 137391"/>
+                    <a:gd name="connsiteX2" fmla="*/ 274782 w 320579"/>
+                    <a:gd name="connsiteY2" fmla="*/ 68696 h 137391"/>
+                    <a:gd name="connsiteX3" fmla="*/ 286231 w 320579"/>
+                    <a:gd name="connsiteY3" fmla="*/ 80145 h 137391"/>
+                    <a:gd name="connsiteX4" fmla="*/ 274782 w 320579"/>
+                    <a:gd name="connsiteY4" fmla="*/ 91594 h 137391"/>
+                    <a:gd name="connsiteX5" fmla="*/ 160290 w 320579"/>
+                    <a:gd name="connsiteY5" fmla="*/ 45797 h 137391"/>
+                    <a:gd name="connsiteX6" fmla="*/ 0 w 320579"/>
+                    <a:gd name="connsiteY6" fmla="*/ 0 h 137391"/>
+                    <a:gd name="connsiteX7" fmla="*/ 0 w 320579"/>
+                    <a:gd name="connsiteY7" fmla="*/ 91594 h 137391"/>
+                    <a:gd name="connsiteX8" fmla="*/ 160290 w 320579"/>
+                    <a:gd name="connsiteY8" fmla="*/ 137391 h 137391"/>
+                    <a:gd name="connsiteX9" fmla="*/ 320579 w 320579"/>
+                    <a:gd name="connsiteY9" fmla="*/ 91594 h 137391"/>
+                    <a:gd name="connsiteX10" fmla="*/ 320579 w 320579"/>
+                    <a:gd name="connsiteY10" fmla="*/ 0 h 137391"/>
+                    <a:gd name="connsiteX11" fmla="*/ 160290 w 320579"/>
+                    <a:gd name="connsiteY11" fmla="*/ 45797 h 137391"/>
+                  </a:gdLst>
+                  <a:ahLst/>
+                  <a:cxnLst>
+                    <a:cxn ang="0">
+                      <a:pos x="connsiteX0" y="connsiteY0"/>
+                    </a:cxn>
+                    <a:cxn ang="0">
+                      <a:pos x="connsiteX1" y="connsiteY1"/>
+                    </a:cxn>
+                    <a:cxn ang="0">
+                      <a:pos x="connsiteX2" y="connsiteY2"/>
+                    </a:cxn>
+                    <a:cxn ang="0">
+                      <a:pos x="connsiteX3" y="connsiteY3"/>
+                    </a:cxn>
+                    <a:cxn ang="0">
+                      <a:pos x="connsiteX4" y="connsiteY4"/>
+                    </a:cxn>
+                    <a:cxn ang="0">
+                      <a:pos x="connsiteX5" y="connsiteY5"/>
+                    </a:cxn>
+                    <a:cxn ang="0">
+                      <a:pos x="connsiteX6" y="connsiteY6"/>
+                    </a:cxn>
+                    <a:cxn ang="0">
+                      <a:pos x="connsiteX7" y="connsiteY7"/>
+                    </a:cxn>
+                    <a:cxn ang="0">
+                      <a:pos x="connsiteX8" y="connsiteY8"/>
+                    </a:cxn>
+                    <a:cxn ang="0">
+                      <a:pos x="connsiteX9" y="connsiteY9"/>
+                    </a:cxn>
+                    <a:cxn ang="0">
+                      <a:pos x="connsiteX10" y="connsiteY10"/>
+                    </a:cxn>
+                    <a:cxn ang="0">
+                      <a:pos x="connsiteX11" y="connsiteY11"/>
+                    </a:cxn>
+                  </a:cxnLst>
+                  <a:rect l="l" t="t" r="r" b="b"/>
+                  <a:pathLst>
+                    <a:path w="320579" h="137391">
+                      <a:moveTo>
+                        <a:pt x="274782" y="91594"/>
+                      </a:moveTo>
+                      <a:cubicBezTo>
+                        <a:pt x="267912" y="91594"/>
+                        <a:pt x="263333" y="87014"/>
+                        <a:pt x="263333" y="80145"/>
+                      </a:cubicBezTo>
+                      <a:cubicBezTo>
+                        <a:pt x="263333" y="73275"/>
+                        <a:pt x="267912" y="68696"/>
+                        <a:pt x="274782" y="68696"/>
+                      </a:cubicBezTo>
+                      <a:cubicBezTo>
+                        <a:pt x="281652" y="68696"/>
+                        <a:pt x="286231" y="73275"/>
+                        <a:pt x="286231" y="80145"/>
+                      </a:cubicBezTo>
+                      <a:cubicBezTo>
+                        <a:pt x="286231" y="87014"/>
+                        <a:pt x="281652" y="91594"/>
+                        <a:pt x="274782" y="91594"/>
+                      </a:cubicBezTo>
+                      <a:close/>
+                      <a:moveTo>
+                        <a:pt x="160290" y="45797"/>
+                      </a:moveTo>
+                      <a:cubicBezTo>
+                        <a:pt x="72130" y="45797"/>
+                        <a:pt x="0" y="25188"/>
+                        <a:pt x="0" y="0"/>
+                      </a:cubicBezTo>
+                      <a:lnTo>
+                        <a:pt x="0" y="91594"/>
+                      </a:lnTo>
+                      <a:cubicBezTo>
+                        <a:pt x="0" y="116782"/>
+                        <a:pt x="72130" y="137391"/>
+                        <a:pt x="160290" y="137391"/>
+                      </a:cubicBezTo>
+                      <a:cubicBezTo>
+                        <a:pt x="248449" y="137391"/>
+                        <a:pt x="320579" y="116782"/>
+                        <a:pt x="320579" y="91594"/>
+                      </a:cubicBezTo>
+                      <a:lnTo>
+                        <a:pt x="320579" y="0"/>
+                      </a:lnTo>
+                      <a:cubicBezTo>
+                        <a:pt x="320579" y="25188"/>
+                        <a:pt x="248449" y="45797"/>
+                        <a:pt x="160290" y="45797"/>
+                      </a:cubicBezTo>
+                      <a:close/>
+                    </a:path>
+                  </a:pathLst>
+                </a:custGeom>
+                <a:solidFill>
+                  <a:srgbClr val="000000"/>
+                </a:solidFill>
+                <a:ln w="5655" cap="flat">
+                  <a:noFill/>
+                  <a:prstDash val="solid"/>
+                  <a:miter/>
+                </a:ln>
+              </p:spPr>
+              <p:txBody>
+                <a:bodyPr rtlCol="0" anchor="ctr"/>
+                <a:lstStyle/>
+                <a:p>
+                  <a:endParaRPr lang="en-US"/>
+                </a:p>
+              </p:txBody>
+            </p:sp>
+            <p:sp>
+              <p:nvSpPr>
+                <p:cNvPr id="32" name="Freeform 31">
+                  <a:extLst>
+                    <a:ext uri="{FF2B5EF4-FFF2-40B4-BE49-F238E27FC236}">
+                      <a16:creationId xmlns:a16="http://schemas.microsoft.com/office/drawing/2014/main" id="{6438C83B-ECCA-5B84-594C-56F9ECF7DC30}"/>
+                    </a:ext>
+                  </a:extLst>
+                </p:cNvPr>
+                <p:cNvSpPr/>
+                <p:nvPr/>
+              </p:nvSpPr>
+              <p:spPr>
+                <a:xfrm>
+                  <a:off x="5886591" y="4979588"/>
+                  <a:ext cx="320579" cy="137391"/>
+                </a:xfrm>
+                <a:custGeom>
+                  <a:avLst/>
+                  <a:gdLst>
+                    <a:gd name="connsiteX0" fmla="*/ 274782 w 320579"/>
+                    <a:gd name="connsiteY0" fmla="*/ 91594 h 137391"/>
+                    <a:gd name="connsiteX1" fmla="*/ 263333 w 320579"/>
+                    <a:gd name="connsiteY1" fmla="*/ 80145 h 137391"/>
+                    <a:gd name="connsiteX2" fmla="*/ 274782 w 320579"/>
+                    <a:gd name="connsiteY2" fmla="*/ 68696 h 137391"/>
+                    <a:gd name="connsiteX3" fmla="*/ 286231 w 320579"/>
+                    <a:gd name="connsiteY3" fmla="*/ 80145 h 137391"/>
+                    <a:gd name="connsiteX4" fmla="*/ 274782 w 320579"/>
+                    <a:gd name="connsiteY4" fmla="*/ 91594 h 137391"/>
+                    <a:gd name="connsiteX5" fmla="*/ 160290 w 320579"/>
+                    <a:gd name="connsiteY5" fmla="*/ 45797 h 137391"/>
+                    <a:gd name="connsiteX6" fmla="*/ 0 w 320579"/>
+                    <a:gd name="connsiteY6" fmla="*/ 0 h 137391"/>
+                    <a:gd name="connsiteX7" fmla="*/ 0 w 320579"/>
+                    <a:gd name="connsiteY7" fmla="*/ 91594 h 137391"/>
+                    <a:gd name="connsiteX8" fmla="*/ 160290 w 320579"/>
+                    <a:gd name="connsiteY8" fmla="*/ 137391 h 137391"/>
+                    <a:gd name="connsiteX9" fmla="*/ 320579 w 320579"/>
+                    <a:gd name="connsiteY9" fmla="*/ 91594 h 137391"/>
+                    <a:gd name="connsiteX10" fmla="*/ 320579 w 320579"/>
+                    <a:gd name="connsiteY10" fmla="*/ 0 h 137391"/>
+                    <a:gd name="connsiteX11" fmla="*/ 160290 w 320579"/>
+                    <a:gd name="connsiteY11" fmla="*/ 45797 h 137391"/>
+                  </a:gdLst>
+                  <a:ahLst/>
+                  <a:cxnLst>
+                    <a:cxn ang="0">
+                      <a:pos x="connsiteX0" y="connsiteY0"/>
+                    </a:cxn>
+                    <a:cxn ang="0">
+                      <a:pos x="connsiteX1" y="connsiteY1"/>
+                    </a:cxn>
+                    <a:cxn ang="0">
+                      <a:pos x="connsiteX2" y="connsiteY2"/>
+                    </a:cxn>
+                    <a:cxn ang="0">
+                      <a:pos x="connsiteX3" y="connsiteY3"/>
+                    </a:cxn>
+                    <a:cxn ang="0">
+                      <a:pos x="connsiteX4" y="connsiteY4"/>
+                    </a:cxn>
+                    <a:cxn ang="0">
+                      <a:pos x="connsiteX5" y="connsiteY5"/>
+                    </a:cxn>
+                    <a:cxn ang="0">
+                      <a:pos x="connsiteX6" y="connsiteY6"/>
+                    </a:cxn>
+                    <a:cxn ang="0">
+                      <a:pos x="connsiteX7" y="connsiteY7"/>
+                    </a:cxn>
+                    <a:cxn ang="0">
+                      <a:pos x="connsiteX8" y="connsiteY8"/>
+                    </a:cxn>
+                    <a:cxn ang="0">
+                      <a:pos x="connsiteX9" y="connsiteY9"/>
+                    </a:cxn>
+                    <a:cxn ang="0">
+                      <a:pos x="connsiteX10" y="connsiteY10"/>
+                    </a:cxn>
+                    <a:cxn ang="0">
+                      <a:pos x="connsiteX11" y="connsiteY11"/>
+                    </a:cxn>
+                  </a:cxnLst>
+                  <a:rect l="l" t="t" r="r" b="b"/>
+                  <a:pathLst>
+                    <a:path w="320579" h="137391">
+                      <a:moveTo>
+                        <a:pt x="274782" y="91594"/>
+                      </a:moveTo>
+                      <a:cubicBezTo>
+                        <a:pt x="267912" y="91594"/>
+                        <a:pt x="263333" y="87014"/>
+                        <a:pt x="263333" y="80145"/>
+                      </a:cubicBezTo>
+                      <a:cubicBezTo>
+                        <a:pt x="263333" y="73275"/>
+                        <a:pt x="267912" y="68696"/>
+                        <a:pt x="274782" y="68696"/>
+                      </a:cubicBezTo>
+                      <a:cubicBezTo>
+                        <a:pt x="281652" y="68696"/>
+                        <a:pt x="286231" y="73275"/>
+                        <a:pt x="286231" y="80145"/>
+                      </a:cubicBezTo>
+                      <a:cubicBezTo>
+                        <a:pt x="286231" y="87014"/>
+                        <a:pt x="281652" y="91594"/>
+                        <a:pt x="274782" y="91594"/>
+                      </a:cubicBezTo>
+                      <a:close/>
+                      <a:moveTo>
+                        <a:pt x="160290" y="45797"/>
+                      </a:moveTo>
+                      <a:cubicBezTo>
+                        <a:pt x="72130" y="45797"/>
+                        <a:pt x="0" y="25188"/>
+                        <a:pt x="0" y="0"/>
+                      </a:cubicBezTo>
+                      <a:lnTo>
+                        <a:pt x="0" y="91594"/>
+                      </a:lnTo>
+                      <a:cubicBezTo>
+                        <a:pt x="0" y="116782"/>
+                        <a:pt x="72130" y="137391"/>
+                        <a:pt x="160290" y="137391"/>
+                      </a:cubicBezTo>
+                      <a:cubicBezTo>
+                        <a:pt x="248449" y="137391"/>
+                        <a:pt x="320579" y="116782"/>
+                        <a:pt x="320579" y="91594"/>
+                      </a:cubicBezTo>
+                      <a:lnTo>
+                        <a:pt x="320579" y="0"/>
+                      </a:lnTo>
+                      <a:cubicBezTo>
+                        <a:pt x="320579" y="25188"/>
+                        <a:pt x="248449" y="45797"/>
+                        <a:pt x="160290" y="45797"/>
+                      </a:cubicBezTo>
+                      <a:close/>
+                    </a:path>
+                  </a:pathLst>
+                </a:custGeom>
+                <a:solidFill>
+                  <a:srgbClr val="000000"/>
+                </a:solidFill>
+                <a:ln w="5655" cap="flat">
+                  <a:noFill/>
+                  <a:prstDash val="solid"/>
+                  <a:miter/>
+                </a:ln>
+              </p:spPr>
+              <p:txBody>
+                <a:bodyPr rtlCol="0" anchor="ctr"/>
+                <a:lstStyle/>
+                <a:p>
+                  <a:endParaRPr lang="en-US"/>
+                </a:p>
+              </p:txBody>
+            </p:sp>
+          </p:grpSp>
+          <p:cxnSp>
+            <p:nvCxnSpPr>
+              <p:cNvPr id="33" name="Straight Arrow Connector 32">
+                <a:extLst>
+                  <a:ext uri="{FF2B5EF4-FFF2-40B4-BE49-F238E27FC236}">
+                    <a16:creationId xmlns:a16="http://schemas.microsoft.com/office/drawing/2014/main" id="{932D09FF-8138-7E42-A1C0-3777E11B10C0}"/>
+                  </a:ext>
+                </a:extLst>
+              </p:cNvPr>
+              <p:cNvCxnSpPr>
+                <a:cxnSpLocks/>
+                <a:stCxn id="23" idx="1"/>
+                <a:endCxn id="25" idx="3"/>
+              </p:cNvCxnSpPr>
+              <p:nvPr/>
+            </p:nvCxnSpPr>
+            <p:spPr>
+              <a:xfrm flipH="1" flipV="1">
+                <a:off x="7178566" y="4628096"/>
+                <a:ext cx="220713" cy="5223"/>
+              </a:xfrm>
+              <a:prstGeom prst="straightConnector1">
+                <a:avLst/>
+              </a:prstGeom>
+              <a:ln>
+                <a:solidFill>
+                  <a:schemeClr val="tx1"/>
+                </a:solidFill>
+                <a:headEnd type="triangle"/>
+                <a:tailEnd type="triangle"/>
+              </a:ln>
+            </p:spPr>
+            <p:style>
+              <a:lnRef idx="1">
+                <a:schemeClr val="accent1"/>
+              </a:lnRef>
+              <a:fillRef idx="0">
+                <a:schemeClr val="accent1"/>
+              </a:fillRef>
+              <a:effectRef idx="0">
+                <a:schemeClr val="accent1"/>
+              </a:effectRef>
+              <a:fontRef idx="minor">
+                <a:schemeClr val="tx1"/>
+              </a:fontRef>
+            </p:style>
+          </p:cxnSp>
         </p:grpSp>
-        <p:pic>
-          <p:nvPicPr>
-            <p:cNvPr id="62" name="Graphic 61" descr="Database with solid fill">
+        <p:grpSp>
+          <p:nvGrpSpPr>
+            <p:cNvPr id="124" name="Group 123">
               <a:extLst>
                 <a:ext uri="{FF2B5EF4-FFF2-40B4-BE49-F238E27FC236}">
-                  <a16:creationId xmlns:a16="http://schemas.microsoft.com/office/drawing/2014/main" id="{D34D31E2-1F2C-B14D-AD41-5E74AA89F137}"/>
+                  <a16:creationId xmlns:a16="http://schemas.microsoft.com/office/drawing/2014/main" id="{13054BB8-76EF-5C41-B9AC-44E0A65E9292}"/>
                 </a:ext>
               </a:extLst>
             </p:cNvPr>
-            <p:cNvPicPr>
-              <a:picLocks noChangeAspect="1"/>
-            </p:cNvPicPr>
+            <p:cNvGrpSpPr/>
             <p:nvPr/>
-          </p:nvPicPr>
-          <p:blipFill>
-            <a:blip r:embed="rId2">
+          </p:nvGrpSpPr>
+          <p:grpSpPr>
+            <a:xfrm>
+              <a:off x="556618" y="735724"/>
+              <a:ext cx="3861013" cy="5983172"/>
+              <a:chOff x="556618" y="735724"/>
+              <a:chExt cx="3861013" cy="5983172"/>
+            </a:xfrm>
+          </p:grpSpPr>
+          <p:sp>
+            <p:nvSpPr>
+              <p:cNvPr id="12" name="Rectangle 11">
+                <a:extLst>
+                  <a:ext uri="{FF2B5EF4-FFF2-40B4-BE49-F238E27FC236}">
+                    <a16:creationId xmlns:a16="http://schemas.microsoft.com/office/drawing/2014/main" id="{47B65EB8-9C2C-4242-AC33-5758FC63EB95}"/>
+                  </a:ext>
+                </a:extLst>
+              </p:cNvPr>
+              <p:cNvSpPr/>
+              <p:nvPr/>
+            </p:nvSpPr>
+            <p:spPr>
+              <a:xfrm>
+                <a:off x="556618" y="735724"/>
+                <a:ext cx="3861013" cy="5983172"/>
+              </a:xfrm>
+              <a:prstGeom prst="rect">
+                <a:avLst/>
+              </a:prstGeom>
+              <a:solidFill>
+                <a:schemeClr val="bg1"/>
+              </a:solidFill>
+              <a:ln>
+                <a:solidFill>
+                  <a:schemeClr val="tx1"/>
+                </a:solidFill>
+                <a:prstDash val="dash"/>
+              </a:ln>
+            </p:spPr>
+            <p:style>
+              <a:lnRef idx="2">
+                <a:schemeClr val="accent1">
+                  <a:shade val="50000"/>
+                </a:schemeClr>
+              </a:lnRef>
+              <a:fillRef idx="1">
+                <a:schemeClr val="accent1"/>
+              </a:fillRef>
+              <a:effectRef idx="0">
+                <a:schemeClr val="accent1"/>
+              </a:effectRef>
+              <a:fontRef idx="minor">
+                <a:schemeClr val="lt1"/>
+              </a:fontRef>
+            </p:style>
+            <p:txBody>
+              <a:bodyPr rtlCol="0" anchor="b"/>
+              <a:lstStyle/>
+              <a:p>
+                <a:pPr algn="r"/>
+                <a:r>
+                  <a:rPr lang="en-US" dirty="0">
+                    <a:solidFill>
+                      <a:schemeClr val="tx1"/>
+                    </a:solidFill>
+                    <a:latin typeface="CMU Sans Serif Medium" panose="02000603000000000000" pitchFamily="2" charset="0"/>
+                    <a:ea typeface="CMU Sans Serif Medium" panose="02000603000000000000" pitchFamily="2" charset="0"/>
+                    <a:cs typeface="CMU Sans Serif Medium" panose="02000603000000000000" pitchFamily="2" charset="0"/>
+                  </a:rPr>
+                  <a:t>AWS (”Cloud”)</a:t>
+                </a:r>
+              </a:p>
+            </p:txBody>
+          </p:sp>
+          <p:sp>
+            <p:nvSpPr>
+              <p:cNvPr id="4" name="Rectangle 3">
+                <a:extLst>
+                  <a:ext uri="{FF2B5EF4-FFF2-40B4-BE49-F238E27FC236}">
+                    <a16:creationId xmlns:a16="http://schemas.microsoft.com/office/drawing/2014/main" id="{97C88BCC-7903-6546-A7BF-82DEA99557E1}"/>
+                  </a:ext>
+                </a:extLst>
+              </p:cNvPr>
+              <p:cNvSpPr/>
+              <p:nvPr/>
+            </p:nvSpPr>
+            <p:spPr>
+              <a:xfrm>
+                <a:off x="831400" y="2759043"/>
+                <a:ext cx="3436883" cy="2178269"/>
+              </a:xfrm>
+              <a:prstGeom prst="rect">
+                <a:avLst/>
+              </a:prstGeom>
+              <a:solidFill>
+                <a:schemeClr val="bg1"/>
+              </a:solidFill>
+              <a:ln>
+                <a:solidFill>
+                  <a:schemeClr val="tx1"/>
+                </a:solidFill>
+              </a:ln>
+            </p:spPr>
+            <p:style>
+              <a:lnRef idx="2">
+                <a:schemeClr val="accent1">
+                  <a:shade val="50000"/>
+                </a:schemeClr>
+              </a:lnRef>
+              <a:fillRef idx="1">
+                <a:schemeClr val="accent1"/>
+              </a:fillRef>
+              <a:effectRef idx="0">
+                <a:schemeClr val="accent1"/>
+              </a:effectRef>
+              <a:fontRef idx="minor">
+                <a:schemeClr val="lt1"/>
+              </a:fontRef>
+            </p:style>
+            <p:txBody>
+              <a:bodyPr rtlCol="0" anchor="b"/>
+              <a:lstStyle/>
+              <a:p>
+                <a:pPr algn="r"/>
+                <a:r>
+                  <a:rPr lang="en-US" dirty="0" err="1">
+                    <a:solidFill>
+                      <a:schemeClr val="tx1"/>
+                    </a:solidFill>
+                    <a:latin typeface="CMU Sans Serif Medium" panose="02000603000000000000" pitchFamily="2" charset="0"/>
+                    <a:ea typeface="CMU Sans Serif Medium" panose="02000603000000000000" pitchFamily="2" charset="0"/>
+                    <a:cs typeface="CMU Sans Serif Medium" panose="02000603000000000000" pitchFamily="2" charset="0"/>
+                  </a:rPr>
+                  <a:t>FReD</a:t>
+                </a:r>
+                <a:r>
+                  <a:rPr lang="en-US" dirty="0">
+                    <a:solidFill>
+                      <a:schemeClr val="tx1"/>
+                    </a:solidFill>
+                    <a:latin typeface="CMU Sans Serif Medium" panose="02000603000000000000" pitchFamily="2" charset="0"/>
+                    <a:ea typeface="CMU Sans Serif Medium" panose="02000603000000000000" pitchFamily="2" charset="0"/>
+                    <a:cs typeface="CMU Sans Serif Medium" panose="02000603000000000000" pitchFamily="2" charset="0"/>
+                  </a:rPr>
+                  <a:t> Node</a:t>
+                </a:r>
+              </a:p>
+            </p:txBody>
+          </p:sp>
+          <p:sp>
+            <p:nvSpPr>
+              <p:cNvPr id="74" name="Rectangle 73">
+                <a:extLst>
+                  <a:ext uri="{FF2B5EF4-FFF2-40B4-BE49-F238E27FC236}">
+                    <a16:creationId xmlns:a16="http://schemas.microsoft.com/office/drawing/2014/main" id="{B17A32DB-A76C-C84F-B449-2A80939767F7}"/>
+                  </a:ext>
+                </a:extLst>
+              </p:cNvPr>
+              <p:cNvSpPr/>
+              <p:nvPr/>
+            </p:nvSpPr>
+            <p:spPr>
+              <a:xfrm>
+                <a:off x="831400" y="840527"/>
+                <a:ext cx="3436883" cy="1652391"/>
+              </a:xfrm>
+              <a:prstGeom prst="rect">
+                <a:avLst/>
+              </a:prstGeom>
+              <a:solidFill>
+                <a:schemeClr val="bg1"/>
+              </a:solidFill>
+              <a:ln>
+                <a:solidFill>
+                  <a:schemeClr val="tx1"/>
+                </a:solidFill>
+              </a:ln>
+            </p:spPr>
+            <p:style>
+              <a:lnRef idx="2">
+                <a:schemeClr val="accent1">
+                  <a:shade val="50000"/>
+                </a:schemeClr>
+              </a:lnRef>
+              <a:fillRef idx="1">
+                <a:schemeClr val="accent1"/>
+              </a:fillRef>
+              <a:effectRef idx="0">
+                <a:schemeClr val="accent1"/>
+              </a:effectRef>
+              <a:fontRef idx="minor">
+                <a:schemeClr val="lt1"/>
+              </a:fontRef>
+            </p:style>
+            <p:txBody>
+              <a:bodyPr rtlCol="0" anchor="b"/>
+              <a:lstStyle/>
+              <a:p>
+                <a:pPr algn="r"/>
+                <a:r>
+                  <a:rPr lang="en-US" dirty="0" err="1">
+                    <a:solidFill>
+                      <a:schemeClr val="tx1"/>
+                    </a:solidFill>
+                    <a:latin typeface="CMU Sans Serif Medium" panose="02000603000000000000" pitchFamily="2" charset="0"/>
+                    <a:ea typeface="CMU Sans Serif Medium" panose="02000603000000000000" pitchFamily="2" charset="0"/>
+                    <a:cs typeface="CMU Sans Serif Medium" panose="02000603000000000000" pitchFamily="2" charset="0"/>
+                  </a:rPr>
+                  <a:t>NaSe</a:t>
+                </a:r>
+                <a:endParaRPr lang="en-US" dirty="0">
+                  <a:solidFill>
+                    <a:schemeClr val="tx1"/>
+                  </a:solidFill>
+                  <a:latin typeface="CMU Sans Serif Medium" panose="02000603000000000000" pitchFamily="2" charset="0"/>
+                  <a:ea typeface="CMU Sans Serif Medium" panose="02000603000000000000" pitchFamily="2" charset="0"/>
+                  <a:cs typeface="CMU Sans Serif Medium" panose="02000603000000000000" pitchFamily="2" charset="0"/>
+                </a:endParaRPr>
+              </a:p>
+            </p:txBody>
+          </p:sp>
+          <p:cxnSp>
+            <p:nvCxnSpPr>
+              <p:cNvPr id="61" name="Straight Arrow Connector 60">
+                <a:extLst>
+                  <a:ext uri="{FF2B5EF4-FFF2-40B4-BE49-F238E27FC236}">
+                    <a16:creationId xmlns:a16="http://schemas.microsoft.com/office/drawing/2014/main" id="{9F4B63F0-B2DC-6E46-A7F1-9953E816CA89}"/>
+                  </a:ext>
+                </a:extLst>
+              </p:cNvPr>
+              <p:cNvCxnSpPr>
+                <a:cxnSpLocks/>
+                <a:stCxn id="19" idx="1"/>
+                <a:endCxn id="16" idx="3"/>
+              </p:cNvCxnSpPr>
+              <p:nvPr/>
+            </p:nvCxnSpPr>
+            <p:spPr>
+              <a:xfrm flipH="1" flipV="1">
+                <a:off x="2056692" y="3224047"/>
+                <a:ext cx="1494847" cy="462721"/>
+              </a:xfrm>
+              <a:prstGeom prst="straightConnector1">
+                <a:avLst/>
+              </a:prstGeom>
+              <a:ln>
+                <a:solidFill>
+                  <a:schemeClr val="tx1"/>
+                </a:solidFill>
+                <a:tailEnd type="triangle"/>
+              </a:ln>
+            </p:spPr>
+            <p:style>
+              <a:lnRef idx="1">
+                <a:schemeClr val="accent1"/>
+              </a:lnRef>
+              <a:fillRef idx="0">
+                <a:schemeClr val="accent1"/>
+              </a:fillRef>
+              <a:effectRef idx="0">
+                <a:schemeClr val="accent1"/>
+              </a:effectRef>
+              <a:fontRef idx="minor">
+                <a:schemeClr val="tx1"/>
+              </a:fontRef>
+            </p:style>
+          </p:cxnSp>
+          <p:cxnSp>
+            <p:nvCxnSpPr>
+              <p:cNvPr id="67" name="Straight Arrow Connector 66">
+                <a:extLst>
+                  <a:ext uri="{FF2B5EF4-FFF2-40B4-BE49-F238E27FC236}">
+                    <a16:creationId xmlns:a16="http://schemas.microsoft.com/office/drawing/2014/main" id="{EBA4DE90-9FAE-244C-9EDC-9CFFF0DF100A}"/>
+                  </a:ext>
+                </a:extLst>
+              </p:cNvPr>
+              <p:cNvCxnSpPr>
+                <a:cxnSpLocks/>
+                <a:stCxn id="19" idx="1"/>
+                <a:endCxn id="18" idx="3"/>
+              </p:cNvCxnSpPr>
+              <p:nvPr/>
+            </p:nvCxnSpPr>
+            <p:spPr>
+              <a:xfrm flipH="1">
+                <a:off x="2065032" y="3686768"/>
+                <a:ext cx="1486507" cy="633104"/>
+              </a:xfrm>
+              <a:prstGeom prst="straightConnector1">
+                <a:avLst/>
+              </a:prstGeom>
+              <a:ln>
+                <a:solidFill>
+                  <a:schemeClr val="tx1"/>
+                </a:solidFill>
+                <a:tailEnd type="triangle"/>
+              </a:ln>
+            </p:spPr>
+            <p:style>
+              <a:lnRef idx="1">
+                <a:schemeClr val="accent1"/>
+              </a:lnRef>
+              <a:fillRef idx="0">
+                <a:schemeClr val="accent1"/>
+              </a:fillRef>
+              <a:effectRef idx="0">
+                <a:schemeClr val="accent1"/>
+              </a:effectRef>
+              <a:fontRef idx="minor">
+                <a:schemeClr val="tx1"/>
+              </a:fontRef>
+            </p:style>
+          </p:cxnSp>
+          <p:sp>
+            <p:nvSpPr>
+              <p:cNvPr id="13" name="Rectangle 12">
+                <a:extLst>
+                  <a:ext uri="{FF2B5EF4-FFF2-40B4-BE49-F238E27FC236}">
+                    <a16:creationId xmlns:a16="http://schemas.microsoft.com/office/drawing/2014/main" id="{76A2F529-788A-8940-93B4-7D5E47ADBF05}"/>
+                  </a:ext>
+                </a:extLst>
+              </p:cNvPr>
+              <p:cNvSpPr/>
+              <p:nvPr/>
+            </p:nvSpPr>
+            <p:spPr>
+              <a:xfrm>
+                <a:off x="831400" y="5388978"/>
+                <a:ext cx="3436882" cy="549564"/>
+              </a:xfrm>
+              <a:prstGeom prst="rect">
+                <a:avLst/>
+              </a:prstGeom>
+              <a:solidFill>
+                <a:schemeClr val="bg1"/>
+              </a:solidFill>
+              <a:ln>
+                <a:solidFill>
+                  <a:schemeClr val="tx1"/>
+                </a:solidFill>
+              </a:ln>
+            </p:spPr>
+            <p:style>
+              <a:lnRef idx="2">
+                <a:schemeClr val="accent1">
+                  <a:shade val="50000"/>
+                </a:schemeClr>
+              </a:lnRef>
+              <a:fillRef idx="1">
+                <a:schemeClr val="accent1"/>
+              </a:fillRef>
+              <a:effectRef idx="0">
+                <a:schemeClr val="accent1"/>
+              </a:effectRef>
+              <a:fontRef idx="minor">
+                <a:schemeClr val="lt1"/>
+              </a:fontRef>
+            </p:style>
+            <p:txBody>
+              <a:bodyPr rtlCol="0" anchor="ctr"/>
+              <a:lstStyle/>
+              <a:p>
+                <a:pPr algn="ctr"/>
+                <a:r>
+                  <a:rPr lang="en-US" dirty="0">
+                    <a:solidFill>
+                      <a:schemeClr val="tx1"/>
+                    </a:solidFill>
+                    <a:latin typeface="CMU Sans Serif Medium" panose="02000603000000000000" pitchFamily="2" charset="0"/>
+                    <a:ea typeface="CMU Sans Serif Medium" panose="02000603000000000000" pitchFamily="2" charset="0"/>
+                    <a:cs typeface="CMU Sans Serif Medium" panose="02000603000000000000" pitchFamily="2" charset="0"/>
+                  </a:rPr>
+                  <a:t>DynamoDB</a:t>
+                </a:r>
+              </a:p>
+            </p:txBody>
+          </p:sp>
+          <p:sp>
+            <p:nvSpPr>
+              <p:cNvPr id="16" name="Rectangle 15">
+                <a:extLst>
+                  <a:ext uri="{FF2B5EF4-FFF2-40B4-BE49-F238E27FC236}">
+                    <a16:creationId xmlns:a16="http://schemas.microsoft.com/office/drawing/2014/main" id="{88FA7D7D-8A61-034A-B71C-131FFE1C8B79}"/>
+                  </a:ext>
+                </a:extLst>
+              </p:cNvPr>
+              <p:cNvSpPr/>
+              <p:nvPr/>
+            </p:nvSpPr>
+            <p:spPr>
+              <a:xfrm>
+                <a:off x="1189588" y="2949265"/>
+                <a:ext cx="867104" cy="549564"/>
+              </a:xfrm>
+              <a:prstGeom prst="rect">
+                <a:avLst/>
+              </a:prstGeom>
+              <a:solidFill>
+                <a:schemeClr val="bg1"/>
+              </a:solidFill>
+              <a:ln>
+                <a:solidFill>
+                  <a:schemeClr val="tx1"/>
+                </a:solidFill>
+              </a:ln>
+            </p:spPr>
+            <p:style>
+              <a:lnRef idx="2">
+                <a:schemeClr val="accent1">
+                  <a:shade val="50000"/>
+                </a:schemeClr>
+              </a:lnRef>
+              <a:fillRef idx="1">
+                <a:schemeClr val="accent1"/>
+              </a:fillRef>
+              <a:effectRef idx="0">
+                <a:schemeClr val="accent1"/>
+              </a:effectRef>
+              <a:fontRef idx="minor">
+                <a:schemeClr val="lt1"/>
+              </a:fontRef>
+            </p:style>
+            <p:txBody>
+              <a:bodyPr rtlCol="0" anchor="ctr"/>
+              <a:lstStyle/>
+              <a:p>
+                <a:pPr algn="ctr"/>
+                <a:r>
+                  <a:rPr lang="en-US" dirty="0" err="1">
+                    <a:solidFill>
+                      <a:schemeClr val="tx1"/>
+                    </a:solidFill>
+                    <a:latin typeface="Hack" panose="020B0609030202020204" pitchFamily="49" charset="0"/>
+                    <a:ea typeface="Hack" panose="020B0609030202020204" pitchFamily="49" charset="0"/>
+                    <a:cs typeface="Hack" panose="020B0609030202020204" pitchFamily="49" charset="0"/>
+                  </a:rPr>
+                  <a:t>fred</a:t>
+                </a:r>
+                <a:r>
+                  <a:rPr lang="en-US" dirty="0">
+                    <a:solidFill>
+                      <a:schemeClr val="tx1"/>
+                    </a:solidFill>
+                    <a:latin typeface="Courier New" panose="02070309020205020404" pitchFamily="49" charset="0"/>
+                    <a:ea typeface="CMU Serif Roman" panose="02000603000000000000" pitchFamily="2" charset="0"/>
+                    <a:cs typeface="Courier New" panose="02070309020205020404" pitchFamily="49" charset="0"/>
+                  </a:rPr>
+                  <a:t> </a:t>
+                </a:r>
+              </a:p>
+            </p:txBody>
+          </p:sp>
+          <p:sp>
+            <p:nvSpPr>
+              <p:cNvPr id="18" name="Rectangle 17">
+                <a:extLst>
+                  <a:ext uri="{FF2B5EF4-FFF2-40B4-BE49-F238E27FC236}">
+                    <a16:creationId xmlns:a16="http://schemas.microsoft.com/office/drawing/2014/main" id="{16907AF3-650E-E048-8B2D-18F80F295A72}"/>
+                  </a:ext>
+                </a:extLst>
+              </p:cNvPr>
+              <p:cNvSpPr/>
+              <p:nvPr/>
+            </p:nvSpPr>
+            <p:spPr>
+              <a:xfrm>
+                <a:off x="1197928" y="4045090"/>
+                <a:ext cx="867104" cy="549564"/>
+              </a:xfrm>
+              <a:prstGeom prst="rect">
+                <a:avLst/>
+              </a:prstGeom>
+              <a:solidFill>
+                <a:schemeClr val="bg1"/>
+              </a:solidFill>
+              <a:ln>
+                <a:solidFill>
+                  <a:schemeClr val="tx1"/>
+                </a:solidFill>
+              </a:ln>
+            </p:spPr>
+            <p:style>
+              <a:lnRef idx="2">
+                <a:schemeClr val="accent1">
+                  <a:shade val="50000"/>
+                </a:schemeClr>
+              </a:lnRef>
+              <a:fillRef idx="1">
+                <a:schemeClr val="accent1"/>
+              </a:fillRef>
+              <a:effectRef idx="0">
+                <a:schemeClr val="accent1"/>
+              </a:effectRef>
+              <a:fontRef idx="minor">
+                <a:schemeClr val="lt1"/>
+              </a:fontRef>
+            </p:style>
+            <p:txBody>
+              <a:bodyPr rtlCol="0" anchor="ctr"/>
+              <a:lstStyle/>
+              <a:p>
+                <a:pPr algn="ctr"/>
+                <a:r>
+                  <a:rPr lang="en-US" dirty="0" err="1">
+                    <a:solidFill>
+                      <a:schemeClr val="tx1"/>
+                    </a:solidFill>
+                    <a:latin typeface="Hack" panose="020B0609030202020204" pitchFamily="49" charset="0"/>
+                    <a:ea typeface="Hack" panose="020B0609030202020204" pitchFamily="49" charset="0"/>
+                    <a:cs typeface="Hack" panose="020B0609030202020204" pitchFamily="49" charset="0"/>
+                  </a:rPr>
+                  <a:t>fred</a:t>
+                </a:r>
+                <a:r>
+                  <a:rPr lang="en-US" dirty="0">
+                    <a:solidFill>
+                      <a:schemeClr val="tx1"/>
+                    </a:solidFill>
+                    <a:latin typeface="Courier New" panose="02070309020205020404" pitchFamily="49" charset="0"/>
+                    <a:ea typeface="CMU Serif Roman" panose="02000603000000000000" pitchFamily="2" charset="0"/>
+                    <a:cs typeface="Courier New" panose="02070309020205020404" pitchFamily="49" charset="0"/>
+                  </a:rPr>
+                  <a:t> </a:t>
+                </a:r>
+              </a:p>
+            </p:txBody>
+          </p:sp>
+          <p:sp>
+            <p:nvSpPr>
+              <p:cNvPr id="19" name="Rectangle 18">
+                <a:extLst>
+                  <a:ext uri="{FF2B5EF4-FFF2-40B4-BE49-F238E27FC236}">
+                    <a16:creationId xmlns:a16="http://schemas.microsoft.com/office/drawing/2014/main" id="{FCEE170B-23BD-BA4C-844B-28DB5D6AFB28}"/>
+                  </a:ext>
+                </a:extLst>
+              </p:cNvPr>
+              <p:cNvSpPr/>
+              <p:nvPr/>
+            </p:nvSpPr>
+            <p:spPr>
+              <a:xfrm>
+                <a:off x="3551539" y="2877240"/>
+                <a:ext cx="588695" cy="1619055"/>
+              </a:xfrm>
+              <a:prstGeom prst="rect">
+                <a:avLst/>
+              </a:prstGeom>
+              <a:solidFill>
+                <a:schemeClr val="bg1"/>
+              </a:solidFill>
+              <a:ln>
+                <a:solidFill>
+                  <a:schemeClr val="tx1"/>
+                </a:solidFill>
+              </a:ln>
+            </p:spPr>
+            <p:style>
+              <a:lnRef idx="2">
+                <a:schemeClr val="accent1">
+                  <a:shade val="50000"/>
+                </a:schemeClr>
+              </a:lnRef>
+              <a:fillRef idx="1">
+                <a:schemeClr val="accent1"/>
+              </a:fillRef>
+              <a:effectRef idx="0">
+                <a:schemeClr val="accent1"/>
+              </a:effectRef>
+              <a:fontRef idx="minor">
+                <a:schemeClr val="lt1"/>
+              </a:fontRef>
+            </p:style>
+            <p:txBody>
+              <a:bodyPr vert="vert270" rtlCol="0" anchor="ctr"/>
+              <a:lstStyle/>
+              <a:p>
+                <a:pPr algn="ctr"/>
+                <a:r>
+                  <a:rPr lang="en-US" sz="1600" dirty="0">
+                    <a:solidFill>
+                      <a:schemeClr val="tx1"/>
+                    </a:solidFill>
+                    <a:latin typeface="CMU Sans Serif Medium" panose="02000603000000000000" pitchFamily="2" charset="0"/>
+                    <a:ea typeface="CMU Sans Serif Medium" panose="02000603000000000000" pitchFamily="2" charset="0"/>
+                    <a:cs typeface="CMU Sans Serif Medium" panose="02000603000000000000" pitchFamily="2" charset="0"/>
+                  </a:rPr>
+                  <a:t>Load Balancer</a:t>
+                </a:r>
+              </a:p>
+            </p:txBody>
+          </p:sp>
+          <p:sp>
+            <p:nvSpPr>
+              <p:cNvPr id="17" name="Rectangle 16">
+                <a:extLst>
+                  <a:ext uri="{FF2B5EF4-FFF2-40B4-BE49-F238E27FC236}">
+                    <a16:creationId xmlns:a16="http://schemas.microsoft.com/office/drawing/2014/main" id="{FBCCAE4E-CDCC-004B-9F53-A7A14D1D4BC7}"/>
+                  </a:ext>
+                </a:extLst>
+              </p:cNvPr>
+              <p:cNvSpPr/>
+              <p:nvPr/>
+            </p:nvSpPr>
+            <p:spPr>
+              <a:xfrm>
+                <a:off x="2378823" y="3409945"/>
+                <a:ext cx="867104" cy="549564"/>
+              </a:xfrm>
+              <a:prstGeom prst="rect">
+                <a:avLst/>
+              </a:prstGeom>
+              <a:solidFill>
+                <a:schemeClr val="bg1"/>
+              </a:solidFill>
+              <a:ln>
+                <a:solidFill>
+                  <a:schemeClr val="tx1"/>
+                </a:solidFill>
+              </a:ln>
+            </p:spPr>
+            <p:style>
+              <a:lnRef idx="2">
+                <a:schemeClr val="accent1">
+                  <a:shade val="50000"/>
+                </a:schemeClr>
+              </a:lnRef>
+              <a:fillRef idx="1">
+                <a:schemeClr val="accent1"/>
+              </a:fillRef>
+              <a:effectRef idx="0">
+                <a:schemeClr val="accent1"/>
+              </a:effectRef>
+              <a:fontRef idx="minor">
+                <a:schemeClr val="lt1"/>
+              </a:fontRef>
+            </p:style>
+            <p:txBody>
+              <a:bodyPr rtlCol="0" anchor="ctr"/>
+              <a:lstStyle/>
+              <a:p>
+                <a:pPr algn="ctr"/>
+                <a:r>
+                  <a:rPr lang="en-US" dirty="0" err="1">
+                    <a:solidFill>
+                      <a:schemeClr val="tx1"/>
+                    </a:solidFill>
+                    <a:latin typeface="Hack" panose="020B0609030202020204" pitchFamily="49" charset="0"/>
+                    <a:ea typeface="Hack" panose="020B0609030202020204" pitchFamily="49" charset="0"/>
+                    <a:cs typeface="Hack" panose="020B0609030202020204" pitchFamily="49" charset="0"/>
+                  </a:rPr>
+                  <a:t>fred</a:t>
+                </a:r>
+                <a:r>
+                  <a:rPr lang="en-US" dirty="0">
+                    <a:solidFill>
+                      <a:schemeClr val="tx1"/>
+                    </a:solidFill>
+                    <a:latin typeface="Courier New" panose="02070309020205020404" pitchFamily="49" charset="0"/>
+                    <a:ea typeface="CMU Serif Roman" panose="02000603000000000000" pitchFamily="2" charset="0"/>
+                    <a:cs typeface="Courier New" panose="02070309020205020404" pitchFamily="49" charset="0"/>
+                  </a:rPr>
+                  <a:t> </a:t>
+                </a:r>
+              </a:p>
+            </p:txBody>
+          </p:sp>
+          <p:sp>
+            <p:nvSpPr>
+              <p:cNvPr id="83" name="Rectangle 82">
+                <a:extLst>
+                  <a:ext uri="{FF2B5EF4-FFF2-40B4-BE49-F238E27FC236}">
+                    <a16:creationId xmlns:a16="http://schemas.microsoft.com/office/drawing/2014/main" id="{4445220C-4388-C745-A51A-FD97433227D1}"/>
+                  </a:ext>
+                </a:extLst>
+              </p:cNvPr>
+              <p:cNvSpPr/>
+              <p:nvPr/>
+            </p:nvSpPr>
+            <p:spPr>
+              <a:xfrm>
+                <a:off x="2898082" y="1117158"/>
+                <a:ext cx="867104" cy="549564"/>
+              </a:xfrm>
+              <a:prstGeom prst="rect">
+                <a:avLst/>
+              </a:prstGeom>
+              <a:solidFill>
+                <a:schemeClr val="bg1"/>
+              </a:solidFill>
+              <a:ln>
+                <a:solidFill>
+                  <a:schemeClr val="tx1"/>
+                </a:solidFill>
+              </a:ln>
+            </p:spPr>
+            <p:style>
+              <a:lnRef idx="2">
+                <a:schemeClr val="accent1">
+                  <a:shade val="50000"/>
+                </a:schemeClr>
+              </a:lnRef>
+              <a:fillRef idx="1">
+                <a:schemeClr val="accent1"/>
+              </a:fillRef>
+              <a:effectRef idx="0">
+                <a:schemeClr val="accent1"/>
+              </a:effectRef>
+              <a:fontRef idx="minor">
+                <a:schemeClr val="lt1"/>
+              </a:fontRef>
+            </p:style>
+            <p:txBody>
+              <a:bodyPr rtlCol="0" anchor="ctr"/>
+              <a:lstStyle/>
+              <a:p>
+                <a:pPr algn="ctr"/>
+                <a:r>
+                  <a:rPr lang="en-US" dirty="0" err="1">
+                    <a:solidFill>
+                      <a:schemeClr val="tx1"/>
+                    </a:solidFill>
+                    <a:latin typeface="Hack" panose="020B0609030202020204" pitchFamily="49" charset="0"/>
+                    <a:ea typeface="Hack" panose="020B0609030202020204" pitchFamily="49" charset="0"/>
+                    <a:cs typeface="Hack" panose="020B0609030202020204" pitchFamily="49" charset="0"/>
+                  </a:rPr>
+                  <a:t>etcd</a:t>
+                </a:r>
+                <a:r>
+                  <a:rPr lang="en-US" dirty="0">
+                    <a:solidFill>
+                      <a:schemeClr val="tx1"/>
+                    </a:solidFill>
+                    <a:latin typeface="Courier New" panose="02070309020205020404" pitchFamily="49" charset="0"/>
+                    <a:ea typeface="CMU Serif Roman" panose="02000603000000000000" pitchFamily="2" charset="0"/>
+                    <a:cs typeface="Courier New" panose="02070309020205020404" pitchFamily="49" charset="0"/>
+                  </a:rPr>
+                  <a:t> </a:t>
+                </a:r>
+              </a:p>
+            </p:txBody>
+          </p:sp>
+          <p:sp>
+            <p:nvSpPr>
+              <p:cNvPr id="84" name="Rectangle 83">
+                <a:extLst>
+                  <a:ext uri="{FF2B5EF4-FFF2-40B4-BE49-F238E27FC236}">
+                    <a16:creationId xmlns:a16="http://schemas.microsoft.com/office/drawing/2014/main" id="{93E336F9-6B1E-6447-B508-20F0BC936C54}"/>
+                  </a:ext>
+                </a:extLst>
+              </p:cNvPr>
+              <p:cNvSpPr/>
+              <p:nvPr/>
+            </p:nvSpPr>
+            <p:spPr>
+              <a:xfrm>
+                <a:off x="2000981" y="1819407"/>
+                <a:ext cx="867104" cy="549564"/>
+              </a:xfrm>
+              <a:prstGeom prst="rect">
+                <a:avLst/>
+              </a:prstGeom>
+              <a:solidFill>
+                <a:schemeClr val="bg1"/>
+              </a:solidFill>
+              <a:ln>
+                <a:solidFill>
+                  <a:schemeClr val="tx1"/>
+                </a:solidFill>
+              </a:ln>
+            </p:spPr>
+            <p:style>
+              <a:lnRef idx="2">
+                <a:schemeClr val="accent1">
+                  <a:shade val="50000"/>
+                </a:schemeClr>
+              </a:lnRef>
+              <a:fillRef idx="1">
+                <a:schemeClr val="accent1"/>
+              </a:fillRef>
+              <a:effectRef idx="0">
+                <a:schemeClr val="accent1"/>
+              </a:effectRef>
+              <a:fontRef idx="minor">
+                <a:schemeClr val="lt1"/>
+              </a:fontRef>
+            </p:style>
+            <p:txBody>
+              <a:bodyPr rtlCol="0" anchor="ctr"/>
+              <a:lstStyle/>
+              <a:p>
+                <a:pPr algn="ctr"/>
+                <a:r>
+                  <a:rPr lang="en-US" dirty="0" err="1">
+                    <a:solidFill>
+                      <a:schemeClr val="tx1"/>
+                    </a:solidFill>
+                    <a:latin typeface="Hack" panose="020B0609030202020204" pitchFamily="49" charset="0"/>
+                    <a:ea typeface="Hack" panose="020B0609030202020204" pitchFamily="49" charset="0"/>
+                    <a:cs typeface="Hack" panose="020B0609030202020204" pitchFamily="49" charset="0"/>
+                  </a:rPr>
+                  <a:t>etcd</a:t>
+                </a:r>
+                <a:r>
+                  <a:rPr lang="en-US" dirty="0">
+                    <a:solidFill>
+                      <a:schemeClr val="tx1"/>
+                    </a:solidFill>
+                    <a:latin typeface="Courier New" panose="02070309020205020404" pitchFamily="49" charset="0"/>
+                    <a:ea typeface="CMU Serif Roman" panose="02000603000000000000" pitchFamily="2" charset="0"/>
+                    <a:cs typeface="Courier New" panose="02070309020205020404" pitchFamily="49" charset="0"/>
+                  </a:rPr>
+                  <a:t> </a:t>
+                </a:r>
+              </a:p>
+            </p:txBody>
+          </p:sp>
+          <p:sp>
+            <p:nvSpPr>
+              <p:cNvPr id="8" name="Rectangle 7">
+                <a:extLst>
+                  <a:ext uri="{FF2B5EF4-FFF2-40B4-BE49-F238E27FC236}">
+                    <a16:creationId xmlns:a16="http://schemas.microsoft.com/office/drawing/2014/main" id="{D36CC9EA-D808-E044-9094-39E31C071BA2}"/>
+                  </a:ext>
+                </a:extLst>
+              </p:cNvPr>
+              <p:cNvSpPr/>
+              <p:nvPr/>
+            </p:nvSpPr>
+            <p:spPr>
+              <a:xfrm>
+                <a:off x="1133877" y="1117158"/>
+                <a:ext cx="867104" cy="549564"/>
+              </a:xfrm>
+              <a:prstGeom prst="rect">
+                <a:avLst/>
+              </a:prstGeom>
+              <a:solidFill>
+                <a:schemeClr val="bg1"/>
+              </a:solidFill>
+              <a:ln>
+                <a:solidFill>
+                  <a:schemeClr val="tx1"/>
+                </a:solidFill>
+              </a:ln>
+            </p:spPr>
+            <p:style>
+              <a:lnRef idx="2">
+                <a:schemeClr val="accent1">
+                  <a:shade val="50000"/>
+                </a:schemeClr>
+              </a:lnRef>
+              <a:fillRef idx="1">
+                <a:schemeClr val="accent1"/>
+              </a:fillRef>
+              <a:effectRef idx="0">
+                <a:schemeClr val="accent1"/>
+              </a:effectRef>
+              <a:fontRef idx="minor">
+                <a:schemeClr val="lt1"/>
+              </a:fontRef>
+            </p:style>
+            <p:txBody>
+              <a:bodyPr rtlCol="0" anchor="ctr"/>
+              <a:lstStyle/>
+              <a:p>
+                <a:pPr algn="ctr"/>
+                <a:r>
+                  <a:rPr lang="en-US" dirty="0" err="1">
+                    <a:solidFill>
+                      <a:schemeClr val="tx1"/>
+                    </a:solidFill>
+                    <a:latin typeface="Hack" panose="020B0609030202020204" pitchFamily="49" charset="0"/>
+                    <a:ea typeface="Hack" panose="020B0609030202020204" pitchFamily="49" charset="0"/>
+                    <a:cs typeface="Hack" panose="020B0609030202020204" pitchFamily="49" charset="0"/>
+                  </a:rPr>
+                  <a:t>etcd</a:t>
+                </a:r>
+                <a:r>
+                  <a:rPr lang="en-US" dirty="0">
+                    <a:solidFill>
+                      <a:schemeClr val="tx1"/>
+                    </a:solidFill>
+                    <a:latin typeface="Courier New" panose="02070309020205020404" pitchFamily="49" charset="0"/>
+                    <a:ea typeface="CMU Serif Roman" panose="02000603000000000000" pitchFamily="2" charset="0"/>
+                    <a:cs typeface="Courier New" panose="02070309020205020404" pitchFamily="49" charset="0"/>
+                  </a:rPr>
+                  <a:t> </a:t>
+                </a:r>
+              </a:p>
+            </p:txBody>
+          </p:sp>
+          <p:grpSp>
+            <p:nvGrpSpPr>
+              <p:cNvPr id="7" name="Graphic 14" descr="Database with solid fill">
+                <a:extLst>
+                  <a:ext uri="{FF2B5EF4-FFF2-40B4-BE49-F238E27FC236}">
+                    <a16:creationId xmlns:a16="http://schemas.microsoft.com/office/drawing/2014/main" id="{D93B4BCF-B4AB-F9C9-3274-A69790628009}"/>
+                  </a:ext>
+                </a:extLst>
+              </p:cNvPr>
+              <p:cNvGrpSpPr/>
+              <p:nvPr/>
+            </p:nvGrpSpPr>
+            <p:grpSpPr>
+              <a:xfrm>
+                <a:off x="671110" y="5721006"/>
+                <a:ext cx="320579" cy="435071"/>
+                <a:chOff x="671110" y="5721006"/>
+                <a:chExt cx="320579" cy="435071"/>
+              </a:xfrm>
+              <a:solidFill>
+                <a:srgbClr val="000000"/>
+              </a:solidFill>
+            </p:grpSpPr>
+            <p:sp>
+              <p:nvSpPr>
+                <p:cNvPr id="9" name="Freeform 8">
+                  <a:extLst>
+                    <a:ext uri="{FF2B5EF4-FFF2-40B4-BE49-F238E27FC236}">
+                      <a16:creationId xmlns:a16="http://schemas.microsoft.com/office/drawing/2014/main" id="{31920CAA-17C5-1B02-E742-3A8FEE2AE3F4}"/>
+                    </a:ext>
+                  </a:extLst>
+                </p:cNvPr>
+                <p:cNvSpPr/>
+                <p:nvPr/>
+              </p:nvSpPr>
+              <p:spPr>
+                <a:xfrm>
+                  <a:off x="671110" y="5721006"/>
+                  <a:ext cx="320579" cy="91594"/>
+                </a:xfrm>
+                <a:custGeom>
+                  <a:avLst/>
+                  <a:gdLst>
+                    <a:gd name="connsiteX0" fmla="*/ 320579 w 320579"/>
+                    <a:gd name="connsiteY0" fmla="*/ 45797 h 91594"/>
+                    <a:gd name="connsiteX1" fmla="*/ 160290 w 320579"/>
+                    <a:gd name="connsiteY1" fmla="*/ 91594 h 91594"/>
+                    <a:gd name="connsiteX2" fmla="*/ 0 w 320579"/>
+                    <a:gd name="connsiteY2" fmla="*/ 45797 h 91594"/>
+                    <a:gd name="connsiteX3" fmla="*/ 160290 w 320579"/>
+                    <a:gd name="connsiteY3" fmla="*/ 0 h 91594"/>
+                    <a:gd name="connsiteX4" fmla="*/ 320579 w 320579"/>
+                    <a:gd name="connsiteY4" fmla="*/ 45797 h 91594"/>
+                  </a:gdLst>
+                  <a:ahLst/>
+                  <a:cxnLst>
+                    <a:cxn ang="0">
+                      <a:pos x="connsiteX0" y="connsiteY0"/>
+                    </a:cxn>
+                    <a:cxn ang="0">
+                      <a:pos x="connsiteX1" y="connsiteY1"/>
+                    </a:cxn>
+                    <a:cxn ang="0">
+                      <a:pos x="connsiteX2" y="connsiteY2"/>
+                    </a:cxn>
+                    <a:cxn ang="0">
+                      <a:pos x="connsiteX3" y="connsiteY3"/>
+                    </a:cxn>
+                    <a:cxn ang="0">
+                      <a:pos x="connsiteX4" y="connsiteY4"/>
+                    </a:cxn>
+                  </a:cxnLst>
+                  <a:rect l="l" t="t" r="r" b="b"/>
+                  <a:pathLst>
+                    <a:path w="320579" h="91594">
+                      <a:moveTo>
+                        <a:pt x="320579" y="45797"/>
+                      </a:moveTo>
+                      <a:cubicBezTo>
+                        <a:pt x="320579" y="71090"/>
+                        <a:pt x="248815" y="91594"/>
+                        <a:pt x="160290" y="91594"/>
+                      </a:cubicBezTo>
+                      <a:cubicBezTo>
+                        <a:pt x="71764" y="91594"/>
+                        <a:pt x="0" y="71090"/>
+                        <a:pt x="0" y="45797"/>
+                      </a:cubicBezTo>
+                      <a:cubicBezTo>
+                        <a:pt x="0" y="20504"/>
+                        <a:pt x="71764" y="0"/>
+                        <a:pt x="160290" y="0"/>
+                      </a:cubicBezTo>
+                      <a:cubicBezTo>
+                        <a:pt x="248815" y="0"/>
+                        <a:pt x="320579" y="20504"/>
+                        <a:pt x="320579" y="45797"/>
+                      </a:cubicBezTo>
+                      <a:close/>
+                    </a:path>
+                  </a:pathLst>
+                </a:custGeom>
+                <a:solidFill>
+                  <a:srgbClr val="000000"/>
+                </a:solidFill>
+                <a:ln w="5655" cap="flat">
+                  <a:noFill/>
+                  <a:prstDash val="solid"/>
+                  <a:miter/>
+                </a:ln>
+              </p:spPr>
+              <p:txBody>
+                <a:bodyPr rtlCol="0" anchor="ctr"/>
+                <a:lstStyle/>
+                <a:p>
+                  <a:endParaRPr lang="en-US"/>
+                </a:p>
+              </p:txBody>
+            </p:sp>
+            <p:sp>
+              <p:nvSpPr>
+                <p:cNvPr id="10" name="Freeform 9">
+                  <a:extLst>
+                    <a:ext uri="{FF2B5EF4-FFF2-40B4-BE49-F238E27FC236}">
+                      <a16:creationId xmlns:a16="http://schemas.microsoft.com/office/drawing/2014/main" id="{57DB0DF6-4AF4-4B59-8441-C35BB9D955EB}"/>
+                    </a:ext>
+                  </a:extLst>
+                </p:cNvPr>
+                <p:cNvSpPr/>
+                <p:nvPr/>
+              </p:nvSpPr>
+              <p:spPr>
+                <a:xfrm>
+                  <a:off x="671110" y="5789701"/>
+                  <a:ext cx="320579" cy="137391"/>
+                </a:xfrm>
+                <a:custGeom>
+                  <a:avLst/>
+                  <a:gdLst>
+                    <a:gd name="connsiteX0" fmla="*/ 274782 w 320579"/>
+                    <a:gd name="connsiteY0" fmla="*/ 91594 h 137391"/>
+                    <a:gd name="connsiteX1" fmla="*/ 263333 w 320579"/>
+                    <a:gd name="connsiteY1" fmla="*/ 80145 h 137391"/>
+                    <a:gd name="connsiteX2" fmla="*/ 274782 w 320579"/>
+                    <a:gd name="connsiteY2" fmla="*/ 68696 h 137391"/>
+                    <a:gd name="connsiteX3" fmla="*/ 286231 w 320579"/>
+                    <a:gd name="connsiteY3" fmla="*/ 80145 h 137391"/>
+                    <a:gd name="connsiteX4" fmla="*/ 274782 w 320579"/>
+                    <a:gd name="connsiteY4" fmla="*/ 91594 h 137391"/>
+                    <a:gd name="connsiteX5" fmla="*/ 160290 w 320579"/>
+                    <a:gd name="connsiteY5" fmla="*/ 45797 h 137391"/>
+                    <a:gd name="connsiteX6" fmla="*/ 0 w 320579"/>
+                    <a:gd name="connsiteY6" fmla="*/ 0 h 137391"/>
+                    <a:gd name="connsiteX7" fmla="*/ 0 w 320579"/>
+                    <a:gd name="connsiteY7" fmla="*/ 91594 h 137391"/>
+                    <a:gd name="connsiteX8" fmla="*/ 160290 w 320579"/>
+                    <a:gd name="connsiteY8" fmla="*/ 137391 h 137391"/>
+                    <a:gd name="connsiteX9" fmla="*/ 320579 w 320579"/>
+                    <a:gd name="connsiteY9" fmla="*/ 91594 h 137391"/>
+                    <a:gd name="connsiteX10" fmla="*/ 320579 w 320579"/>
+                    <a:gd name="connsiteY10" fmla="*/ 0 h 137391"/>
+                    <a:gd name="connsiteX11" fmla="*/ 160290 w 320579"/>
+                    <a:gd name="connsiteY11" fmla="*/ 45797 h 137391"/>
+                  </a:gdLst>
+                  <a:ahLst/>
+                  <a:cxnLst>
+                    <a:cxn ang="0">
+                      <a:pos x="connsiteX0" y="connsiteY0"/>
+                    </a:cxn>
+                    <a:cxn ang="0">
+                      <a:pos x="connsiteX1" y="connsiteY1"/>
+                    </a:cxn>
+                    <a:cxn ang="0">
+                      <a:pos x="connsiteX2" y="connsiteY2"/>
+                    </a:cxn>
+                    <a:cxn ang="0">
+                      <a:pos x="connsiteX3" y="connsiteY3"/>
+                    </a:cxn>
+                    <a:cxn ang="0">
+                      <a:pos x="connsiteX4" y="connsiteY4"/>
+                    </a:cxn>
+                    <a:cxn ang="0">
+                      <a:pos x="connsiteX5" y="connsiteY5"/>
+                    </a:cxn>
+                    <a:cxn ang="0">
+                      <a:pos x="connsiteX6" y="connsiteY6"/>
+                    </a:cxn>
+                    <a:cxn ang="0">
+                      <a:pos x="connsiteX7" y="connsiteY7"/>
+                    </a:cxn>
+                    <a:cxn ang="0">
+                      <a:pos x="connsiteX8" y="connsiteY8"/>
+                    </a:cxn>
+                    <a:cxn ang="0">
+                      <a:pos x="connsiteX9" y="connsiteY9"/>
+                    </a:cxn>
+                    <a:cxn ang="0">
+                      <a:pos x="connsiteX10" y="connsiteY10"/>
+                    </a:cxn>
+                    <a:cxn ang="0">
+                      <a:pos x="connsiteX11" y="connsiteY11"/>
+                    </a:cxn>
+                  </a:cxnLst>
+                  <a:rect l="l" t="t" r="r" b="b"/>
+                  <a:pathLst>
+                    <a:path w="320579" h="137391">
+                      <a:moveTo>
+                        <a:pt x="274782" y="91594"/>
+                      </a:moveTo>
+                      <a:cubicBezTo>
+                        <a:pt x="267912" y="91594"/>
+                        <a:pt x="263333" y="87014"/>
+                        <a:pt x="263333" y="80145"/>
+                      </a:cubicBezTo>
+                      <a:cubicBezTo>
+                        <a:pt x="263333" y="73275"/>
+                        <a:pt x="267912" y="68696"/>
+                        <a:pt x="274782" y="68696"/>
+                      </a:cubicBezTo>
+                      <a:cubicBezTo>
+                        <a:pt x="281652" y="68696"/>
+                        <a:pt x="286231" y="73275"/>
+                        <a:pt x="286231" y="80145"/>
+                      </a:cubicBezTo>
+                      <a:cubicBezTo>
+                        <a:pt x="286231" y="87014"/>
+                        <a:pt x="281652" y="91594"/>
+                        <a:pt x="274782" y="91594"/>
+                      </a:cubicBezTo>
+                      <a:close/>
+                      <a:moveTo>
+                        <a:pt x="160290" y="45797"/>
+                      </a:moveTo>
+                      <a:cubicBezTo>
+                        <a:pt x="72130" y="45797"/>
+                        <a:pt x="0" y="25188"/>
+                        <a:pt x="0" y="0"/>
+                      </a:cubicBezTo>
+                      <a:lnTo>
+                        <a:pt x="0" y="91594"/>
+                      </a:lnTo>
+                      <a:cubicBezTo>
+                        <a:pt x="0" y="116782"/>
+                        <a:pt x="72130" y="137391"/>
+                        <a:pt x="160290" y="137391"/>
+                      </a:cubicBezTo>
+                      <a:cubicBezTo>
+                        <a:pt x="248449" y="137391"/>
+                        <a:pt x="320579" y="116782"/>
+                        <a:pt x="320579" y="91594"/>
+                      </a:cubicBezTo>
+                      <a:lnTo>
+                        <a:pt x="320579" y="0"/>
+                      </a:lnTo>
+                      <a:cubicBezTo>
+                        <a:pt x="320579" y="25188"/>
+                        <a:pt x="248449" y="45797"/>
+                        <a:pt x="160290" y="45797"/>
+                      </a:cubicBezTo>
+                      <a:close/>
+                    </a:path>
+                  </a:pathLst>
+                </a:custGeom>
+                <a:solidFill>
+                  <a:srgbClr val="000000"/>
+                </a:solidFill>
+                <a:ln w="5655" cap="flat">
+                  <a:noFill/>
+                  <a:prstDash val="solid"/>
+                  <a:miter/>
+                </a:ln>
+              </p:spPr>
+              <p:txBody>
+                <a:bodyPr rtlCol="0" anchor="ctr"/>
+                <a:lstStyle/>
+                <a:p>
+                  <a:endParaRPr lang="en-US"/>
+                </a:p>
+              </p:txBody>
+            </p:sp>
+            <p:sp>
+              <p:nvSpPr>
+                <p:cNvPr id="11" name="Freeform 10">
+                  <a:extLst>
+                    <a:ext uri="{FF2B5EF4-FFF2-40B4-BE49-F238E27FC236}">
+                      <a16:creationId xmlns:a16="http://schemas.microsoft.com/office/drawing/2014/main" id="{680DB904-1AEA-DFFA-CCA0-BF16A896F7BE}"/>
+                    </a:ext>
+                  </a:extLst>
+                </p:cNvPr>
+                <p:cNvSpPr/>
+                <p:nvPr/>
+              </p:nvSpPr>
+              <p:spPr>
+                <a:xfrm>
+                  <a:off x="671110" y="5904194"/>
+                  <a:ext cx="320579" cy="137391"/>
+                </a:xfrm>
+                <a:custGeom>
+                  <a:avLst/>
+                  <a:gdLst>
+                    <a:gd name="connsiteX0" fmla="*/ 274782 w 320579"/>
+                    <a:gd name="connsiteY0" fmla="*/ 91594 h 137391"/>
+                    <a:gd name="connsiteX1" fmla="*/ 263333 w 320579"/>
+                    <a:gd name="connsiteY1" fmla="*/ 80145 h 137391"/>
+                    <a:gd name="connsiteX2" fmla="*/ 274782 w 320579"/>
+                    <a:gd name="connsiteY2" fmla="*/ 68696 h 137391"/>
+                    <a:gd name="connsiteX3" fmla="*/ 286231 w 320579"/>
+                    <a:gd name="connsiteY3" fmla="*/ 80145 h 137391"/>
+                    <a:gd name="connsiteX4" fmla="*/ 274782 w 320579"/>
+                    <a:gd name="connsiteY4" fmla="*/ 91594 h 137391"/>
+                    <a:gd name="connsiteX5" fmla="*/ 160290 w 320579"/>
+                    <a:gd name="connsiteY5" fmla="*/ 45797 h 137391"/>
+                    <a:gd name="connsiteX6" fmla="*/ 0 w 320579"/>
+                    <a:gd name="connsiteY6" fmla="*/ 0 h 137391"/>
+                    <a:gd name="connsiteX7" fmla="*/ 0 w 320579"/>
+                    <a:gd name="connsiteY7" fmla="*/ 91594 h 137391"/>
+                    <a:gd name="connsiteX8" fmla="*/ 160290 w 320579"/>
+                    <a:gd name="connsiteY8" fmla="*/ 137391 h 137391"/>
+                    <a:gd name="connsiteX9" fmla="*/ 320579 w 320579"/>
+                    <a:gd name="connsiteY9" fmla="*/ 91594 h 137391"/>
+                    <a:gd name="connsiteX10" fmla="*/ 320579 w 320579"/>
+                    <a:gd name="connsiteY10" fmla="*/ 0 h 137391"/>
+                    <a:gd name="connsiteX11" fmla="*/ 160290 w 320579"/>
+                    <a:gd name="connsiteY11" fmla="*/ 45797 h 137391"/>
+                  </a:gdLst>
+                  <a:ahLst/>
+                  <a:cxnLst>
+                    <a:cxn ang="0">
+                      <a:pos x="connsiteX0" y="connsiteY0"/>
+                    </a:cxn>
+                    <a:cxn ang="0">
+                      <a:pos x="connsiteX1" y="connsiteY1"/>
+                    </a:cxn>
+                    <a:cxn ang="0">
+                      <a:pos x="connsiteX2" y="connsiteY2"/>
+                    </a:cxn>
+                    <a:cxn ang="0">
+                      <a:pos x="connsiteX3" y="connsiteY3"/>
+                    </a:cxn>
+                    <a:cxn ang="0">
+                      <a:pos x="connsiteX4" y="connsiteY4"/>
+                    </a:cxn>
+                    <a:cxn ang="0">
+                      <a:pos x="connsiteX5" y="connsiteY5"/>
+                    </a:cxn>
+                    <a:cxn ang="0">
+                      <a:pos x="connsiteX6" y="connsiteY6"/>
+                    </a:cxn>
+                    <a:cxn ang="0">
+                      <a:pos x="connsiteX7" y="connsiteY7"/>
+                    </a:cxn>
+                    <a:cxn ang="0">
+                      <a:pos x="connsiteX8" y="connsiteY8"/>
+                    </a:cxn>
+                    <a:cxn ang="0">
+                      <a:pos x="connsiteX9" y="connsiteY9"/>
+                    </a:cxn>
+                    <a:cxn ang="0">
+                      <a:pos x="connsiteX10" y="connsiteY10"/>
+                    </a:cxn>
+                    <a:cxn ang="0">
+                      <a:pos x="connsiteX11" y="connsiteY11"/>
+                    </a:cxn>
+                  </a:cxnLst>
+                  <a:rect l="l" t="t" r="r" b="b"/>
+                  <a:pathLst>
+                    <a:path w="320579" h="137391">
+                      <a:moveTo>
+                        <a:pt x="274782" y="91594"/>
+                      </a:moveTo>
+                      <a:cubicBezTo>
+                        <a:pt x="267912" y="91594"/>
+                        <a:pt x="263333" y="87014"/>
+                        <a:pt x="263333" y="80145"/>
+                      </a:cubicBezTo>
+                      <a:cubicBezTo>
+                        <a:pt x="263333" y="73275"/>
+                        <a:pt x="267912" y="68696"/>
+                        <a:pt x="274782" y="68696"/>
+                      </a:cubicBezTo>
+                      <a:cubicBezTo>
+                        <a:pt x="281652" y="68696"/>
+                        <a:pt x="286231" y="73275"/>
+                        <a:pt x="286231" y="80145"/>
+                      </a:cubicBezTo>
+                      <a:cubicBezTo>
+                        <a:pt x="286231" y="87014"/>
+                        <a:pt x="281652" y="91594"/>
+                        <a:pt x="274782" y="91594"/>
+                      </a:cubicBezTo>
+                      <a:close/>
+                      <a:moveTo>
+                        <a:pt x="160290" y="45797"/>
+                      </a:moveTo>
+                      <a:cubicBezTo>
+                        <a:pt x="72130" y="45797"/>
+                        <a:pt x="0" y="25188"/>
+                        <a:pt x="0" y="0"/>
+                      </a:cubicBezTo>
+                      <a:lnTo>
+                        <a:pt x="0" y="91594"/>
+                      </a:lnTo>
+                      <a:cubicBezTo>
+                        <a:pt x="0" y="116782"/>
+                        <a:pt x="72130" y="137391"/>
+                        <a:pt x="160290" y="137391"/>
+                      </a:cubicBezTo>
+                      <a:cubicBezTo>
+                        <a:pt x="248449" y="137391"/>
+                        <a:pt x="320579" y="116782"/>
+                        <a:pt x="320579" y="91594"/>
+                      </a:cubicBezTo>
+                      <a:lnTo>
+                        <a:pt x="320579" y="0"/>
+                      </a:lnTo>
+                      <a:cubicBezTo>
+                        <a:pt x="320579" y="25188"/>
+                        <a:pt x="248449" y="45797"/>
+                        <a:pt x="160290" y="45797"/>
+                      </a:cubicBezTo>
+                      <a:close/>
+                    </a:path>
+                  </a:pathLst>
+                </a:custGeom>
+                <a:solidFill>
+                  <a:srgbClr val="000000"/>
+                </a:solidFill>
+                <a:ln w="5655" cap="flat">
+                  <a:noFill/>
+                  <a:prstDash val="solid"/>
+                  <a:miter/>
+                </a:ln>
+              </p:spPr>
+              <p:txBody>
+                <a:bodyPr rtlCol="0" anchor="ctr"/>
+                <a:lstStyle/>
+                <a:p>
+                  <a:endParaRPr lang="en-US"/>
+                </a:p>
+              </p:txBody>
+            </p:sp>
+            <p:sp>
+              <p:nvSpPr>
+                <p:cNvPr id="14" name="Freeform 13">
+                  <a:extLst>
+                    <a:ext uri="{FF2B5EF4-FFF2-40B4-BE49-F238E27FC236}">
+                      <a16:creationId xmlns:a16="http://schemas.microsoft.com/office/drawing/2014/main" id="{E7297926-9BD9-A8BD-BD99-60653F6CA906}"/>
+                    </a:ext>
+                  </a:extLst>
+                </p:cNvPr>
+                <p:cNvSpPr/>
+                <p:nvPr/>
+              </p:nvSpPr>
+              <p:spPr>
+                <a:xfrm>
+                  <a:off x="671110" y="6018686"/>
+                  <a:ext cx="320579" cy="137391"/>
+                </a:xfrm>
+                <a:custGeom>
+                  <a:avLst/>
+                  <a:gdLst>
+                    <a:gd name="connsiteX0" fmla="*/ 274782 w 320579"/>
+                    <a:gd name="connsiteY0" fmla="*/ 91594 h 137391"/>
+                    <a:gd name="connsiteX1" fmla="*/ 263333 w 320579"/>
+                    <a:gd name="connsiteY1" fmla="*/ 80145 h 137391"/>
+                    <a:gd name="connsiteX2" fmla="*/ 274782 w 320579"/>
+                    <a:gd name="connsiteY2" fmla="*/ 68696 h 137391"/>
+                    <a:gd name="connsiteX3" fmla="*/ 286231 w 320579"/>
+                    <a:gd name="connsiteY3" fmla="*/ 80145 h 137391"/>
+                    <a:gd name="connsiteX4" fmla="*/ 274782 w 320579"/>
+                    <a:gd name="connsiteY4" fmla="*/ 91594 h 137391"/>
+                    <a:gd name="connsiteX5" fmla="*/ 160290 w 320579"/>
+                    <a:gd name="connsiteY5" fmla="*/ 45797 h 137391"/>
+                    <a:gd name="connsiteX6" fmla="*/ 0 w 320579"/>
+                    <a:gd name="connsiteY6" fmla="*/ 0 h 137391"/>
+                    <a:gd name="connsiteX7" fmla="*/ 0 w 320579"/>
+                    <a:gd name="connsiteY7" fmla="*/ 91594 h 137391"/>
+                    <a:gd name="connsiteX8" fmla="*/ 160290 w 320579"/>
+                    <a:gd name="connsiteY8" fmla="*/ 137391 h 137391"/>
+                    <a:gd name="connsiteX9" fmla="*/ 320579 w 320579"/>
+                    <a:gd name="connsiteY9" fmla="*/ 91594 h 137391"/>
+                    <a:gd name="connsiteX10" fmla="*/ 320579 w 320579"/>
+                    <a:gd name="connsiteY10" fmla="*/ 0 h 137391"/>
+                    <a:gd name="connsiteX11" fmla="*/ 160290 w 320579"/>
+                    <a:gd name="connsiteY11" fmla="*/ 45797 h 137391"/>
+                  </a:gdLst>
+                  <a:ahLst/>
+                  <a:cxnLst>
+                    <a:cxn ang="0">
+                      <a:pos x="connsiteX0" y="connsiteY0"/>
+                    </a:cxn>
+                    <a:cxn ang="0">
+                      <a:pos x="connsiteX1" y="connsiteY1"/>
+                    </a:cxn>
+                    <a:cxn ang="0">
+                      <a:pos x="connsiteX2" y="connsiteY2"/>
+                    </a:cxn>
+                    <a:cxn ang="0">
+                      <a:pos x="connsiteX3" y="connsiteY3"/>
+                    </a:cxn>
+                    <a:cxn ang="0">
+                      <a:pos x="connsiteX4" y="connsiteY4"/>
+                    </a:cxn>
+                    <a:cxn ang="0">
+                      <a:pos x="connsiteX5" y="connsiteY5"/>
+                    </a:cxn>
+                    <a:cxn ang="0">
+                      <a:pos x="connsiteX6" y="connsiteY6"/>
+                    </a:cxn>
+                    <a:cxn ang="0">
+                      <a:pos x="connsiteX7" y="connsiteY7"/>
+                    </a:cxn>
+                    <a:cxn ang="0">
+                      <a:pos x="connsiteX8" y="connsiteY8"/>
+                    </a:cxn>
+                    <a:cxn ang="0">
+                      <a:pos x="connsiteX9" y="connsiteY9"/>
+                    </a:cxn>
+                    <a:cxn ang="0">
+                      <a:pos x="connsiteX10" y="connsiteY10"/>
+                    </a:cxn>
+                    <a:cxn ang="0">
+                      <a:pos x="connsiteX11" y="connsiteY11"/>
+                    </a:cxn>
+                  </a:cxnLst>
+                  <a:rect l="l" t="t" r="r" b="b"/>
+                  <a:pathLst>
+                    <a:path w="320579" h="137391">
+                      <a:moveTo>
+                        <a:pt x="274782" y="91594"/>
+                      </a:moveTo>
+                      <a:cubicBezTo>
+                        <a:pt x="267912" y="91594"/>
+                        <a:pt x="263333" y="87014"/>
+                        <a:pt x="263333" y="80145"/>
+                      </a:cubicBezTo>
+                      <a:cubicBezTo>
+                        <a:pt x="263333" y="73275"/>
+                        <a:pt x="267912" y="68696"/>
+                        <a:pt x="274782" y="68696"/>
+                      </a:cubicBezTo>
+                      <a:cubicBezTo>
+                        <a:pt x="281652" y="68696"/>
+                        <a:pt x="286231" y="73275"/>
+                        <a:pt x="286231" y="80145"/>
+                      </a:cubicBezTo>
+                      <a:cubicBezTo>
+                        <a:pt x="286231" y="87014"/>
+                        <a:pt x="281652" y="91594"/>
+                        <a:pt x="274782" y="91594"/>
+                      </a:cubicBezTo>
+                      <a:close/>
+                      <a:moveTo>
+                        <a:pt x="160290" y="45797"/>
+                      </a:moveTo>
+                      <a:cubicBezTo>
+                        <a:pt x="72130" y="45797"/>
+                        <a:pt x="0" y="25188"/>
+                        <a:pt x="0" y="0"/>
+                      </a:cubicBezTo>
+                      <a:lnTo>
+                        <a:pt x="0" y="91594"/>
+                      </a:lnTo>
+                      <a:cubicBezTo>
+                        <a:pt x="0" y="116782"/>
+                        <a:pt x="72130" y="137391"/>
+                        <a:pt x="160290" y="137391"/>
+                      </a:cubicBezTo>
+                      <a:cubicBezTo>
+                        <a:pt x="248449" y="137391"/>
+                        <a:pt x="320579" y="116782"/>
+                        <a:pt x="320579" y="91594"/>
+                      </a:cubicBezTo>
+                      <a:lnTo>
+                        <a:pt x="320579" y="0"/>
+                      </a:lnTo>
+                      <a:cubicBezTo>
+                        <a:pt x="320579" y="25188"/>
+                        <a:pt x="248449" y="45797"/>
+                        <a:pt x="160290" y="45797"/>
+                      </a:cubicBezTo>
+                      <a:close/>
+                    </a:path>
+                  </a:pathLst>
+                </a:custGeom>
+                <a:solidFill>
+                  <a:srgbClr val="000000"/>
+                </a:solidFill>
+                <a:ln w="5655" cap="flat">
+                  <a:noFill/>
+                  <a:prstDash val="solid"/>
+                  <a:miter/>
+                </a:ln>
+              </p:spPr>
+              <p:txBody>
+                <a:bodyPr rtlCol="0" anchor="ctr"/>
+                <a:lstStyle/>
+                <a:p>
+                  <a:endParaRPr lang="en-US"/>
+                </a:p>
+              </p:txBody>
+            </p:sp>
+          </p:grpSp>
+          <p:cxnSp>
+            <p:nvCxnSpPr>
+              <p:cNvPr id="42" name="Straight Arrow Connector 41">
+                <a:extLst>
+                  <a:ext uri="{FF2B5EF4-FFF2-40B4-BE49-F238E27FC236}">
+                    <a16:creationId xmlns:a16="http://schemas.microsoft.com/office/drawing/2014/main" id="{69E3DBDE-C67D-E045-89F5-1FBFA0A30E69}"/>
+                  </a:ext>
+                </a:extLst>
+              </p:cNvPr>
+              <p:cNvCxnSpPr>
+                <a:cxnSpLocks/>
+                <a:stCxn id="4" idx="0"/>
+                <a:endCxn id="74" idx="2"/>
+              </p:cNvCxnSpPr>
+              <p:nvPr/>
+            </p:nvCxnSpPr>
+            <p:spPr>
+              <a:xfrm flipV="1">
+                <a:off x="2549842" y="2492918"/>
+                <a:ext cx="0" cy="266125"/>
+              </a:xfrm>
+              <a:prstGeom prst="straightConnector1">
+                <a:avLst/>
+              </a:prstGeom>
+              <a:ln>
+                <a:solidFill>
+                  <a:schemeClr val="tx1"/>
+                </a:solidFill>
+                <a:headEnd type="triangle"/>
+                <a:tailEnd type="triangle"/>
+              </a:ln>
+            </p:spPr>
+            <p:style>
+              <a:lnRef idx="1">
+                <a:schemeClr val="accent1"/>
+              </a:lnRef>
+              <a:fillRef idx="0">
+                <a:schemeClr val="accent1"/>
+              </a:fillRef>
+              <a:effectRef idx="0">
+                <a:schemeClr val="accent1"/>
+              </a:effectRef>
+              <a:fontRef idx="minor">
+                <a:schemeClr val="tx1"/>
+              </a:fontRef>
+            </p:style>
+          </p:cxnSp>
+          <p:cxnSp>
+            <p:nvCxnSpPr>
+              <p:cNvPr id="56" name="Straight Arrow Connector 55">
+                <a:extLst>
+                  <a:ext uri="{FF2B5EF4-FFF2-40B4-BE49-F238E27FC236}">
+                    <a16:creationId xmlns:a16="http://schemas.microsoft.com/office/drawing/2014/main" id="{E8C42946-2C2A-5E47-BFAA-6D17B1AC189D}"/>
+                  </a:ext>
+                </a:extLst>
+              </p:cNvPr>
+              <p:cNvCxnSpPr>
+                <a:cxnSpLocks/>
+                <a:stCxn id="13" idx="0"/>
+                <a:endCxn id="4" idx="2"/>
+              </p:cNvCxnSpPr>
+              <p:nvPr/>
+            </p:nvCxnSpPr>
+            <p:spPr>
+              <a:xfrm flipV="1">
+                <a:off x="2549841" y="4937312"/>
+                <a:ext cx="1" cy="451666"/>
+              </a:xfrm>
+              <a:prstGeom prst="straightConnector1">
+                <a:avLst/>
+              </a:prstGeom>
+              <a:ln>
+                <a:solidFill>
+                  <a:schemeClr val="tx1"/>
+                </a:solidFill>
+                <a:headEnd type="triangle"/>
+                <a:tailEnd type="triangle"/>
+              </a:ln>
+            </p:spPr>
+            <p:style>
+              <a:lnRef idx="1">
+                <a:schemeClr val="accent1"/>
+              </a:lnRef>
+              <a:fillRef idx="0">
+                <a:schemeClr val="accent1"/>
+              </a:fillRef>
+              <a:effectRef idx="0">
+                <a:schemeClr val="accent1"/>
+              </a:effectRef>
+              <a:fontRef idx="minor">
+                <a:schemeClr val="tx1"/>
+              </a:fontRef>
+            </p:style>
+          </p:cxnSp>
+          <p:cxnSp>
+            <p:nvCxnSpPr>
+              <p:cNvPr id="60" name="Straight Arrow Connector 59">
+                <a:extLst>
+                  <a:ext uri="{FF2B5EF4-FFF2-40B4-BE49-F238E27FC236}">
+                    <a16:creationId xmlns:a16="http://schemas.microsoft.com/office/drawing/2014/main" id="{90AF072C-E5F7-484D-831F-1C090DE5FFCA}"/>
+                  </a:ext>
+                </a:extLst>
+              </p:cNvPr>
+              <p:cNvCxnSpPr>
+                <a:cxnSpLocks/>
+                <a:stCxn id="19" idx="1"/>
+                <a:endCxn id="17" idx="3"/>
+              </p:cNvCxnSpPr>
+              <p:nvPr/>
+            </p:nvCxnSpPr>
+            <p:spPr>
+              <a:xfrm flipH="1" flipV="1">
+                <a:off x="3245927" y="3684727"/>
+                <a:ext cx="305612" cy="2041"/>
+              </a:xfrm>
+              <a:prstGeom prst="straightConnector1">
+                <a:avLst/>
+              </a:prstGeom>
+              <a:ln>
+                <a:solidFill>
+                  <a:schemeClr val="tx1"/>
+                </a:solidFill>
+                <a:tailEnd type="triangle"/>
+              </a:ln>
+            </p:spPr>
+            <p:style>
+              <a:lnRef idx="1">
+                <a:schemeClr val="accent1"/>
+              </a:lnRef>
+              <a:fillRef idx="0">
+                <a:schemeClr val="accent1"/>
+              </a:fillRef>
+              <a:effectRef idx="0">
+                <a:schemeClr val="accent1"/>
+              </a:effectRef>
+              <a:fontRef idx="minor">
+                <a:schemeClr val="tx1"/>
+              </a:fontRef>
+            </p:style>
+          </p:cxnSp>
+          <p:cxnSp>
+            <p:nvCxnSpPr>
+              <p:cNvPr id="85" name="Straight Arrow Connector 84">
+                <a:extLst>
+                  <a:ext uri="{FF2B5EF4-FFF2-40B4-BE49-F238E27FC236}">
+                    <a16:creationId xmlns:a16="http://schemas.microsoft.com/office/drawing/2014/main" id="{E9B16E0F-51D1-6944-8720-2F7DDE53AF79}"/>
+                  </a:ext>
+                </a:extLst>
+              </p:cNvPr>
+              <p:cNvCxnSpPr>
+                <a:cxnSpLocks/>
+                <a:stCxn id="8" idx="2"/>
+                <a:endCxn id="84" idx="1"/>
+              </p:cNvCxnSpPr>
+              <p:nvPr/>
+            </p:nvCxnSpPr>
+            <p:spPr>
+              <a:xfrm>
+                <a:off x="1567429" y="1666722"/>
+                <a:ext cx="433552" cy="427467"/>
+              </a:xfrm>
+              <a:prstGeom prst="straightConnector1">
+                <a:avLst/>
+              </a:prstGeom>
+              <a:ln>
+                <a:solidFill>
+                  <a:schemeClr val="tx1"/>
+                </a:solidFill>
+                <a:headEnd type="triangle"/>
+                <a:tailEnd type="triangle"/>
+              </a:ln>
+            </p:spPr>
+            <p:style>
+              <a:lnRef idx="1">
+                <a:schemeClr val="accent1"/>
+              </a:lnRef>
+              <a:fillRef idx="0">
+                <a:schemeClr val="accent1"/>
+              </a:fillRef>
+              <a:effectRef idx="0">
+                <a:schemeClr val="accent1"/>
+              </a:effectRef>
+              <a:fontRef idx="minor">
+                <a:schemeClr val="tx1"/>
+              </a:fontRef>
+            </p:style>
+          </p:cxnSp>
+          <p:cxnSp>
+            <p:nvCxnSpPr>
+              <p:cNvPr id="88" name="Straight Arrow Connector 87">
+                <a:extLst>
+                  <a:ext uri="{FF2B5EF4-FFF2-40B4-BE49-F238E27FC236}">
+                    <a16:creationId xmlns:a16="http://schemas.microsoft.com/office/drawing/2014/main" id="{D6DA7170-D3A5-F44F-A04A-52AC5AD06803}"/>
+                  </a:ext>
+                </a:extLst>
+              </p:cNvPr>
+              <p:cNvCxnSpPr>
+                <a:cxnSpLocks/>
+                <a:stCxn id="8" idx="3"/>
+                <a:endCxn id="83" idx="1"/>
+              </p:cNvCxnSpPr>
+              <p:nvPr/>
+            </p:nvCxnSpPr>
+            <p:spPr>
+              <a:xfrm>
+                <a:off x="2000981" y="1391940"/>
+                <a:ext cx="897101" cy="0"/>
+              </a:xfrm>
+              <a:prstGeom prst="straightConnector1">
+                <a:avLst/>
+              </a:prstGeom>
+              <a:ln>
+                <a:solidFill>
+                  <a:schemeClr val="tx1"/>
+                </a:solidFill>
+                <a:headEnd type="triangle"/>
+                <a:tailEnd type="triangle"/>
+              </a:ln>
+            </p:spPr>
+            <p:style>
+              <a:lnRef idx="1">
+                <a:schemeClr val="accent1"/>
+              </a:lnRef>
+              <a:fillRef idx="0">
+                <a:schemeClr val="accent1"/>
+              </a:fillRef>
+              <a:effectRef idx="0">
+                <a:schemeClr val="accent1"/>
+              </a:effectRef>
+              <a:fontRef idx="minor">
+                <a:schemeClr val="tx1"/>
+              </a:fontRef>
+            </p:style>
+          </p:cxnSp>
+          <p:cxnSp>
+            <p:nvCxnSpPr>
+              <p:cNvPr id="91" name="Straight Arrow Connector 90">
+                <a:extLst>
+                  <a:ext uri="{FF2B5EF4-FFF2-40B4-BE49-F238E27FC236}">
+                    <a16:creationId xmlns:a16="http://schemas.microsoft.com/office/drawing/2014/main" id="{C1AAB371-291E-9740-9D42-367ACFC9E6D1}"/>
+                  </a:ext>
+                </a:extLst>
+              </p:cNvPr>
+              <p:cNvCxnSpPr>
+                <a:cxnSpLocks/>
+                <a:stCxn id="84" idx="3"/>
+                <a:endCxn id="83" idx="2"/>
+              </p:cNvCxnSpPr>
+              <p:nvPr/>
+            </p:nvCxnSpPr>
+            <p:spPr>
+              <a:xfrm flipV="1">
+                <a:off x="2868085" y="1666722"/>
+                <a:ext cx="463549" cy="427467"/>
+              </a:xfrm>
+              <a:prstGeom prst="straightConnector1">
+                <a:avLst/>
+              </a:prstGeom>
+              <a:ln>
+                <a:solidFill>
+                  <a:schemeClr val="tx1"/>
+                </a:solidFill>
+                <a:headEnd type="triangle"/>
+                <a:tailEnd type="triangle"/>
+              </a:ln>
+            </p:spPr>
+            <p:style>
+              <a:lnRef idx="1">
+                <a:schemeClr val="accent1"/>
+              </a:lnRef>
+              <a:fillRef idx="0">
+                <a:schemeClr val="accent1"/>
+              </a:fillRef>
+              <a:effectRef idx="0">
+                <a:schemeClr val="accent1"/>
+              </a:effectRef>
+              <a:fontRef idx="minor">
+                <a:schemeClr val="tx1"/>
+              </a:fontRef>
+            </p:style>
+          </p:cxnSp>
+        </p:grpSp>
+        <p:grpSp>
+          <p:nvGrpSpPr>
+            <p:cNvPr id="121" name="Group 120">
               <a:extLst>
-                <a:ext uri="{96DAC541-7B7A-43D3-8B79-37D633B846F1}">
-                  <asvg:svgBlip xmlns:asvg="http://schemas.microsoft.com/office/drawing/2016/SVG/main" r:embed="rId3"/>
+                <a:ext uri="{FF2B5EF4-FFF2-40B4-BE49-F238E27FC236}">
+                  <a16:creationId xmlns:a16="http://schemas.microsoft.com/office/drawing/2014/main" id="{0AADE781-4C8C-8D44-A584-89FEA045FAD1}"/>
                 </a:ext>
               </a:extLst>
-            </a:blip>
-            <a:stretch>
-              <a:fillRect/>
-            </a:stretch>
-          </p:blipFill>
-          <p:spPr>
+            </p:cNvPr>
+            <p:cNvGrpSpPr/>
+            <p:nvPr/>
+          </p:nvGrpSpPr>
+          <p:grpSpPr>
             <a:xfrm>
-              <a:off x="5873391" y="1560930"/>
-              <a:ext cx="474664" cy="474664"/>
+              <a:off x="8730371" y="2046324"/>
+              <a:ext cx="2526178" cy="1620663"/>
+              <a:chOff x="9424084" y="2164437"/>
+              <a:chExt cx="2526178" cy="1620663"/>
             </a:xfrm>
-            <a:prstGeom prst="rect">
-              <a:avLst/>
-            </a:prstGeom>
-          </p:spPr>
-        </p:pic>
-      </p:grpSp>
-      <p:cxnSp>
-        <p:nvCxnSpPr>
-          <p:cNvPr id="30" name="Straight Arrow Connector 29">
-            <a:extLst>
-              <a:ext uri="{FF2B5EF4-FFF2-40B4-BE49-F238E27FC236}">
-                <a16:creationId xmlns:a16="http://schemas.microsoft.com/office/drawing/2014/main" id="{9A2349B0-6E77-5544-AAF3-24DB3B7D849D}"/>
-              </a:ext>
-            </a:extLst>
-          </p:cNvPr>
-          <p:cNvCxnSpPr>
-            <a:cxnSpLocks/>
-            <a:stCxn id="22" idx="0"/>
-            <a:endCxn id="74" idx="3"/>
-          </p:cNvCxnSpPr>
-          <p:nvPr/>
-        </p:nvCxnSpPr>
-        <p:spPr>
-          <a:xfrm flipH="1" flipV="1">
-            <a:off x="4268283" y="1666723"/>
-            <a:ext cx="2485825" cy="3073275"/>
-          </a:xfrm>
-          <a:prstGeom prst="straightConnector1">
-            <a:avLst/>
-          </a:prstGeom>
-          <a:ln>
-            <a:solidFill>
-              <a:schemeClr val="tx1"/>
-            </a:solidFill>
-            <a:headEnd type="triangle"/>
-            <a:tailEnd type="triangle"/>
-          </a:ln>
-        </p:spPr>
-        <p:style>
-          <a:lnRef idx="1">
-            <a:schemeClr val="accent1"/>
-          </a:lnRef>
-          <a:fillRef idx="0">
-            <a:schemeClr val="accent1"/>
-          </a:fillRef>
-          <a:effectRef idx="0">
-            <a:schemeClr val="accent1"/>
-          </a:effectRef>
-          <a:fontRef idx="minor">
-            <a:schemeClr val="tx1"/>
-          </a:fontRef>
-        </p:style>
-      </p:cxnSp>
-      <p:grpSp>
-        <p:nvGrpSpPr>
-          <p:cNvPr id="123" name="Group 122">
-            <a:extLst>
-              <a:ext uri="{FF2B5EF4-FFF2-40B4-BE49-F238E27FC236}">
-                <a16:creationId xmlns:a16="http://schemas.microsoft.com/office/drawing/2014/main" id="{C0AD6CCD-B304-8E40-8BE2-393D9801BAC8}"/>
-              </a:ext>
-            </a:extLst>
-          </p:cNvPr>
-          <p:cNvGrpSpPr/>
-          <p:nvPr/>
-        </p:nvGrpSpPr>
-        <p:grpSpPr>
-          <a:xfrm>
-            <a:off x="5305564" y="4578692"/>
-            <a:ext cx="2926009" cy="2118620"/>
-            <a:chOff x="5657816" y="3944526"/>
-            <a:chExt cx="2926009" cy="2118620"/>
-          </a:xfrm>
-        </p:grpSpPr>
+          </p:grpSpPr>
+          <p:sp>
+            <p:nvSpPr>
+              <p:cNvPr id="97" name="Rectangle 96">
+                <a:extLst>
+                  <a:ext uri="{FF2B5EF4-FFF2-40B4-BE49-F238E27FC236}">
+                    <a16:creationId xmlns:a16="http://schemas.microsoft.com/office/drawing/2014/main" id="{8BA15DB0-85E8-D745-9C39-A8F8F282E68A}"/>
+                  </a:ext>
+                </a:extLst>
+              </p:cNvPr>
+              <p:cNvSpPr/>
+              <p:nvPr/>
+            </p:nvSpPr>
+            <p:spPr>
+              <a:xfrm>
+                <a:off x="9424084" y="2164437"/>
+                <a:ext cx="2526178" cy="1620663"/>
+              </a:xfrm>
+              <a:prstGeom prst="rect">
+                <a:avLst/>
+              </a:prstGeom>
+              <a:solidFill>
+                <a:schemeClr val="bg1"/>
+              </a:solidFill>
+              <a:ln>
+                <a:solidFill>
+                  <a:schemeClr val="tx1"/>
+                </a:solidFill>
+                <a:prstDash val="dash"/>
+              </a:ln>
+            </p:spPr>
+            <p:style>
+              <a:lnRef idx="2">
+                <a:schemeClr val="accent1">
+                  <a:shade val="50000"/>
+                </a:schemeClr>
+              </a:lnRef>
+              <a:fillRef idx="1">
+                <a:schemeClr val="accent1"/>
+              </a:fillRef>
+              <a:effectRef idx="0">
+                <a:schemeClr val="accent1"/>
+              </a:effectRef>
+              <a:fontRef idx="minor">
+                <a:schemeClr val="lt1"/>
+              </a:fontRef>
+            </p:style>
+            <p:txBody>
+              <a:bodyPr rtlCol="0" anchor="b"/>
+              <a:lstStyle/>
+              <a:p>
+                <a:pPr algn="r"/>
+                <a:r>
+                  <a:rPr lang="en-US" dirty="0">
+                    <a:solidFill>
+                      <a:schemeClr val="tx1"/>
+                    </a:solidFill>
+                    <a:latin typeface="CMU Sans Serif Medium" panose="02000603000000000000" pitchFamily="2" charset="0"/>
+                    <a:ea typeface="CMU Sans Serif Medium" panose="02000603000000000000" pitchFamily="2" charset="0"/>
+                    <a:cs typeface="CMU Sans Serif Medium" panose="02000603000000000000" pitchFamily="2" charset="0"/>
+                  </a:rPr>
+                  <a:t>Client</a:t>
+                </a:r>
+              </a:p>
+            </p:txBody>
+          </p:sp>
+          <p:sp>
+            <p:nvSpPr>
+              <p:cNvPr id="98" name="Rectangle 97">
+                <a:extLst>
+                  <a:ext uri="{FF2B5EF4-FFF2-40B4-BE49-F238E27FC236}">
+                    <a16:creationId xmlns:a16="http://schemas.microsoft.com/office/drawing/2014/main" id="{6F3284CE-9479-8E43-8E3F-DB8458E13E53}"/>
+                  </a:ext>
+                </a:extLst>
+              </p:cNvPr>
+              <p:cNvSpPr/>
+              <p:nvPr/>
+            </p:nvSpPr>
+            <p:spPr>
+              <a:xfrm>
+                <a:off x="9516343" y="2239155"/>
+                <a:ext cx="433552" cy="1466591"/>
+              </a:xfrm>
+              <a:prstGeom prst="rect">
+                <a:avLst/>
+              </a:prstGeom>
+              <a:solidFill>
+                <a:schemeClr val="bg1"/>
+              </a:solidFill>
+              <a:ln>
+                <a:solidFill>
+                  <a:schemeClr val="tx1"/>
+                </a:solidFill>
+              </a:ln>
+            </p:spPr>
+            <p:style>
+              <a:lnRef idx="2">
+                <a:schemeClr val="accent1">
+                  <a:shade val="50000"/>
+                </a:schemeClr>
+              </a:lnRef>
+              <a:fillRef idx="1">
+                <a:schemeClr val="accent1"/>
+              </a:fillRef>
+              <a:effectRef idx="0">
+                <a:schemeClr val="accent1"/>
+              </a:effectRef>
+              <a:fontRef idx="minor">
+                <a:schemeClr val="lt1"/>
+              </a:fontRef>
+            </p:style>
+            <p:txBody>
+              <a:bodyPr vert="vert270" rtlCol="0" anchor="ctr"/>
+              <a:lstStyle/>
+              <a:p>
+                <a:pPr algn="ctr"/>
+                <a:r>
+                  <a:rPr lang="en-US" dirty="0" err="1">
+                    <a:solidFill>
+                      <a:schemeClr val="tx1"/>
+                    </a:solidFill>
+                    <a:latin typeface="Hack" panose="020B0609030202020204" pitchFamily="49" charset="0"/>
+                    <a:ea typeface="Hack" panose="020B0609030202020204" pitchFamily="49" charset="0"/>
+                    <a:cs typeface="Hack" panose="020B0609030202020204" pitchFamily="49" charset="0"/>
+                  </a:rPr>
+                  <a:t>alexandra</a:t>
+                </a:r>
+                <a:endParaRPr lang="en-US" dirty="0">
+                  <a:solidFill>
+                    <a:schemeClr val="tx1"/>
+                  </a:solidFill>
+                  <a:latin typeface="Hack" panose="020B0609030202020204" pitchFamily="49" charset="0"/>
+                  <a:ea typeface="Hack" panose="020B0609030202020204" pitchFamily="49" charset="0"/>
+                  <a:cs typeface="Hack" panose="020B0609030202020204" pitchFamily="49" charset="0"/>
+                </a:endParaRPr>
+              </a:p>
+            </p:txBody>
+          </p:sp>
+          <p:sp>
+            <p:nvSpPr>
+              <p:cNvPr id="99" name="Rectangle 98">
+                <a:extLst>
+                  <a:ext uri="{FF2B5EF4-FFF2-40B4-BE49-F238E27FC236}">
+                    <a16:creationId xmlns:a16="http://schemas.microsoft.com/office/drawing/2014/main" id="{B38B5F9D-3357-B140-AAF1-D96992734DA3}"/>
+                  </a:ext>
+                </a:extLst>
+              </p:cNvPr>
+              <p:cNvSpPr/>
+              <p:nvPr/>
+            </p:nvSpPr>
+            <p:spPr>
+              <a:xfrm>
+                <a:off x="10324839" y="2488621"/>
+                <a:ext cx="1502292" cy="963328"/>
+              </a:xfrm>
+              <a:prstGeom prst="rect">
+                <a:avLst/>
+              </a:prstGeom>
+              <a:solidFill>
+                <a:schemeClr val="bg1"/>
+              </a:solidFill>
+              <a:ln>
+                <a:solidFill>
+                  <a:schemeClr val="tx1"/>
+                </a:solidFill>
+              </a:ln>
+            </p:spPr>
+            <p:style>
+              <a:lnRef idx="2">
+                <a:schemeClr val="accent1">
+                  <a:shade val="50000"/>
+                </a:schemeClr>
+              </a:lnRef>
+              <a:fillRef idx="1">
+                <a:schemeClr val="accent1"/>
+              </a:fillRef>
+              <a:effectRef idx="0">
+                <a:schemeClr val="accent1"/>
+              </a:effectRef>
+              <a:fontRef idx="minor">
+                <a:schemeClr val="lt1"/>
+              </a:fontRef>
+            </p:style>
+            <p:txBody>
+              <a:bodyPr vert="horz" rtlCol="0" anchor="ctr"/>
+              <a:lstStyle/>
+              <a:p>
+                <a:pPr algn="ctr"/>
+                <a:r>
+                  <a:rPr lang="en-US" dirty="0">
+                    <a:solidFill>
+                      <a:schemeClr val="tx1"/>
+                    </a:solidFill>
+                    <a:latin typeface="CMU Sans Serif Medium" panose="02000603000000000000" pitchFamily="2" charset="0"/>
+                    <a:ea typeface="CMU Sans Serif Medium" panose="02000603000000000000" pitchFamily="2" charset="0"/>
+                    <a:cs typeface="CMU Sans Serif Medium" panose="02000603000000000000" pitchFamily="2" charset="0"/>
+                  </a:rPr>
+                  <a:t>Application</a:t>
+                </a:r>
+              </a:p>
+            </p:txBody>
+          </p:sp>
+          <p:cxnSp>
+            <p:nvCxnSpPr>
+              <p:cNvPr id="100" name="Straight Arrow Connector 99">
+                <a:extLst>
+                  <a:ext uri="{FF2B5EF4-FFF2-40B4-BE49-F238E27FC236}">
+                    <a16:creationId xmlns:a16="http://schemas.microsoft.com/office/drawing/2014/main" id="{82EEA6DC-A7F5-6D42-9BDB-60CD453795D0}"/>
+                  </a:ext>
+                </a:extLst>
+              </p:cNvPr>
+              <p:cNvCxnSpPr>
+                <a:cxnSpLocks/>
+                <a:stCxn id="98" idx="3"/>
+                <a:endCxn id="99" idx="1"/>
+              </p:cNvCxnSpPr>
+              <p:nvPr/>
+            </p:nvCxnSpPr>
+            <p:spPr>
+              <a:xfrm flipV="1">
+                <a:off x="9949895" y="2970285"/>
+                <a:ext cx="374944" cy="2166"/>
+              </a:xfrm>
+              <a:prstGeom prst="straightConnector1">
+                <a:avLst/>
+              </a:prstGeom>
+              <a:ln>
+                <a:solidFill>
+                  <a:schemeClr val="tx1"/>
+                </a:solidFill>
+                <a:headEnd type="triangle"/>
+                <a:tailEnd type="triangle"/>
+              </a:ln>
+            </p:spPr>
+            <p:style>
+              <a:lnRef idx="1">
+                <a:schemeClr val="accent1"/>
+              </a:lnRef>
+              <a:fillRef idx="0">
+                <a:schemeClr val="accent1"/>
+              </a:fillRef>
+              <a:effectRef idx="0">
+                <a:schemeClr val="accent1"/>
+              </a:effectRef>
+              <a:fontRef idx="minor">
+                <a:schemeClr val="tx1"/>
+              </a:fontRef>
+            </p:style>
+          </p:cxnSp>
+        </p:grpSp>
         <p:sp>
           <p:nvSpPr>
-            <p:cNvPr id="24" name="Rectangle 23">
+            <p:cNvPr id="141" name="Left-Right Arrow 140">
               <a:extLst>
                 <a:ext uri="{FF2B5EF4-FFF2-40B4-BE49-F238E27FC236}">
-                  <a16:creationId xmlns:a16="http://schemas.microsoft.com/office/drawing/2014/main" id="{7FD30231-46AF-4645-B6F0-73ED3FCE7064}"/>
+                  <a16:creationId xmlns:a16="http://schemas.microsoft.com/office/drawing/2014/main" id="{25F8F1FC-E7FA-4443-A9EC-080B6575A9FB}"/>
                 </a:ext>
               </a:extLst>
             </p:cNvPr>
@@ -3699,80 +7283,15 @@
             <p:nvPr/>
           </p:nvSpPr>
           <p:spPr>
-            <a:xfrm>
-              <a:off x="5657816" y="3944526"/>
-              <a:ext cx="2926009" cy="2118620"/>
+            <a:xfrm rot="3115938">
+              <a:off x="3785108" y="2943239"/>
+              <a:ext cx="3526066" cy="672442"/>
             </a:xfrm>
-            <a:prstGeom prst="rect">
+            <a:prstGeom prst="leftRightArrow">
               <a:avLst/>
             </a:prstGeom>
             <a:solidFill>
-              <a:schemeClr val="bg1"/>
-            </a:solidFill>
-            <a:ln>
-              <a:solidFill>
-                <a:schemeClr val="tx1"/>
-              </a:solidFill>
-              <a:prstDash val="dash"/>
-            </a:ln>
-          </p:spPr>
-          <p:style>
-            <a:lnRef idx="2">
-              <a:schemeClr val="accent1">
-                <a:shade val="50000"/>
-              </a:schemeClr>
-            </a:lnRef>
-            <a:fillRef idx="1">
-              <a:schemeClr val="accent1"/>
-            </a:fillRef>
-            <a:effectRef idx="0">
-              <a:schemeClr val="accent1"/>
-            </a:effectRef>
-            <a:fontRef idx="minor">
-              <a:schemeClr val="lt1"/>
-            </a:fontRef>
-          </p:style>
-          <p:txBody>
-            <a:bodyPr rtlCol="0" anchor="b"/>
-            <a:lstStyle/>
-            <a:p>
-              <a:pPr algn="r"/>
-              <a:r>
-                <a:rPr lang="en-US" dirty="0">
-                  <a:solidFill>
-                    <a:schemeClr val="tx1"/>
-                  </a:solidFill>
-                  <a:latin typeface="CMU Serif Roman" panose="02000603000000000000" pitchFamily="2" charset="0"/>
-                  <a:ea typeface="CMU Serif Roman" panose="02000603000000000000" pitchFamily="2" charset="0"/>
-                  <a:cs typeface="CMU Serif Roman" panose="02000603000000000000" pitchFamily="2" charset="0"/>
-                </a:rPr>
-                <a:t>Fog Node</a:t>
-              </a:r>
-            </a:p>
-          </p:txBody>
-        </p:sp>
-        <p:sp>
-          <p:nvSpPr>
-            <p:cNvPr id="22" name="Rectangle 21">
-              <a:extLst>
-                <a:ext uri="{FF2B5EF4-FFF2-40B4-BE49-F238E27FC236}">
-                  <a16:creationId xmlns:a16="http://schemas.microsoft.com/office/drawing/2014/main" id="{BCAE6EBF-7919-A24A-A69D-6B2485FF262D}"/>
-                </a:ext>
-              </a:extLst>
-            </p:cNvPr>
-            <p:cNvSpPr/>
-            <p:nvPr/>
-          </p:nvSpPr>
-          <p:spPr>
-            <a:xfrm>
-              <a:off x="5751892" y="4105832"/>
-              <a:ext cx="2708936" cy="1538211"/>
-            </a:xfrm>
-            <a:prstGeom prst="rect">
-              <a:avLst/>
-            </a:prstGeom>
-            <a:solidFill>
-              <a:schemeClr val="bg1"/>
+              <a:srgbClr val="4477AA"/>
             </a:solidFill>
             <a:ln>
               <a:solidFill>
@@ -3797,41 +7316,20 @@
             </a:fontRef>
           </p:style>
           <p:txBody>
-            <a:bodyPr rtlCol="0" anchor="b"/>
+            <a:bodyPr rtlCol="0" anchor="ctr"/>
             <a:lstStyle/>
             <a:p>
-              <a:pPr algn="r"/>
-              <a:r>
-                <a:rPr lang="en-US" dirty="0" err="1">
-                  <a:solidFill>
-                    <a:schemeClr val="tx1"/>
-                  </a:solidFill>
-                  <a:latin typeface="CMU Serif Roman" panose="02000603000000000000" pitchFamily="2" charset="0"/>
-                  <a:ea typeface="CMU Serif Roman" panose="02000603000000000000" pitchFamily="2" charset="0"/>
-                  <a:cs typeface="CMU Serif Roman" panose="02000603000000000000" pitchFamily="2" charset="0"/>
-                </a:rPr>
-                <a:t>FReD</a:t>
-              </a:r>
-              <a:r>
-                <a:rPr lang="en-US" dirty="0">
-                  <a:solidFill>
-                    <a:schemeClr val="tx1"/>
-                  </a:solidFill>
-                  <a:latin typeface="CMU Serif Roman" panose="02000603000000000000" pitchFamily="2" charset="0"/>
-                  <a:ea typeface="CMU Serif Roman" panose="02000603000000000000" pitchFamily="2" charset="0"/>
-                  <a:cs typeface="CMU Serif Roman" panose="02000603000000000000" pitchFamily="2" charset="0"/>
-                </a:rPr>
-                <a:t> Node</a:t>
-              </a:r>
+              <a:pPr algn="ctr"/>
+              <a:endParaRPr lang="en-US"/>
             </a:p>
           </p:txBody>
         </p:sp>
         <p:sp>
           <p:nvSpPr>
-            <p:cNvPr id="25" name="Rectangle 24">
+            <p:cNvPr id="142" name="Left-Right Arrow 141">
               <a:extLst>
                 <a:ext uri="{FF2B5EF4-FFF2-40B4-BE49-F238E27FC236}">
-                  <a16:creationId xmlns:a16="http://schemas.microsoft.com/office/drawing/2014/main" id="{CFAE62F7-48A9-AC4A-9F59-2A62F67522EF}"/>
+                  <a16:creationId xmlns:a16="http://schemas.microsoft.com/office/drawing/2014/main" id="{696A7B73-3680-DE4D-A809-9FBC7AE36627}"/>
                 </a:ext>
               </a:extLst>
             </p:cNvPr>
@@ -3840,14 +7338,446 @@
           </p:nvSpPr>
           <p:spPr>
             <a:xfrm>
-              <a:off x="6024346" y="4353314"/>
-              <a:ext cx="1154220" cy="549564"/>
+              <a:off x="4365949" y="1175170"/>
+              <a:ext cx="1397429" cy="672442"/>
             </a:xfrm>
-            <a:prstGeom prst="rect">
+            <a:prstGeom prst="leftRightArrow">
               <a:avLst/>
             </a:prstGeom>
             <a:solidFill>
-              <a:schemeClr val="bg1"/>
+              <a:srgbClr val="4477AA"/>
+            </a:solidFill>
+            <a:ln>
+              <a:solidFill>
+                <a:schemeClr val="tx1"/>
+              </a:solidFill>
+            </a:ln>
+          </p:spPr>
+          <p:style>
+            <a:lnRef idx="2">
+              <a:schemeClr val="accent1">
+                <a:shade val="50000"/>
+              </a:schemeClr>
+            </a:lnRef>
+            <a:fillRef idx="1">
+              <a:schemeClr val="accent1"/>
+            </a:fillRef>
+            <a:effectRef idx="0">
+              <a:schemeClr val="accent1"/>
+            </a:effectRef>
+            <a:fontRef idx="minor">
+              <a:schemeClr val="lt1"/>
+            </a:fontRef>
+          </p:style>
+          <p:txBody>
+            <a:bodyPr rtlCol="0" anchor="ctr"/>
+            <a:lstStyle/>
+            <a:p>
+              <a:pPr algn="ctr"/>
+              <a:endParaRPr lang="en-US"/>
+            </a:p>
+          </p:txBody>
+        </p:sp>
+        <p:sp>
+          <p:nvSpPr>
+            <p:cNvPr id="143" name="Left-Right Arrow 142">
+              <a:extLst>
+                <a:ext uri="{FF2B5EF4-FFF2-40B4-BE49-F238E27FC236}">
+                  <a16:creationId xmlns:a16="http://schemas.microsoft.com/office/drawing/2014/main" id="{948AD2C4-356D-AF40-A769-335A274E260C}"/>
+                </a:ext>
+              </a:extLst>
+            </p:cNvPr>
+            <p:cNvSpPr/>
+            <p:nvPr/>
+          </p:nvSpPr>
+          <p:spPr>
+            <a:xfrm rot="5400000">
+              <a:off x="2397370" y="2285433"/>
+              <a:ext cx="274783" cy="672442"/>
+            </a:xfrm>
+            <a:prstGeom prst="leftRightArrow">
+              <a:avLst/>
+            </a:prstGeom>
+            <a:solidFill>
+              <a:srgbClr val="4477AA"/>
+            </a:solidFill>
+            <a:ln>
+              <a:solidFill>
+                <a:schemeClr val="tx1"/>
+              </a:solidFill>
+            </a:ln>
+          </p:spPr>
+          <p:style>
+            <a:lnRef idx="2">
+              <a:schemeClr val="accent1">
+                <a:shade val="50000"/>
+              </a:schemeClr>
+            </a:lnRef>
+            <a:fillRef idx="1">
+              <a:schemeClr val="accent1"/>
+            </a:fillRef>
+            <a:effectRef idx="0">
+              <a:schemeClr val="accent1"/>
+            </a:effectRef>
+            <a:fontRef idx="minor">
+              <a:schemeClr val="lt1"/>
+            </a:fontRef>
+          </p:style>
+          <p:txBody>
+            <a:bodyPr rtlCol="0" anchor="ctr"/>
+            <a:lstStyle/>
+            <a:p>
+              <a:pPr algn="ctr"/>
+              <a:endParaRPr lang="en-US"/>
+            </a:p>
+          </p:txBody>
+        </p:sp>
+        <p:sp>
+          <p:nvSpPr>
+            <p:cNvPr id="144" name="Left-Right Arrow 143">
+              <a:extLst>
+                <a:ext uri="{FF2B5EF4-FFF2-40B4-BE49-F238E27FC236}">
+                  <a16:creationId xmlns:a16="http://schemas.microsoft.com/office/drawing/2014/main" id="{B675D3FA-797C-6B45-A779-AD523D3BBD4D}"/>
+                </a:ext>
+              </a:extLst>
+            </p:cNvPr>
+            <p:cNvSpPr/>
+            <p:nvPr/>
+          </p:nvSpPr>
+          <p:spPr>
+            <a:xfrm rot="5400000">
+              <a:off x="6033863" y="3199954"/>
+              <a:ext cx="2118622" cy="672442"/>
+            </a:xfrm>
+            <a:prstGeom prst="leftRightArrow">
+              <a:avLst/>
+            </a:prstGeom>
+            <a:solidFill>
+              <a:srgbClr val="EF6577"/>
+            </a:solidFill>
+            <a:ln>
+              <a:solidFill>
+                <a:schemeClr val="tx1"/>
+              </a:solidFill>
+            </a:ln>
+          </p:spPr>
+          <p:style>
+            <a:lnRef idx="2">
+              <a:schemeClr val="accent1">
+                <a:shade val="50000"/>
+              </a:schemeClr>
+            </a:lnRef>
+            <a:fillRef idx="1">
+              <a:schemeClr val="accent1"/>
+            </a:fillRef>
+            <a:effectRef idx="0">
+              <a:schemeClr val="accent1"/>
+            </a:effectRef>
+            <a:fontRef idx="minor">
+              <a:schemeClr val="lt1"/>
+            </a:fontRef>
+          </p:style>
+          <p:txBody>
+            <a:bodyPr rtlCol="0" anchor="ctr"/>
+            <a:lstStyle/>
+            <a:p>
+              <a:pPr algn="ctr"/>
+              <a:endParaRPr lang="en-US"/>
+            </a:p>
+          </p:txBody>
+        </p:sp>
+        <p:sp>
+          <p:nvSpPr>
+            <p:cNvPr id="145" name="Left-Right Arrow 144">
+              <a:extLst>
+                <a:ext uri="{FF2B5EF4-FFF2-40B4-BE49-F238E27FC236}">
+                  <a16:creationId xmlns:a16="http://schemas.microsoft.com/office/drawing/2014/main" id="{02F20C92-2A4F-894D-A903-369B1891D977}"/>
+                </a:ext>
+              </a:extLst>
+            </p:cNvPr>
+            <p:cNvSpPr/>
+            <p:nvPr/>
+          </p:nvSpPr>
+          <p:spPr>
+            <a:xfrm rot="8718276">
+              <a:off x="4072251" y="2725359"/>
+              <a:ext cx="2118622" cy="672442"/>
+            </a:xfrm>
+            <a:prstGeom prst="leftRightArrow">
+              <a:avLst/>
+            </a:prstGeom>
+            <a:solidFill>
+              <a:srgbClr val="EF6577"/>
+            </a:solidFill>
+            <a:ln>
+              <a:solidFill>
+                <a:schemeClr val="tx1"/>
+              </a:solidFill>
+            </a:ln>
+          </p:spPr>
+          <p:style>
+            <a:lnRef idx="2">
+              <a:schemeClr val="accent1">
+                <a:shade val="50000"/>
+              </a:schemeClr>
+            </a:lnRef>
+            <a:fillRef idx="1">
+              <a:schemeClr val="accent1"/>
+            </a:fillRef>
+            <a:effectRef idx="0">
+              <a:schemeClr val="accent1"/>
+            </a:effectRef>
+            <a:fontRef idx="minor">
+              <a:schemeClr val="lt1"/>
+            </a:fontRef>
+          </p:style>
+          <p:txBody>
+            <a:bodyPr rtlCol="0" anchor="ctr"/>
+            <a:lstStyle/>
+            <a:p>
+              <a:pPr algn="ctr"/>
+              <a:endParaRPr lang="en-US"/>
+            </a:p>
+          </p:txBody>
+        </p:sp>
+        <p:sp>
+          <p:nvSpPr>
+            <p:cNvPr id="146" name="Left-Right Arrow 145">
+              <a:extLst>
+                <a:ext uri="{FF2B5EF4-FFF2-40B4-BE49-F238E27FC236}">
+                  <a16:creationId xmlns:a16="http://schemas.microsoft.com/office/drawing/2014/main" id="{03DB0908-AC93-F244-84B9-CA7DD4593B65}"/>
+                </a:ext>
+              </a:extLst>
+            </p:cNvPr>
+            <p:cNvSpPr/>
+            <p:nvPr/>
+          </p:nvSpPr>
+          <p:spPr>
+            <a:xfrm rot="13295862">
+              <a:off x="4085662" y="4058574"/>
+              <a:ext cx="1491938" cy="672442"/>
+            </a:xfrm>
+            <a:prstGeom prst="leftRightArrow">
+              <a:avLst/>
+            </a:prstGeom>
+            <a:solidFill>
+              <a:srgbClr val="EF6577"/>
+            </a:solidFill>
+            <a:ln>
+              <a:solidFill>
+                <a:schemeClr val="tx1"/>
+              </a:solidFill>
+            </a:ln>
+          </p:spPr>
+          <p:style>
+            <a:lnRef idx="2">
+              <a:schemeClr val="accent1">
+                <a:shade val="50000"/>
+              </a:schemeClr>
+            </a:lnRef>
+            <a:fillRef idx="1">
+              <a:schemeClr val="accent1"/>
+            </a:fillRef>
+            <a:effectRef idx="0">
+              <a:schemeClr val="accent1"/>
+            </a:effectRef>
+            <a:fontRef idx="minor">
+              <a:schemeClr val="lt1"/>
+            </a:fontRef>
+          </p:style>
+          <p:txBody>
+            <a:bodyPr rtlCol="0" anchor="ctr"/>
+            <a:lstStyle/>
+            <a:p>
+              <a:pPr algn="ctr"/>
+              <a:endParaRPr lang="en-US"/>
+            </a:p>
+          </p:txBody>
+        </p:sp>
+        <p:sp>
+          <p:nvSpPr>
+            <p:cNvPr id="147" name="Left-Right Arrow 146">
+              <a:extLst>
+                <a:ext uri="{FF2B5EF4-FFF2-40B4-BE49-F238E27FC236}">
+                  <a16:creationId xmlns:a16="http://schemas.microsoft.com/office/drawing/2014/main" id="{2B13C4E6-D5A0-F545-B8D1-A6D502D73220}"/>
+                </a:ext>
+              </a:extLst>
+            </p:cNvPr>
+            <p:cNvSpPr/>
+            <p:nvPr/>
+          </p:nvSpPr>
+          <p:spPr>
+            <a:xfrm rot="13295862">
+              <a:off x="7396375" y="1818785"/>
+              <a:ext cx="1491938" cy="672442"/>
+            </a:xfrm>
+            <a:prstGeom prst="leftRightArrow">
+              <a:avLst/>
+            </a:prstGeom>
+            <a:solidFill>
+              <a:srgbClr val="218833"/>
+            </a:solidFill>
+            <a:ln>
+              <a:solidFill>
+                <a:schemeClr val="tx1"/>
+              </a:solidFill>
+            </a:ln>
+          </p:spPr>
+          <p:style>
+            <a:lnRef idx="2">
+              <a:schemeClr val="accent1">
+                <a:shade val="50000"/>
+              </a:schemeClr>
+            </a:lnRef>
+            <a:fillRef idx="1">
+              <a:schemeClr val="accent1"/>
+            </a:fillRef>
+            <a:effectRef idx="0">
+              <a:schemeClr val="accent1"/>
+            </a:effectRef>
+            <a:fontRef idx="minor">
+              <a:schemeClr val="lt1"/>
+            </a:fontRef>
+          </p:style>
+          <p:txBody>
+            <a:bodyPr rtlCol="0" anchor="ctr"/>
+            <a:lstStyle/>
+            <a:p>
+              <a:pPr algn="ctr"/>
+              <a:endParaRPr lang="en-US"/>
+            </a:p>
+          </p:txBody>
+        </p:sp>
+        <p:sp>
+          <p:nvSpPr>
+            <p:cNvPr id="148" name="Left-Right Arrow 147">
+              <a:extLst>
+                <a:ext uri="{FF2B5EF4-FFF2-40B4-BE49-F238E27FC236}">
+                  <a16:creationId xmlns:a16="http://schemas.microsoft.com/office/drawing/2014/main" id="{6BEF5757-D553-1342-95A7-B4788616ABA8}"/>
+                </a:ext>
+              </a:extLst>
+            </p:cNvPr>
+            <p:cNvSpPr/>
+            <p:nvPr/>
+          </p:nvSpPr>
+          <p:spPr>
+            <a:xfrm rot="18539334">
+              <a:off x="7020262" y="3595490"/>
+              <a:ext cx="2043212" cy="672442"/>
+            </a:xfrm>
+            <a:prstGeom prst="leftRightArrow">
+              <a:avLst/>
+            </a:prstGeom>
+            <a:solidFill>
+              <a:srgbClr val="218833"/>
+            </a:solidFill>
+            <a:ln>
+              <a:solidFill>
+                <a:schemeClr val="tx1"/>
+              </a:solidFill>
+            </a:ln>
+          </p:spPr>
+          <p:style>
+            <a:lnRef idx="2">
+              <a:schemeClr val="accent1">
+                <a:shade val="50000"/>
+              </a:schemeClr>
+            </a:lnRef>
+            <a:fillRef idx="1">
+              <a:schemeClr val="accent1"/>
+            </a:fillRef>
+            <a:effectRef idx="0">
+              <a:schemeClr val="accent1"/>
+            </a:effectRef>
+            <a:fontRef idx="minor">
+              <a:schemeClr val="lt1"/>
+            </a:fontRef>
+          </p:style>
+          <p:txBody>
+            <a:bodyPr rtlCol="0" anchor="ctr"/>
+            <a:lstStyle/>
+            <a:p>
+              <a:pPr algn="ctr"/>
+              <a:endParaRPr lang="en-US"/>
+            </a:p>
+          </p:txBody>
+        </p:sp>
+        <p:sp>
+          <p:nvSpPr>
+            <p:cNvPr id="149" name="Left-Right Arrow 148">
+              <a:extLst>
+                <a:ext uri="{FF2B5EF4-FFF2-40B4-BE49-F238E27FC236}">
+                  <a16:creationId xmlns:a16="http://schemas.microsoft.com/office/drawing/2014/main" id="{7B597569-30DC-C342-AE25-F269A512AC59}"/>
+                </a:ext>
+              </a:extLst>
+            </p:cNvPr>
+            <p:cNvSpPr/>
+            <p:nvPr/>
+          </p:nvSpPr>
+          <p:spPr>
+            <a:xfrm rot="20997221">
+              <a:off x="4103800" y="2966663"/>
+              <a:ext cx="4652992" cy="672442"/>
+            </a:xfrm>
+            <a:prstGeom prst="leftRightArrow">
+              <a:avLst/>
+            </a:prstGeom>
+            <a:solidFill>
+              <a:srgbClr val="218833"/>
+            </a:solidFill>
+            <a:ln>
+              <a:solidFill>
+                <a:schemeClr val="tx1"/>
+              </a:solidFill>
+            </a:ln>
+          </p:spPr>
+          <p:style>
+            <a:lnRef idx="2">
+              <a:schemeClr val="accent1">
+                <a:shade val="50000"/>
+              </a:schemeClr>
+            </a:lnRef>
+            <a:fillRef idx="1">
+              <a:schemeClr val="accent1"/>
+            </a:fillRef>
+            <a:effectRef idx="0">
+              <a:schemeClr val="accent1"/>
+            </a:effectRef>
+            <a:fontRef idx="minor">
+              <a:schemeClr val="lt1"/>
+            </a:fontRef>
+          </p:style>
+          <p:txBody>
+            <a:bodyPr rtlCol="0" anchor="ctr"/>
+            <a:lstStyle/>
+            <a:p>
+              <a:pPr algn="ctr"/>
+              <a:endParaRPr lang="en-US"/>
+            </a:p>
+          </p:txBody>
+        </p:sp>
+        <p:sp>
+          <p:nvSpPr>
+            <p:cNvPr id="151" name="Line Callout 2 150">
+              <a:extLst>
+                <a:ext uri="{FF2B5EF4-FFF2-40B4-BE49-F238E27FC236}">
+                  <a16:creationId xmlns:a16="http://schemas.microsoft.com/office/drawing/2014/main" id="{8417DF16-5BBD-2144-9E57-E62BE1B26229}"/>
+                </a:ext>
+              </a:extLst>
+            </p:cNvPr>
+            <p:cNvSpPr/>
+            <p:nvPr/>
+          </p:nvSpPr>
+          <p:spPr>
+            <a:xfrm>
+              <a:off x="8880576" y="1463369"/>
+              <a:ext cx="1811569" cy="441548"/>
+            </a:xfrm>
+            <a:prstGeom prst="borderCallout2">
+              <a:avLst/>
+            </a:prstGeom>
+            <a:solidFill>
+              <a:srgbClr val="218833"/>
             </a:solidFill>
             <a:ln>
               <a:solidFill>
@@ -3878,24 +7808,21 @@
               <a:pPr algn="ctr"/>
               <a:r>
                 <a:rPr lang="en-US" dirty="0">
-                  <a:solidFill>
-                    <a:schemeClr val="tx1"/>
-                  </a:solidFill>
-                  <a:latin typeface="Courier New" panose="02070309020205020404" pitchFamily="49" charset="0"/>
-                  <a:ea typeface="CMU Serif Roman" panose="02000603000000000000" pitchFamily="2" charset="0"/>
-                  <a:cs typeface="Courier New" panose="02070309020205020404" pitchFamily="49" charset="0"/>
+                  <a:latin typeface="CMU Sans Serif Medium" panose="02000603000000000000" pitchFamily="2" charset="0"/>
+                  <a:ea typeface="CMU Sans Serif Medium" panose="02000603000000000000" pitchFamily="2" charset="0"/>
+                  <a:cs typeface="CMU Sans Serif Medium" panose="02000603000000000000" pitchFamily="2" charset="0"/>
                 </a:rPr>
-                <a:t>storage </a:t>
+                <a:t>Client Requests</a:t>
               </a:r>
             </a:p>
           </p:txBody>
         </p:sp>
         <p:sp>
           <p:nvSpPr>
-            <p:cNvPr id="23" name="Rectangle 22">
+            <p:cNvPr id="152" name="Line Callout 2 151">
               <a:extLst>
                 <a:ext uri="{FF2B5EF4-FFF2-40B4-BE49-F238E27FC236}">
-                  <a16:creationId xmlns:a16="http://schemas.microsoft.com/office/drawing/2014/main" id="{58D81263-0FF9-E248-8E18-C4BA22B14783}"/>
+                  <a16:creationId xmlns:a16="http://schemas.microsoft.com/office/drawing/2014/main" id="{ABE7EA24-A59A-4D4A-B315-B172D53F3612}"/>
                 </a:ext>
               </a:extLst>
             </p:cNvPr>
@@ -3904,497 +7831,21 @@
           </p:nvSpPr>
           <p:spPr>
             <a:xfrm>
-              <a:off x="7399279" y="4358537"/>
-              <a:ext cx="867104" cy="549564"/>
+              <a:off x="8730371" y="3815016"/>
+              <a:ext cx="2030069" cy="441548"/>
             </a:xfrm>
-            <a:prstGeom prst="rect">
-              <a:avLst/>
+            <a:prstGeom prst="borderCallout2">
+              <a:avLst>
+                <a:gd name="adj1" fmla="val 18750"/>
+                <a:gd name="adj2" fmla="val -8333"/>
+                <a:gd name="adj3" fmla="val 18750"/>
+                <a:gd name="adj4" fmla="val -16667"/>
+                <a:gd name="adj5" fmla="val -49362"/>
+                <a:gd name="adj6" fmla="val -77416"/>
+              </a:avLst>
             </a:prstGeom>
             <a:solidFill>
-              <a:schemeClr val="bg1"/>
-            </a:solidFill>
-            <a:ln>
-              <a:solidFill>
-                <a:schemeClr val="tx1"/>
-              </a:solidFill>
-            </a:ln>
-          </p:spPr>
-          <p:style>
-            <a:lnRef idx="2">
-              <a:schemeClr val="accent1">
-                <a:shade val="50000"/>
-              </a:schemeClr>
-            </a:lnRef>
-            <a:fillRef idx="1">
-              <a:schemeClr val="accent1"/>
-            </a:fillRef>
-            <a:effectRef idx="0">
-              <a:schemeClr val="accent1"/>
-            </a:effectRef>
-            <a:fontRef idx="minor">
-              <a:schemeClr val="lt1"/>
-            </a:fontRef>
-          </p:style>
-          <p:txBody>
-            <a:bodyPr rtlCol="0" anchor="ctr"/>
-            <a:lstStyle/>
-            <a:p>
-              <a:pPr algn="ctr"/>
-              <a:r>
-                <a:rPr lang="en-US" dirty="0" err="1">
-                  <a:solidFill>
-                    <a:schemeClr val="tx1"/>
-                  </a:solidFill>
-                  <a:latin typeface="Courier New" panose="02070309020205020404" pitchFamily="49" charset="0"/>
-                  <a:ea typeface="CMU Serif Roman" panose="02000603000000000000" pitchFamily="2" charset="0"/>
-                  <a:cs typeface="Courier New" panose="02070309020205020404" pitchFamily="49" charset="0"/>
-                </a:rPr>
-                <a:t>fred</a:t>
-              </a:r>
-              <a:r>
-                <a:rPr lang="en-US" dirty="0">
-                  <a:solidFill>
-                    <a:schemeClr val="tx1"/>
-                  </a:solidFill>
-                  <a:latin typeface="Courier New" panose="02070309020205020404" pitchFamily="49" charset="0"/>
-                  <a:ea typeface="CMU Serif Roman" panose="02000603000000000000" pitchFamily="2" charset="0"/>
-                  <a:cs typeface="Courier New" panose="02070309020205020404" pitchFamily="49" charset="0"/>
-                </a:rPr>
-                <a:t> </a:t>
-              </a:r>
-            </a:p>
-          </p:txBody>
-        </p:sp>
-        <p:pic>
-          <p:nvPicPr>
-            <p:cNvPr id="26" name="Graphic 25" descr="Database with solid fill">
-              <a:extLst>
-                <a:ext uri="{FF2B5EF4-FFF2-40B4-BE49-F238E27FC236}">
-                  <a16:creationId xmlns:a16="http://schemas.microsoft.com/office/drawing/2014/main" id="{C914468E-CFEA-4144-A726-0E4BEC22C581}"/>
-                </a:ext>
-              </a:extLst>
-            </p:cNvPr>
-            <p:cNvPicPr>
-              <a:picLocks noChangeAspect="1"/>
-            </p:cNvPicPr>
-            <p:nvPr/>
-          </p:nvPicPr>
-          <p:blipFill>
-            <a:blip r:embed="rId2">
-              <a:extLst>
-                <a:ext uri="{96DAC541-7B7A-43D3-8B79-37D633B846F1}">
-                  <asvg:svgBlip xmlns:asvg="http://schemas.microsoft.com/office/drawing/2016/SVG/main" r:embed="rId3"/>
-                </a:ext>
-              </a:extLst>
-            </a:blip>
-            <a:stretch>
-              <a:fillRect/>
-            </a:stretch>
-          </p:blipFill>
-          <p:spPr>
-            <a:xfrm>
-              <a:off x="5772099" y="4624662"/>
-              <a:ext cx="549564" cy="549564"/>
-            </a:xfrm>
-            <a:prstGeom prst="rect">
-              <a:avLst/>
-            </a:prstGeom>
-          </p:spPr>
-        </p:pic>
-        <p:cxnSp>
-          <p:nvCxnSpPr>
-            <p:cNvPr id="33" name="Straight Arrow Connector 32">
-              <a:extLst>
-                <a:ext uri="{FF2B5EF4-FFF2-40B4-BE49-F238E27FC236}">
-                  <a16:creationId xmlns:a16="http://schemas.microsoft.com/office/drawing/2014/main" id="{932D09FF-8138-7E42-A1C0-3777E11B10C0}"/>
-                </a:ext>
-              </a:extLst>
-            </p:cNvPr>
-            <p:cNvCxnSpPr>
-              <a:cxnSpLocks/>
-              <a:stCxn id="23" idx="1"/>
-              <a:endCxn id="25" idx="3"/>
-            </p:cNvCxnSpPr>
-            <p:nvPr/>
-          </p:nvCxnSpPr>
-          <p:spPr>
-            <a:xfrm flipH="1" flipV="1">
-              <a:off x="7178566" y="4628096"/>
-              <a:ext cx="220713" cy="5223"/>
-            </a:xfrm>
-            <a:prstGeom prst="straightConnector1">
-              <a:avLst/>
-            </a:prstGeom>
-            <a:ln>
-              <a:solidFill>
-                <a:schemeClr val="tx1"/>
-              </a:solidFill>
-              <a:headEnd type="triangle"/>
-              <a:tailEnd type="triangle"/>
-            </a:ln>
-          </p:spPr>
-          <p:style>
-            <a:lnRef idx="1">
-              <a:schemeClr val="accent1"/>
-            </a:lnRef>
-            <a:fillRef idx="0">
-              <a:schemeClr val="accent1"/>
-            </a:fillRef>
-            <a:effectRef idx="0">
-              <a:schemeClr val="accent1"/>
-            </a:effectRef>
-            <a:fontRef idx="minor">
-              <a:schemeClr val="tx1"/>
-            </a:fontRef>
-          </p:style>
-        </p:cxnSp>
-      </p:grpSp>
-      <p:grpSp>
-        <p:nvGrpSpPr>
-          <p:cNvPr id="124" name="Group 123">
-            <a:extLst>
-              <a:ext uri="{FF2B5EF4-FFF2-40B4-BE49-F238E27FC236}">
-                <a16:creationId xmlns:a16="http://schemas.microsoft.com/office/drawing/2014/main" id="{13054BB8-76EF-5C41-B9AC-44E0A65E9292}"/>
-              </a:ext>
-            </a:extLst>
-          </p:cNvPr>
-          <p:cNvGrpSpPr/>
-          <p:nvPr/>
-        </p:nvGrpSpPr>
-        <p:grpSpPr>
-          <a:xfrm>
-            <a:off x="556618" y="735724"/>
-            <a:ext cx="3861013" cy="5983172"/>
-            <a:chOff x="556618" y="735724"/>
-            <a:chExt cx="3861013" cy="5983172"/>
-          </a:xfrm>
-        </p:grpSpPr>
-        <p:sp>
-          <p:nvSpPr>
-            <p:cNvPr id="12" name="Rectangle 11">
-              <a:extLst>
-                <a:ext uri="{FF2B5EF4-FFF2-40B4-BE49-F238E27FC236}">
-                  <a16:creationId xmlns:a16="http://schemas.microsoft.com/office/drawing/2014/main" id="{47B65EB8-9C2C-4242-AC33-5758FC63EB95}"/>
-                </a:ext>
-              </a:extLst>
-            </p:cNvPr>
-            <p:cNvSpPr/>
-            <p:nvPr/>
-          </p:nvSpPr>
-          <p:spPr>
-            <a:xfrm>
-              <a:off x="556618" y="735724"/>
-              <a:ext cx="3861013" cy="5983172"/>
-            </a:xfrm>
-            <a:prstGeom prst="rect">
-              <a:avLst/>
-            </a:prstGeom>
-            <a:solidFill>
-              <a:schemeClr val="bg1"/>
-            </a:solidFill>
-            <a:ln>
-              <a:solidFill>
-                <a:schemeClr val="tx1"/>
-              </a:solidFill>
-              <a:prstDash val="dash"/>
-            </a:ln>
-          </p:spPr>
-          <p:style>
-            <a:lnRef idx="2">
-              <a:schemeClr val="accent1">
-                <a:shade val="50000"/>
-              </a:schemeClr>
-            </a:lnRef>
-            <a:fillRef idx="1">
-              <a:schemeClr val="accent1"/>
-            </a:fillRef>
-            <a:effectRef idx="0">
-              <a:schemeClr val="accent1"/>
-            </a:effectRef>
-            <a:fontRef idx="minor">
-              <a:schemeClr val="lt1"/>
-            </a:fontRef>
-          </p:style>
-          <p:txBody>
-            <a:bodyPr rtlCol="0" anchor="b"/>
-            <a:lstStyle/>
-            <a:p>
-              <a:pPr algn="r"/>
-              <a:r>
-                <a:rPr lang="en-US" dirty="0">
-                  <a:solidFill>
-                    <a:schemeClr val="tx1"/>
-                  </a:solidFill>
-                  <a:latin typeface="CMU Serif Roman" panose="02000603000000000000" pitchFamily="2" charset="0"/>
-                  <a:ea typeface="CMU Serif Roman" panose="02000603000000000000" pitchFamily="2" charset="0"/>
-                  <a:cs typeface="CMU Serif Roman" panose="02000603000000000000" pitchFamily="2" charset="0"/>
-                </a:rPr>
-                <a:t>AWS (”Cloud”)</a:t>
-              </a:r>
-            </a:p>
-          </p:txBody>
-        </p:sp>
-        <p:sp>
-          <p:nvSpPr>
-            <p:cNvPr id="4" name="Rectangle 3">
-              <a:extLst>
-                <a:ext uri="{FF2B5EF4-FFF2-40B4-BE49-F238E27FC236}">
-                  <a16:creationId xmlns:a16="http://schemas.microsoft.com/office/drawing/2014/main" id="{97C88BCC-7903-6546-A7BF-82DEA99557E1}"/>
-                </a:ext>
-              </a:extLst>
-            </p:cNvPr>
-            <p:cNvSpPr/>
-            <p:nvPr/>
-          </p:nvSpPr>
-          <p:spPr>
-            <a:xfrm>
-              <a:off x="831400" y="2759043"/>
-              <a:ext cx="3436883" cy="2178269"/>
-            </a:xfrm>
-            <a:prstGeom prst="rect">
-              <a:avLst/>
-            </a:prstGeom>
-            <a:solidFill>
-              <a:schemeClr val="bg1"/>
-            </a:solidFill>
-            <a:ln>
-              <a:solidFill>
-                <a:schemeClr val="tx1"/>
-              </a:solidFill>
-            </a:ln>
-          </p:spPr>
-          <p:style>
-            <a:lnRef idx="2">
-              <a:schemeClr val="accent1">
-                <a:shade val="50000"/>
-              </a:schemeClr>
-            </a:lnRef>
-            <a:fillRef idx="1">
-              <a:schemeClr val="accent1"/>
-            </a:fillRef>
-            <a:effectRef idx="0">
-              <a:schemeClr val="accent1"/>
-            </a:effectRef>
-            <a:fontRef idx="minor">
-              <a:schemeClr val="lt1"/>
-            </a:fontRef>
-          </p:style>
-          <p:txBody>
-            <a:bodyPr rtlCol="0" anchor="b"/>
-            <a:lstStyle/>
-            <a:p>
-              <a:pPr algn="r"/>
-              <a:r>
-                <a:rPr lang="en-US" dirty="0" err="1">
-                  <a:solidFill>
-                    <a:schemeClr val="tx1"/>
-                  </a:solidFill>
-                  <a:latin typeface="CMU Serif Roman" panose="02000603000000000000" pitchFamily="2" charset="0"/>
-                  <a:ea typeface="CMU Serif Roman" panose="02000603000000000000" pitchFamily="2" charset="0"/>
-                  <a:cs typeface="CMU Serif Roman" panose="02000603000000000000" pitchFamily="2" charset="0"/>
-                </a:rPr>
-                <a:t>FReD</a:t>
-              </a:r>
-              <a:r>
-                <a:rPr lang="en-US" dirty="0">
-                  <a:solidFill>
-                    <a:schemeClr val="tx1"/>
-                  </a:solidFill>
-                  <a:latin typeface="CMU Serif Roman" panose="02000603000000000000" pitchFamily="2" charset="0"/>
-                  <a:ea typeface="CMU Serif Roman" panose="02000603000000000000" pitchFamily="2" charset="0"/>
-                  <a:cs typeface="CMU Serif Roman" panose="02000603000000000000" pitchFamily="2" charset="0"/>
-                </a:rPr>
-                <a:t> Node</a:t>
-              </a:r>
-            </a:p>
-          </p:txBody>
-        </p:sp>
-        <p:sp>
-          <p:nvSpPr>
-            <p:cNvPr id="74" name="Rectangle 73">
-              <a:extLst>
-                <a:ext uri="{FF2B5EF4-FFF2-40B4-BE49-F238E27FC236}">
-                  <a16:creationId xmlns:a16="http://schemas.microsoft.com/office/drawing/2014/main" id="{B17A32DB-A76C-C84F-B449-2A80939767F7}"/>
-                </a:ext>
-              </a:extLst>
-            </p:cNvPr>
-            <p:cNvSpPr/>
-            <p:nvPr/>
-          </p:nvSpPr>
-          <p:spPr>
-            <a:xfrm>
-              <a:off x="831400" y="840527"/>
-              <a:ext cx="3436883" cy="1652391"/>
-            </a:xfrm>
-            <a:prstGeom prst="rect">
-              <a:avLst/>
-            </a:prstGeom>
-            <a:solidFill>
-              <a:schemeClr val="bg1"/>
-            </a:solidFill>
-            <a:ln>
-              <a:solidFill>
-                <a:schemeClr val="tx1"/>
-              </a:solidFill>
-            </a:ln>
-          </p:spPr>
-          <p:style>
-            <a:lnRef idx="2">
-              <a:schemeClr val="accent1">
-                <a:shade val="50000"/>
-              </a:schemeClr>
-            </a:lnRef>
-            <a:fillRef idx="1">
-              <a:schemeClr val="accent1"/>
-            </a:fillRef>
-            <a:effectRef idx="0">
-              <a:schemeClr val="accent1"/>
-            </a:effectRef>
-            <a:fontRef idx="minor">
-              <a:schemeClr val="lt1"/>
-            </a:fontRef>
-          </p:style>
-          <p:txBody>
-            <a:bodyPr rtlCol="0" anchor="b"/>
-            <a:lstStyle/>
-            <a:p>
-              <a:pPr algn="r"/>
-              <a:r>
-                <a:rPr lang="en-US" dirty="0" err="1">
-                  <a:solidFill>
-                    <a:schemeClr val="tx1"/>
-                  </a:solidFill>
-                  <a:latin typeface="CMU Serif Roman" panose="02000603000000000000" pitchFamily="2" charset="0"/>
-                  <a:ea typeface="CMU Serif Roman" panose="02000603000000000000" pitchFamily="2" charset="0"/>
-                  <a:cs typeface="CMU Serif Roman" panose="02000603000000000000" pitchFamily="2" charset="0"/>
-                </a:rPr>
-                <a:t>NaSe</a:t>
-              </a:r>
-              <a:endParaRPr lang="en-US" dirty="0">
-                <a:solidFill>
-                  <a:schemeClr val="tx1"/>
-                </a:solidFill>
-                <a:latin typeface="CMU Serif Roman" panose="02000603000000000000" pitchFamily="2" charset="0"/>
-                <a:ea typeface="CMU Serif Roman" panose="02000603000000000000" pitchFamily="2" charset="0"/>
-                <a:cs typeface="CMU Serif Roman" panose="02000603000000000000" pitchFamily="2" charset="0"/>
-              </a:endParaRPr>
-            </a:p>
-          </p:txBody>
-        </p:sp>
-        <p:cxnSp>
-          <p:nvCxnSpPr>
-            <p:cNvPr id="61" name="Straight Arrow Connector 60">
-              <a:extLst>
-                <a:ext uri="{FF2B5EF4-FFF2-40B4-BE49-F238E27FC236}">
-                  <a16:creationId xmlns:a16="http://schemas.microsoft.com/office/drawing/2014/main" id="{9F4B63F0-B2DC-6E46-A7F1-9953E816CA89}"/>
-                </a:ext>
-              </a:extLst>
-            </p:cNvPr>
-            <p:cNvCxnSpPr>
-              <a:cxnSpLocks/>
-              <a:stCxn id="19" idx="1"/>
-              <a:endCxn id="16" idx="3"/>
-            </p:cNvCxnSpPr>
-            <p:nvPr/>
-          </p:nvCxnSpPr>
-          <p:spPr>
-            <a:xfrm flipH="1" flipV="1">
-              <a:off x="2056692" y="3224047"/>
-              <a:ext cx="1494847" cy="462721"/>
-            </a:xfrm>
-            <a:prstGeom prst="straightConnector1">
-              <a:avLst/>
-            </a:prstGeom>
-            <a:ln>
-              <a:solidFill>
-                <a:schemeClr val="tx1"/>
-              </a:solidFill>
-              <a:tailEnd type="triangle"/>
-            </a:ln>
-          </p:spPr>
-          <p:style>
-            <a:lnRef idx="1">
-              <a:schemeClr val="accent1"/>
-            </a:lnRef>
-            <a:fillRef idx="0">
-              <a:schemeClr val="accent1"/>
-            </a:fillRef>
-            <a:effectRef idx="0">
-              <a:schemeClr val="accent1"/>
-            </a:effectRef>
-            <a:fontRef idx="minor">
-              <a:schemeClr val="tx1"/>
-            </a:fontRef>
-          </p:style>
-        </p:cxnSp>
-        <p:cxnSp>
-          <p:nvCxnSpPr>
-            <p:cNvPr id="67" name="Straight Arrow Connector 66">
-              <a:extLst>
-                <a:ext uri="{FF2B5EF4-FFF2-40B4-BE49-F238E27FC236}">
-                  <a16:creationId xmlns:a16="http://schemas.microsoft.com/office/drawing/2014/main" id="{EBA4DE90-9FAE-244C-9EDC-9CFFF0DF100A}"/>
-                </a:ext>
-              </a:extLst>
-            </p:cNvPr>
-            <p:cNvCxnSpPr>
-              <a:cxnSpLocks/>
-              <a:stCxn id="19" idx="1"/>
-              <a:endCxn id="18" idx="3"/>
-            </p:cNvCxnSpPr>
-            <p:nvPr/>
-          </p:nvCxnSpPr>
-          <p:spPr>
-            <a:xfrm flipH="1">
-              <a:off x="2065032" y="3686768"/>
-              <a:ext cx="1486507" cy="633104"/>
-            </a:xfrm>
-            <a:prstGeom prst="straightConnector1">
-              <a:avLst/>
-            </a:prstGeom>
-            <a:ln>
-              <a:solidFill>
-                <a:schemeClr val="tx1"/>
-              </a:solidFill>
-              <a:tailEnd type="triangle"/>
-            </a:ln>
-          </p:spPr>
-          <p:style>
-            <a:lnRef idx="1">
-              <a:schemeClr val="accent1"/>
-            </a:lnRef>
-            <a:fillRef idx="0">
-              <a:schemeClr val="accent1"/>
-            </a:fillRef>
-            <a:effectRef idx="0">
-              <a:schemeClr val="accent1"/>
-            </a:effectRef>
-            <a:fontRef idx="minor">
-              <a:schemeClr val="tx1"/>
-            </a:fontRef>
-          </p:style>
-        </p:cxnSp>
-        <p:sp>
-          <p:nvSpPr>
-            <p:cNvPr id="13" name="Rectangle 12">
-              <a:extLst>
-                <a:ext uri="{FF2B5EF4-FFF2-40B4-BE49-F238E27FC236}">
-                  <a16:creationId xmlns:a16="http://schemas.microsoft.com/office/drawing/2014/main" id="{76A2F529-788A-8940-93B4-7D5E47ADBF05}"/>
-                </a:ext>
-              </a:extLst>
-            </p:cNvPr>
-            <p:cNvSpPr/>
-            <p:nvPr/>
-          </p:nvSpPr>
-          <p:spPr>
-            <a:xfrm>
-              <a:off x="831400" y="5388978"/>
-              <a:ext cx="3436882" cy="549564"/>
-            </a:xfrm>
-            <a:prstGeom prst="rect">
-              <a:avLst/>
-            </a:prstGeom>
-            <a:solidFill>
-              <a:schemeClr val="bg1"/>
+              <a:srgbClr val="EF6577"/>
             </a:solidFill>
             <a:ln>
               <a:solidFill>
@@ -4425,24 +7876,21 @@
               <a:pPr algn="ctr"/>
               <a:r>
                 <a:rPr lang="en-US" dirty="0">
-                  <a:solidFill>
-                    <a:schemeClr val="tx1"/>
-                  </a:solidFill>
-                  <a:latin typeface="CMU Serif Roman" panose="02000603000000000000" pitchFamily="2" charset="0"/>
-                  <a:ea typeface="CMU Serif Roman" panose="02000603000000000000" pitchFamily="2" charset="0"/>
-                  <a:cs typeface="CMU Serif Roman" panose="02000603000000000000" pitchFamily="2" charset="0"/>
+                  <a:latin typeface="CMU Sans Serif Medium" panose="02000603000000000000" pitchFamily="2" charset="0"/>
+                  <a:ea typeface="CMU Sans Serif Medium" panose="02000603000000000000" pitchFamily="2" charset="0"/>
+                  <a:cs typeface="CMU Sans Serif Medium" panose="02000603000000000000" pitchFamily="2" charset="0"/>
                 </a:rPr>
-                <a:t>DynamoDB</a:t>
+                <a:t>Data Replication</a:t>
               </a:r>
             </a:p>
           </p:txBody>
         </p:sp>
         <p:sp>
           <p:nvSpPr>
-            <p:cNvPr id="16" name="Rectangle 15">
+            <p:cNvPr id="153" name="Line Callout 2 152">
               <a:extLst>
                 <a:ext uri="{FF2B5EF4-FFF2-40B4-BE49-F238E27FC236}">
-                  <a16:creationId xmlns:a16="http://schemas.microsoft.com/office/drawing/2014/main" id="{88FA7D7D-8A61-034A-B71C-131FFE1C8B79}"/>
+                  <a16:creationId xmlns:a16="http://schemas.microsoft.com/office/drawing/2014/main" id="{597A23F0-16DB-FF42-85BD-C49C1A2558DA}"/>
                 </a:ext>
               </a:extLst>
             </p:cNvPr>
@@ -4451,14 +7899,21 @@
           </p:nvSpPr>
           <p:spPr>
             <a:xfrm>
-              <a:off x="1189588" y="2949265"/>
-              <a:ext cx="867104" cy="549564"/>
+              <a:off x="3174125" y="246275"/>
+              <a:ext cx="1618396" cy="441548"/>
             </a:xfrm>
-            <a:prstGeom prst="rect">
-              <a:avLst/>
+            <a:prstGeom prst="borderCallout2">
+              <a:avLst>
+                <a:gd name="adj1" fmla="val 18750"/>
+                <a:gd name="adj2" fmla="val 104015"/>
+                <a:gd name="adj3" fmla="val 18749"/>
+                <a:gd name="adj4" fmla="val 111731"/>
+                <a:gd name="adj5" fmla="val 281505"/>
+                <a:gd name="adj6" fmla="val 133892"/>
+              </a:avLst>
             </a:prstGeom>
             <a:solidFill>
-              <a:schemeClr val="bg1"/>
+              <a:srgbClr val="4477AA"/>
             </a:solidFill>
             <a:ln>
               <a:solidFill>
@@ -4488,36 +7943,169 @@
             <a:p>
               <a:pPr algn="ctr"/>
               <a:r>
-                <a:rPr lang="en-US" dirty="0" err="1">
-                  <a:solidFill>
-                    <a:schemeClr val="tx1"/>
-                  </a:solidFill>
-                  <a:latin typeface="Courier New" panose="02070309020205020404" pitchFamily="49" charset="0"/>
-                  <a:ea typeface="CMU Serif Roman" panose="02000603000000000000" pitchFamily="2" charset="0"/>
-                  <a:cs typeface="Courier New" panose="02070309020205020404" pitchFamily="49" charset="0"/>
+                <a:rPr lang="en-US" dirty="0">
+                  <a:latin typeface="CMU Sans Serif Medium" panose="02000603000000000000" pitchFamily="2" charset="0"/>
+                  <a:ea typeface="CMU Sans Serif Medium" panose="02000603000000000000" pitchFamily="2" charset="0"/>
+                  <a:cs typeface="CMU Sans Serif Medium" panose="02000603000000000000" pitchFamily="2" charset="0"/>
                 </a:rPr>
-                <a:t>fred</a:t>
-              </a:r>
-              <a:r>
-                <a:rPr lang="en-US" dirty="0">
-                  <a:solidFill>
-                    <a:schemeClr val="tx1"/>
-                  </a:solidFill>
-                  <a:latin typeface="Courier New" panose="02070309020205020404" pitchFamily="49" charset="0"/>
-                  <a:ea typeface="CMU Serif Roman" panose="02000603000000000000" pitchFamily="2" charset="0"/>
-                  <a:cs typeface="Courier New" panose="02070309020205020404" pitchFamily="49" charset="0"/>
-                </a:rPr>
-                <a:t> </a:t>
+                <a:t>Configuration</a:t>
               </a:r>
             </a:p>
           </p:txBody>
         </p:sp>
+        <p:grpSp>
+          <p:nvGrpSpPr>
+            <p:cNvPr id="55" name="Group 54">
+              <a:extLst>
+                <a:ext uri="{FF2B5EF4-FFF2-40B4-BE49-F238E27FC236}">
+                  <a16:creationId xmlns:a16="http://schemas.microsoft.com/office/drawing/2014/main" id="{A444C9C1-3A41-5F4F-985A-DF96AEC1ECB4}"/>
+                </a:ext>
+              </a:extLst>
+            </p:cNvPr>
+            <p:cNvGrpSpPr/>
+            <p:nvPr/>
+          </p:nvGrpSpPr>
+          <p:grpSpPr>
+            <a:xfrm>
+              <a:off x="9405142" y="4799123"/>
+              <a:ext cx="1728276" cy="1179709"/>
+              <a:chOff x="10221986" y="2378471"/>
+              <a:chExt cx="1728276" cy="1179709"/>
+            </a:xfrm>
+          </p:grpSpPr>
+          <p:sp>
+            <p:nvSpPr>
+              <p:cNvPr id="57" name="Rectangle 56">
+                <a:extLst>
+                  <a:ext uri="{FF2B5EF4-FFF2-40B4-BE49-F238E27FC236}">
+                    <a16:creationId xmlns:a16="http://schemas.microsoft.com/office/drawing/2014/main" id="{079B1838-C26A-8A48-832A-4A5A658D36A4}"/>
+                  </a:ext>
+                </a:extLst>
+              </p:cNvPr>
+              <p:cNvSpPr/>
+              <p:nvPr/>
+            </p:nvSpPr>
+            <p:spPr>
+              <a:xfrm>
+                <a:off x="10221986" y="2378471"/>
+                <a:ext cx="1728276" cy="1179709"/>
+              </a:xfrm>
+              <a:prstGeom prst="rect">
+                <a:avLst/>
+              </a:prstGeom>
+              <a:solidFill>
+                <a:schemeClr val="bg1"/>
+              </a:solidFill>
+              <a:ln>
+                <a:solidFill>
+                  <a:schemeClr val="tx1"/>
+                </a:solidFill>
+                <a:prstDash val="dash"/>
+              </a:ln>
+            </p:spPr>
+            <p:style>
+              <a:lnRef idx="2">
+                <a:schemeClr val="accent1">
+                  <a:shade val="50000"/>
+                </a:schemeClr>
+              </a:lnRef>
+              <a:fillRef idx="1">
+                <a:schemeClr val="accent1"/>
+              </a:fillRef>
+              <a:effectRef idx="0">
+                <a:schemeClr val="accent1"/>
+              </a:effectRef>
+              <a:fontRef idx="minor">
+                <a:schemeClr val="lt1"/>
+              </a:fontRef>
+            </p:style>
+            <p:txBody>
+              <a:bodyPr rtlCol="0" anchor="b"/>
+              <a:lstStyle/>
+              <a:p>
+                <a:pPr algn="r"/>
+                <a:endParaRPr lang="en-US" dirty="0">
+                  <a:solidFill>
+                    <a:schemeClr val="tx1"/>
+                  </a:solidFill>
+                  <a:latin typeface="CMU Sans Serif Medium" panose="02000603000000000000" pitchFamily="2" charset="0"/>
+                  <a:ea typeface="CMU Sans Serif Medium" panose="02000603000000000000" pitchFamily="2" charset="0"/>
+                  <a:cs typeface="CMU Sans Serif Medium" panose="02000603000000000000" pitchFamily="2" charset="0"/>
+                </a:endParaRPr>
+              </a:p>
+            </p:txBody>
+          </p:sp>
+          <p:sp>
+            <p:nvSpPr>
+              <p:cNvPr id="59" name="Rectangle 58">
+                <a:extLst>
+                  <a:ext uri="{FF2B5EF4-FFF2-40B4-BE49-F238E27FC236}">
+                    <a16:creationId xmlns:a16="http://schemas.microsoft.com/office/drawing/2014/main" id="{1523FA3E-8857-4041-82D6-D8552DD3CF0A}"/>
+                  </a:ext>
+                </a:extLst>
+              </p:cNvPr>
+              <p:cNvSpPr/>
+              <p:nvPr/>
+            </p:nvSpPr>
+            <p:spPr>
+              <a:xfrm>
+                <a:off x="10324839" y="2488621"/>
+                <a:ext cx="1502292" cy="963328"/>
+              </a:xfrm>
+              <a:prstGeom prst="rect">
+                <a:avLst/>
+              </a:prstGeom>
+              <a:solidFill>
+                <a:schemeClr val="bg1"/>
+              </a:solidFill>
+              <a:ln>
+                <a:solidFill>
+                  <a:schemeClr val="tx1"/>
+                </a:solidFill>
+              </a:ln>
+            </p:spPr>
+            <p:style>
+              <a:lnRef idx="2">
+                <a:schemeClr val="accent1">
+                  <a:shade val="50000"/>
+                </a:schemeClr>
+              </a:lnRef>
+              <a:fillRef idx="1">
+                <a:schemeClr val="accent1"/>
+              </a:fillRef>
+              <a:effectRef idx="0">
+                <a:schemeClr val="accent1"/>
+              </a:effectRef>
+              <a:fontRef idx="minor">
+                <a:schemeClr val="lt1"/>
+              </a:fontRef>
+            </p:style>
+            <p:txBody>
+              <a:bodyPr vert="horz" rtlCol="0" anchor="ctr"/>
+              <a:lstStyle/>
+              <a:p>
+                <a:pPr algn="ctr"/>
+                <a:r>
+                  <a:rPr lang="en-US" dirty="0">
+                    <a:solidFill>
+                      <a:schemeClr val="tx1"/>
+                    </a:solidFill>
+                    <a:latin typeface="CMU Sans Serif Medium" panose="02000603000000000000" pitchFamily="2" charset="0"/>
+                    <a:ea typeface="CMU Sans Serif Medium" panose="02000603000000000000" pitchFamily="2" charset="0"/>
+                    <a:cs typeface="CMU Sans Serif Medium" panose="02000603000000000000" pitchFamily="2" charset="0"/>
+                  </a:rPr>
+                  <a:t>Trigger Node</a:t>
+                </a:r>
+              </a:p>
+            </p:txBody>
+          </p:sp>
+        </p:grpSp>
         <p:sp>
           <p:nvSpPr>
-            <p:cNvPr id="18" name="Rectangle 17">
+            <p:cNvPr id="2" name="Right Arrow 1">
               <a:extLst>
                 <a:ext uri="{FF2B5EF4-FFF2-40B4-BE49-F238E27FC236}">
-                  <a16:creationId xmlns:a16="http://schemas.microsoft.com/office/drawing/2014/main" id="{16907AF3-650E-E048-8B2D-18F80F295A72}"/>
+                  <a16:creationId xmlns:a16="http://schemas.microsoft.com/office/drawing/2014/main" id="{B7275444-E3F3-E547-AF27-F6956D08B2D7}"/>
                 </a:ext>
               </a:extLst>
             </p:cNvPr>
@@ -4525,15 +8113,15 @@
             <p:nvPr/>
           </p:nvSpPr>
           <p:spPr>
-            <a:xfrm>
-              <a:off x="1197928" y="4045090"/>
-              <a:ext cx="867104" cy="549564"/>
+            <a:xfrm rot="446105">
+              <a:off x="7984984" y="5040798"/>
+              <a:ext cx="1490772" cy="613773"/>
             </a:xfrm>
-            <a:prstGeom prst="rect">
+            <a:prstGeom prst="rightArrow">
               <a:avLst/>
             </a:prstGeom>
             <a:solidFill>
-              <a:schemeClr val="bg1"/>
+              <a:srgbClr val="EF6577"/>
             </a:solidFill>
             <a:ln>
               <a:solidFill>
@@ -4562,1871 +8150,11 @@
             <a:lstStyle/>
             <a:p>
               <a:pPr algn="ctr"/>
-              <a:r>
-                <a:rPr lang="en-US" dirty="0" err="1">
-                  <a:solidFill>
-                    <a:schemeClr val="tx1"/>
-                  </a:solidFill>
-                  <a:latin typeface="Courier New" panose="02070309020205020404" pitchFamily="49" charset="0"/>
-                  <a:ea typeface="CMU Serif Roman" panose="02000603000000000000" pitchFamily="2" charset="0"/>
-                  <a:cs typeface="Courier New" panose="02070309020205020404" pitchFamily="49" charset="0"/>
-                </a:rPr>
-                <a:t>fred</a:t>
-              </a:r>
-              <a:r>
-                <a:rPr lang="en-US" dirty="0">
-                  <a:solidFill>
-                    <a:schemeClr val="tx1"/>
-                  </a:solidFill>
-                  <a:latin typeface="Courier New" panose="02070309020205020404" pitchFamily="49" charset="0"/>
-                  <a:ea typeface="CMU Serif Roman" panose="02000603000000000000" pitchFamily="2" charset="0"/>
-                  <a:cs typeface="Courier New" panose="02070309020205020404" pitchFamily="49" charset="0"/>
-                </a:rPr>
-                <a:t> </a:t>
-              </a:r>
-            </a:p>
-          </p:txBody>
-        </p:sp>
-        <p:sp>
-          <p:nvSpPr>
-            <p:cNvPr id="19" name="Rectangle 18">
-              <a:extLst>
-                <a:ext uri="{FF2B5EF4-FFF2-40B4-BE49-F238E27FC236}">
-                  <a16:creationId xmlns:a16="http://schemas.microsoft.com/office/drawing/2014/main" id="{FCEE170B-23BD-BA4C-844B-28DB5D6AFB28}"/>
-                </a:ext>
-              </a:extLst>
-            </p:cNvPr>
-            <p:cNvSpPr/>
-            <p:nvPr/>
-          </p:nvSpPr>
-          <p:spPr>
-            <a:xfrm>
-              <a:off x="3551539" y="2877240"/>
-              <a:ext cx="588695" cy="1619055"/>
-            </a:xfrm>
-            <a:prstGeom prst="rect">
-              <a:avLst/>
-            </a:prstGeom>
-            <a:solidFill>
-              <a:schemeClr val="bg1"/>
-            </a:solidFill>
-            <a:ln>
-              <a:solidFill>
-                <a:schemeClr val="tx1"/>
-              </a:solidFill>
-            </a:ln>
-          </p:spPr>
-          <p:style>
-            <a:lnRef idx="2">
-              <a:schemeClr val="accent1">
-                <a:shade val="50000"/>
-              </a:schemeClr>
-            </a:lnRef>
-            <a:fillRef idx="1">
-              <a:schemeClr val="accent1"/>
-            </a:fillRef>
-            <a:effectRef idx="0">
-              <a:schemeClr val="accent1"/>
-            </a:effectRef>
-            <a:fontRef idx="minor">
-              <a:schemeClr val="lt1"/>
-            </a:fontRef>
-          </p:style>
-          <p:txBody>
-            <a:bodyPr vert="vert270" rtlCol="0" anchor="ctr"/>
-            <a:lstStyle/>
-            <a:p>
-              <a:pPr algn="ctr"/>
-              <a:r>
-                <a:rPr lang="en-US" sz="1600" dirty="0">
-                  <a:solidFill>
-                    <a:schemeClr val="tx1"/>
-                  </a:solidFill>
-                  <a:latin typeface="CMU Serif Roman" panose="02000603000000000000" pitchFamily="2" charset="0"/>
-                  <a:ea typeface="CMU Serif Roman" panose="02000603000000000000" pitchFamily="2" charset="0"/>
-                  <a:cs typeface="CMU Serif Roman" panose="02000603000000000000" pitchFamily="2" charset="0"/>
-                </a:rPr>
-                <a:t>Load Balancer</a:t>
-              </a:r>
-            </a:p>
-          </p:txBody>
-        </p:sp>
-        <p:sp>
-          <p:nvSpPr>
-            <p:cNvPr id="17" name="Rectangle 16">
-              <a:extLst>
-                <a:ext uri="{FF2B5EF4-FFF2-40B4-BE49-F238E27FC236}">
-                  <a16:creationId xmlns:a16="http://schemas.microsoft.com/office/drawing/2014/main" id="{FBCCAE4E-CDCC-004B-9F53-A7A14D1D4BC7}"/>
-                </a:ext>
-              </a:extLst>
-            </p:cNvPr>
-            <p:cNvSpPr/>
-            <p:nvPr/>
-          </p:nvSpPr>
-          <p:spPr>
-            <a:xfrm>
-              <a:off x="2378823" y="3409945"/>
-              <a:ext cx="867104" cy="549564"/>
-            </a:xfrm>
-            <a:prstGeom prst="rect">
-              <a:avLst/>
-            </a:prstGeom>
-            <a:solidFill>
-              <a:schemeClr val="bg1"/>
-            </a:solidFill>
-            <a:ln>
-              <a:solidFill>
-                <a:schemeClr val="tx1"/>
-              </a:solidFill>
-            </a:ln>
-          </p:spPr>
-          <p:style>
-            <a:lnRef idx="2">
-              <a:schemeClr val="accent1">
-                <a:shade val="50000"/>
-              </a:schemeClr>
-            </a:lnRef>
-            <a:fillRef idx="1">
-              <a:schemeClr val="accent1"/>
-            </a:fillRef>
-            <a:effectRef idx="0">
-              <a:schemeClr val="accent1"/>
-            </a:effectRef>
-            <a:fontRef idx="minor">
-              <a:schemeClr val="lt1"/>
-            </a:fontRef>
-          </p:style>
-          <p:txBody>
-            <a:bodyPr rtlCol="0" anchor="ctr"/>
-            <a:lstStyle/>
-            <a:p>
-              <a:pPr algn="ctr"/>
-              <a:r>
-                <a:rPr lang="en-US" dirty="0" err="1">
-                  <a:solidFill>
-                    <a:schemeClr val="tx1"/>
-                  </a:solidFill>
-                  <a:latin typeface="Courier New" panose="02070309020205020404" pitchFamily="49" charset="0"/>
-                  <a:ea typeface="CMU Serif Roman" panose="02000603000000000000" pitchFamily="2" charset="0"/>
-                  <a:cs typeface="Courier New" panose="02070309020205020404" pitchFamily="49" charset="0"/>
-                </a:rPr>
-                <a:t>fred</a:t>
-              </a:r>
-              <a:r>
-                <a:rPr lang="en-US" dirty="0">
-                  <a:solidFill>
-                    <a:schemeClr val="tx1"/>
-                  </a:solidFill>
-                  <a:latin typeface="Courier New" panose="02070309020205020404" pitchFamily="49" charset="0"/>
-                  <a:ea typeface="CMU Serif Roman" panose="02000603000000000000" pitchFamily="2" charset="0"/>
-                  <a:cs typeface="Courier New" panose="02070309020205020404" pitchFamily="49" charset="0"/>
-                </a:rPr>
-                <a:t> </a:t>
-              </a:r>
-            </a:p>
-          </p:txBody>
-        </p:sp>
-        <p:sp>
-          <p:nvSpPr>
-            <p:cNvPr id="83" name="Rectangle 82">
-              <a:extLst>
-                <a:ext uri="{FF2B5EF4-FFF2-40B4-BE49-F238E27FC236}">
-                  <a16:creationId xmlns:a16="http://schemas.microsoft.com/office/drawing/2014/main" id="{4445220C-4388-C745-A51A-FD97433227D1}"/>
-                </a:ext>
-              </a:extLst>
-            </p:cNvPr>
-            <p:cNvSpPr/>
-            <p:nvPr/>
-          </p:nvSpPr>
-          <p:spPr>
-            <a:xfrm>
-              <a:off x="2898082" y="1117158"/>
-              <a:ext cx="867104" cy="549564"/>
-            </a:xfrm>
-            <a:prstGeom prst="rect">
-              <a:avLst/>
-            </a:prstGeom>
-            <a:solidFill>
-              <a:schemeClr val="bg1"/>
-            </a:solidFill>
-            <a:ln>
-              <a:solidFill>
-                <a:schemeClr val="tx1"/>
-              </a:solidFill>
-            </a:ln>
-          </p:spPr>
-          <p:style>
-            <a:lnRef idx="2">
-              <a:schemeClr val="accent1">
-                <a:shade val="50000"/>
-              </a:schemeClr>
-            </a:lnRef>
-            <a:fillRef idx="1">
-              <a:schemeClr val="accent1"/>
-            </a:fillRef>
-            <a:effectRef idx="0">
-              <a:schemeClr val="accent1"/>
-            </a:effectRef>
-            <a:fontRef idx="minor">
-              <a:schemeClr val="lt1"/>
-            </a:fontRef>
-          </p:style>
-          <p:txBody>
-            <a:bodyPr rtlCol="0" anchor="ctr"/>
-            <a:lstStyle/>
-            <a:p>
-              <a:pPr algn="ctr"/>
-              <a:r>
-                <a:rPr lang="en-US" dirty="0" err="1">
-                  <a:solidFill>
-                    <a:schemeClr val="tx1"/>
-                  </a:solidFill>
-                  <a:latin typeface="Courier New" panose="02070309020205020404" pitchFamily="49" charset="0"/>
-                  <a:ea typeface="CMU Serif Roman" panose="02000603000000000000" pitchFamily="2" charset="0"/>
-                  <a:cs typeface="Courier New" panose="02070309020205020404" pitchFamily="49" charset="0"/>
-                </a:rPr>
-                <a:t>etcd</a:t>
-              </a:r>
-              <a:r>
-                <a:rPr lang="en-US" dirty="0">
-                  <a:solidFill>
-                    <a:schemeClr val="tx1"/>
-                  </a:solidFill>
-                  <a:latin typeface="Courier New" panose="02070309020205020404" pitchFamily="49" charset="0"/>
-                  <a:ea typeface="CMU Serif Roman" panose="02000603000000000000" pitchFamily="2" charset="0"/>
-                  <a:cs typeface="Courier New" panose="02070309020205020404" pitchFamily="49" charset="0"/>
-                </a:rPr>
-                <a:t> </a:t>
-              </a:r>
-            </a:p>
-          </p:txBody>
-        </p:sp>
-        <p:sp>
-          <p:nvSpPr>
-            <p:cNvPr id="84" name="Rectangle 83">
-              <a:extLst>
-                <a:ext uri="{FF2B5EF4-FFF2-40B4-BE49-F238E27FC236}">
-                  <a16:creationId xmlns:a16="http://schemas.microsoft.com/office/drawing/2014/main" id="{93E336F9-6B1E-6447-B508-20F0BC936C54}"/>
-                </a:ext>
-              </a:extLst>
-            </p:cNvPr>
-            <p:cNvSpPr/>
-            <p:nvPr/>
-          </p:nvSpPr>
-          <p:spPr>
-            <a:xfrm>
-              <a:off x="2000981" y="1819407"/>
-              <a:ext cx="867104" cy="549564"/>
-            </a:xfrm>
-            <a:prstGeom prst="rect">
-              <a:avLst/>
-            </a:prstGeom>
-            <a:solidFill>
-              <a:schemeClr val="bg1"/>
-            </a:solidFill>
-            <a:ln>
-              <a:solidFill>
-                <a:schemeClr val="tx1"/>
-              </a:solidFill>
-            </a:ln>
-          </p:spPr>
-          <p:style>
-            <a:lnRef idx="2">
-              <a:schemeClr val="accent1">
-                <a:shade val="50000"/>
-              </a:schemeClr>
-            </a:lnRef>
-            <a:fillRef idx="1">
-              <a:schemeClr val="accent1"/>
-            </a:fillRef>
-            <a:effectRef idx="0">
-              <a:schemeClr val="accent1"/>
-            </a:effectRef>
-            <a:fontRef idx="minor">
-              <a:schemeClr val="lt1"/>
-            </a:fontRef>
-          </p:style>
-          <p:txBody>
-            <a:bodyPr rtlCol="0" anchor="ctr"/>
-            <a:lstStyle/>
-            <a:p>
-              <a:pPr algn="ctr"/>
-              <a:r>
-                <a:rPr lang="en-US" dirty="0" err="1">
-                  <a:solidFill>
-                    <a:schemeClr val="tx1"/>
-                  </a:solidFill>
-                  <a:latin typeface="Courier New" panose="02070309020205020404" pitchFamily="49" charset="0"/>
-                  <a:ea typeface="CMU Serif Roman" panose="02000603000000000000" pitchFamily="2" charset="0"/>
-                  <a:cs typeface="Courier New" panose="02070309020205020404" pitchFamily="49" charset="0"/>
-                </a:rPr>
-                <a:t>etcd</a:t>
-              </a:r>
-              <a:r>
-                <a:rPr lang="en-US" dirty="0">
-                  <a:solidFill>
-                    <a:schemeClr val="tx1"/>
-                  </a:solidFill>
-                  <a:latin typeface="Courier New" panose="02070309020205020404" pitchFamily="49" charset="0"/>
-                  <a:ea typeface="CMU Serif Roman" panose="02000603000000000000" pitchFamily="2" charset="0"/>
-                  <a:cs typeface="Courier New" panose="02070309020205020404" pitchFamily="49" charset="0"/>
-                </a:rPr>
-                <a:t> </a:t>
-              </a:r>
-            </a:p>
-          </p:txBody>
-        </p:sp>
-        <p:sp>
-          <p:nvSpPr>
-            <p:cNvPr id="8" name="Rectangle 7">
-              <a:extLst>
-                <a:ext uri="{FF2B5EF4-FFF2-40B4-BE49-F238E27FC236}">
-                  <a16:creationId xmlns:a16="http://schemas.microsoft.com/office/drawing/2014/main" id="{D36CC9EA-D808-E044-9094-39E31C071BA2}"/>
-                </a:ext>
-              </a:extLst>
-            </p:cNvPr>
-            <p:cNvSpPr/>
-            <p:nvPr/>
-          </p:nvSpPr>
-          <p:spPr>
-            <a:xfrm>
-              <a:off x="1133877" y="1117158"/>
-              <a:ext cx="867104" cy="549564"/>
-            </a:xfrm>
-            <a:prstGeom prst="rect">
-              <a:avLst/>
-            </a:prstGeom>
-            <a:solidFill>
-              <a:schemeClr val="bg1"/>
-            </a:solidFill>
-            <a:ln>
-              <a:solidFill>
-                <a:schemeClr val="tx1"/>
-              </a:solidFill>
-            </a:ln>
-          </p:spPr>
-          <p:style>
-            <a:lnRef idx="2">
-              <a:schemeClr val="accent1">
-                <a:shade val="50000"/>
-              </a:schemeClr>
-            </a:lnRef>
-            <a:fillRef idx="1">
-              <a:schemeClr val="accent1"/>
-            </a:fillRef>
-            <a:effectRef idx="0">
-              <a:schemeClr val="accent1"/>
-            </a:effectRef>
-            <a:fontRef idx="minor">
-              <a:schemeClr val="lt1"/>
-            </a:fontRef>
-          </p:style>
-          <p:txBody>
-            <a:bodyPr rtlCol="0" anchor="ctr"/>
-            <a:lstStyle/>
-            <a:p>
-              <a:pPr algn="ctr"/>
-              <a:r>
-                <a:rPr lang="en-US" dirty="0" err="1">
-                  <a:solidFill>
-                    <a:schemeClr val="tx1"/>
-                  </a:solidFill>
-                  <a:latin typeface="Courier New" panose="02070309020205020404" pitchFamily="49" charset="0"/>
-                  <a:ea typeface="CMU Serif Roman" panose="02000603000000000000" pitchFamily="2" charset="0"/>
-                  <a:cs typeface="Courier New" panose="02070309020205020404" pitchFamily="49" charset="0"/>
-                </a:rPr>
-                <a:t>etcd</a:t>
-              </a:r>
-              <a:r>
-                <a:rPr lang="en-US" dirty="0">
-                  <a:solidFill>
-                    <a:schemeClr val="tx1"/>
-                  </a:solidFill>
-                  <a:latin typeface="Courier New" panose="02070309020205020404" pitchFamily="49" charset="0"/>
-                  <a:ea typeface="CMU Serif Roman" panose="02000603000000000000" pitchFamily="2" charset="0"/>
-                  <a:cs typeface="Courier New" panose="02070309020205020404" pitchFamily="49" charset="0"/>
-                </a:rPr>
-                <a:t> </a:t>
-              </a:r>
-            </a:p>
-          </p:txBody>
-        </p:sp>
-        <p:pic>
-          <p:nvPicPr>
-            <p:cNvPr id="15" name="Graphic 14" descr="Database with solid fill">
-              <a:extLst>
-                <a:ext uri="{FF2B5EF4-FFF2-40B4-BE49-F238E27FC236}">
-                  <a16:creationId xmlns:a16="http://schemas.microsoft.com/office/drawing/2014/main" id="{316AD37A-E40E-0A47-9512-10ADA3A3E40A}"/>
-                </a:ext>
-              </a:extLst>
-            </p:cNvPr>
-            <p:cNvPicPr>
-              <a:picLocks noChangeAspect="1"/>
-            </p:cNvPicPr>
-            <p:nvPr/>
-          </p:nvPicPr>
-          <p:blipFill>
-            <a:blip r:embed="rId2">
-              <a:extLst>
-                <a:ext uri="{96DAC541-7B7A-43D3-8B79-37D633B846F1}">
-                  <asvg:svgBlip xmlns:asvg="http://schemas.microsoft.com/office/drawing/2016/SVG/main" r:embed="rId3"/>
-                </a:ext>
-              </a:extLst>
-            </a:blip>
-            <a:stretch>
-              <a:fillRect/>
-            </a:stretch>
-          </p:blipFill>
-          <p:spPr>
-            <a:xfrm>
-              <a:off x="556618" y="5663760"/>
-              <a:ext cx="549564" cy="549564"/>
-            </a:xfrm>
-            <a:prstGeom prst="rect">
-              <a:avLst/>
-            </a:prstGeom>
-          </p:spPr>
-        </p:pic>
-        <p:cxnSp>
-          <p:nvCxnSpPr>
-            <p:cNvPr id="42" name="Straight Arrow Connector 41">
-              <a:extLst>
-                <a:ext uri="{FF2B5EF4-FFF2-40B4-BE49-F238E27FC236}">
-                  <a16:creationId xmlns:a16="http://schemas.microsoft.com/office/drawing/2014/main" id="{69E3DBDE-C67D-E045-89F5-1FBFA0A30E69}"/>
-                </a:ext>
-              </a:extLst>
-            </p:cNvPr>
-            <p:cNvCxnSpPr>
-              <a:cxnSpLocks/>
-              <a:stCxn id="4" idx="0"/>
-              <a:endCxn id="74" idx="2"/>
-            </p:cNvCxnSpPr>
-            <p:nvPr/>
-          </p:nvCxnSpPr>
-          <p:spPr>
-            <a:xfrm flipV="1">
-              <a:off x="2549842" y="2492918"/>
-              <a:ext cx="0" cy="266125"/>
-            </a:xfrm>
-            <a:prstGeom prst="straightConnector1">
-              <a:avLst/>
-            </a:prstGeom>
-            <a:ln>
-              <a:solidFill>
-                <a:schemeClr val="tx1"/>
-              </a:solidFill>
-              <a:headEnd type="triangle"/>
-              <a:tailEnd type="triangle"/>
-            </a:ln>
-          </p:spPr>
-          <p:style>
-            <a:lnRef idx="1">
-              <a:schemeClr val="accent1"/>
-            </a:lnRef>
-            <a:fillRef idx="0">
-              <a:schemeClr val="accent1"/>
-            </a:fillRef>
-            <a:effectRef idx="0">
-              <a:schemeClr val="accent1"/>
-            </a:effectRef>
-            <a:fontRef idx="minor">
-              <a:schemeClr val="tx1"/>
-            </a:fontRef>
-          </p:style>
-        </p:cxnSp>
-        <p:cxnSp>
-          <p:nvCxnSpPr>
-            <p:cNvPr id="56" name="Straight Arrow Connector 55">
-              <a:extLst>
-                <a:ext uri="{FF2B5EF4-FFF2-40B4-BE49-F238E27FC236}">
-                  <a16:creationId xmlns:a16="http://schemas.microsoft.com/office/drawing/2014/main" id="{E8C42946-2C2A-5E47-BFAA-6D17B1AC189D}"/>
-                </a:ext>
-              </a:extLst>
-            </p:cNvPr>
-            <p:cNvCxnSpPr>
-              <a:cxnSpLocks/>
-              <a:stCxn id="13" idx="0"/>
-              <a:endCxn id="4" idx="2"/>
-            </p:cNvCxnSpPr>
-            <p:nvPr/>
-          </p:nvCxnSpPr>
-          <p:spPr>
-            <a:xfrm flipV="1">
-              <a:off x="2549841" y="4937312"/>
-              <a:ext cx="1" cy="451666"/>
-            </a:xfrm>
-            <a:prstGeom prst="straightConnector1">
-              <a:avLst/>
-            </a:prstGeom>
-            <a:ln>
-              <a:solidFill>
-                <a:schemeClr val="tx1"/>
-              </a:solidFill>
-              <a:headEnd type="triangle"/>
-              <a:tailEnd type="triangle"/>
-            </a:ln>
-          </p:spPr>
-          <p:style>
-            <a:lnRef idx="1">
-              <a:schemeClr val="accent1"/>
-            </a:lnRef>
-            <a:fillRef idx="0">
-              <a:schemeClr val="accent1"/>
-            </a:fillRef>
-            <a:effectRef idx="0">
-              <a:schemeClr val="accent1"/>
-            </a:effectRef>
-            <a:fontRef idx="minor">
-              <a:schemeClr val="tx1"/>
-            </a:fontRef>
-          </p:style>
-        </p:cxnSp>
-        <p:cxnSp>
-          <p:nvCxnSpPr>
-            <p:cNvPr id="60" name="Straight Arrow Connector 59">
-              <a:extLst>
-                <a:ext uri="{FF2B5EF4-FFF2-40B4-BE49-F238E27FC236}">
-                  <a16:creationId xmlns:a16="http://schemas.microsoft.com/office/drawing/2014/main" id="{90AF072C-E5F7-484D-831F-1C090DE5FFCA}"/>
-                </a:ext>
-              </a:extLst>
-            </p:cNvPr>
-            <p:cNvCxnSpPr>
-              <a:cxnSpLocks/>
-              <a:stCxn id="19" idx="1"/>
-              <a:endCxn id="17" idx="3"/>
-            </p:cNvCxnSpPr>
-            <p:nvPr/>
-          </p:nvCxnSpPr>
-          <p:spPr>
-            <a:xfrm flipH="1" flipV="1">
-              <a:off x="3245927" y="3684727"/>
-              <a:ext cx="305612" cy="2041"/>
-            </a:xfrm>
-            <a:prstGeom prst="straightConnector1">
-              <a:avLst/>
-            </a:prstGeom>
-            <a:ln>
-              <a:solidFill>
-                <a:schemeClr val="tx1"/>
-              </a:solidFill>
-              <a:tailEnd type="triangle"/>
-            </a:ln>
-          </p:spPr>
-          <p:style>
-            <a:lnRef idx="1">
-              <a:schemeClr val="accent1"/>
-            </a:lnRef>
-            <a:fillRef idx="0">
-              <a:schemeClr val="accent1"/>
-            </a:fillRef>
-            <a:effectRef idx="0">
-              <a:schemeClr val="accent1"/>
-            </a:effectRef>
-            <a:fontRef idx="minor">
-              <a:schemeClr val="tx1"/>
-            </a:fontRef>
-          </p:style>
-        </p:cxnSp>
-        <p:cxnSp>
-          <p:nvCxnSpPr>
-            <p:cNvPr id="85" name="Straight Arrow Connector 84">
-              <a:extLst>
-                <a:ext uri="{FF2B5EF4-FFF2-40B4-BE49-F238E27FC236}">
-                  <a16:creationId xmlns:a16="http://schemas.microsoft.com/office/drawing/2014/main" id="{E9B16E0F-51D1-6944-8720-2F7DDE53AF79}"/>
-                </a:ext>
-              </a:extLst>
-            </p:cNvPr>
-            <p:cNvCxnSpPr>
-              <a:cxnSpLocks/>
-              <a:stCxn id="8" idx="2"/>
-              <a:endCxn id="84" idx="1"/>
-            </p:cNvCxnSpPr>
-            <p:nvPr/>
-          </p:nvCxnSpPr>
-          <p:spPr>
-            <a:xfrm>
-              <a:off x="1567429" y="1666722"/>
-              <a:ext cx="433552" cy="427467"/>
-            </a:xfrm>
-            <a:prstGeom prst="straightConnector1">
-              <a:avLst/>
-            </a:prstGeom>
-            <a:ln>
-              <a:solidFill>
-                <a:schemeClr val="tx1"/>
-              </a:solidFill>
-              <a:headEnd type="triangle"/>
-              <a:tailEnd type="triangle"/>
-            </a:ln>
-          </p:spPr>
-          <p:style>
-            <a:lnRef idx="1">
-              <a:schemeClr val="accent1"/>
-            </a:lnRef>
-            <a:fillRef idx="0">
-              <a:schemeClr val="accent1"/>
-            </a:fillRef>
-            <a:effectRef idx="0">
-              <a:schemeClr val="accent1"/>
-            </a:effectRef>
-            <a:fontRef idx="minor">
-              <a:schemeClr val="tx1"/>
-            </a:fontRef>
-          </p:style>
-        </p:cxnSp>
-        <p:cxnSp>
-          <p:nvCxnSpPr>
-            <p:cNvPr id="88" name="Straight Arrow Connector 87">
-              <a:extLst>
-                <a:ext uri="{FF2B5EF4-FFF2-40B4-BE49-F238E27FC236}">
-                  <a16:creationId xmlns:a16="http://schemas.microsoft.com/office/drawing/2014/main" id="{D6DA7170-D3A5-F44F-A04A-52AC5AD06803}"/>
-                </a:ext>
-              </a:extLst>
-            </p:cNvPr>
-            <p:cNvCxnSpPr>
-              <a:cxnSpLocks/>
-              <a:stCxn id="8" idx="3"/>
-              <a:endCxn id="83" idx="1"/>
-            </p:cNvCxnSpPr>
-            <p:nvPr/>
-          </p:nvCxnSpPr>
-          <p:spPr>
-            <a:xfrm>
-              <a:off x="2000981" y="1391940"/>
-              <a:ext cx="897101" cy="0"/>
-            </a:xfrm>
-            <a:prstGeom prst="straightConnector1">
-              <a:avLst/>
-            </a:prstGeom>
-            <a:ln>
-              <a:solidFill>
-                <a:schemeClr val="tx1"/>
-              </a:solidFill>
-              <a:headEnd type="triangle"/>
-              <a:tailEnd type="triangle"/>
-            </a:ln>
-          </p:spPr>
-          <p:style>
-            <a:lnRef idx="1">
-              <a:schemeClr val="accent1"/>
-            </a:lnRef>
-            <a:fillRef idx="0">
-              <a:schemeClr val="accent1"/>
-            </a:fillRef>
-            <a:effectRef idx="0">
-              <a:schemeClr val="accent1"/>
-            </a:effectRef>
-            <a:fontRef idx="minor">
-              <a:schemeClr val="tx1"/>
-            </a:fontRef>
-          </p:style>
-        </p:cxnSp>
-        <p:cxnSp>
-          <p:nvCxnSpPr>
-            <p:cNvPr id="91" name="Straight Arrow Connector 90">
-              <a:extLst>
-                <a:ext uri="{FF2B5EF4-FFF2-40B4-BE49-F238E27FC236}">
-                  <a16:creationId xmlns:a16="http://schemas.microsoft.com/office/drawing/2014/main" id="{C1AAB371-291E-9740-9D42-367ACFC9E6D1}"/>
-                </a:ext>
-              </a:extLst>
-            </p:cNvPr>
-            <p:cNvCxnSpPr>
-              <a:cxnSpLocks/>
-              <a:stCxn id="84" idx="3"/>
-              <a:endCxn id="83" idx="2"/>
-            </p:cNvCxnSpPr>
-            <p:nvPr/>
-          </p:nvCxnSpPr>
-          <p:spPr>
-            <a:xfrm flipV="1">
-              <a:off x="2868085" y="1666722"/>
-              <a:ext cx="463549" cy="427467"/>
-            </a:xfrm>
-            <a:prstGeom prst="straightConnector1">
-              <a:avLst/>
-            </a:prstGeom>
-            <a:ln>
-              <a:solidFill>
-                <a:schemeClr val="tx1"/>
-              </a:solidFill>
-              <a:headEnd type="triangle"/>
-              <a:tailEnd type="triangle"/>
-            </a:ln>
-          </p:spPr>
-          <p:style>
-            <a:lnRef idx="1">
-              <a:schemeClr val="accent1"/>
-            </a:lnRef>
-            <a:fillRef idx="0">
-              <a:schemeClr val="accent1"/>
-            </a:fillRef>
-            <a:effectRef idx="0">
-              <a:schemeClr val="accent1"/>
-            </a:effectRef>
-            <a:fontRef idx="minor">
-              <a:schemeClr val="tx1"/>
-            </a:fontRef>
-          </p:style>
-        </p:cxnSp>
-      </p:grpSp>
-      <p:grpSp>
-        <p:nvGrpSpPr>
-          <p:cNvPr id="121" name="Group 120">
-            <a:extLst>
-              <a:ext uri="{FF2B5EF4-FFF2-40B4-BE49-F238E27FC236}">
-                <a16:creationId xmlns:a16="http://schemas.microsoft.com/office/drawing/2014/main" id="{0AADE781-4C8C-8D44-A584-89FEA045FAD1}"/>
-              </a:ext>
-            </a:extLst>
-          </p:cNvPr>
-          <p:cNvGrpSpPr/>
-          <p:nvPr/>
-        </p:nvGrpSpPr>
-        <p:grpSpPr>
-          <a:xfrm>
-            <a:off x="8730371" y="2046324"/>
-            <a:ext cx="2526178" cy="1620663"/>
-            <a:chOff x="9424084" y="2164437"/>
-            <a:chExt cx="2526178" cy="1620663"/>
-          </a:xfrm>
-        </p:grpSpPr>
-        <p:sp>
-          <p:nvSpPr>
-            <p:cNvPr id="97" name="Rectangle 96">
-              <a:extLst>
-                <a:ext uri="{FF2B5EF4-FFF2-40B4-BE49-F238E27FC236}">
-                  <a16:creationId xmlns:a16="http://schemas.microsoft.com/office/drawing/2014/main" id="{8BA15DB0-85E8-D745-9C39-A8F8F282E68A}"/>
-                </a:ext>
-              </a:extLst>
-            </p:cNvPr>
-            <p:cNvSpPr/>
-            <p:nvPr/>
-          </p:nvSpPr>
-          <p:spPr>
-            <a:xfrm>
-              <a:off x="9424084" y="2164437"/>
-              <a:ext cx="2526178" cy="1620663"/>
-            </a:xfrm>
-            <a:prstGeom prst="rect">
-              <a:avLst/>
-            </a:prstGeom>
-            <a:solidFill>
-              <a:schemeClr val="bg1"/>
-            </a:solidFill>
-            <a:ln>
-              <a:solidFill>
-                <a:schemeClr val="tx1"/>
-              </a:solidFill>
-              <a:prstDash val="dash"/>
-            </a:ln>
-          </p:spPr>
-          <p:style>
-            <a:lnRef idx="2">
-              <a:schemeClr val="accent1">
-                <a:shade val="50000"/>
-              </a:schemeClr>
-            </a:lnRef>
-            <a:fillRef idx="1">
-              <a:schemeClr val="accent1"/>
-            </a:fillRef>
-            <a:effectRef idx="0">
-              <a:schemeClr val="accent1"/>
-            </a:effectRef>
-            <a:fontRef idx="minor">
-              <a:schemeClr val="lt1"/>
-            </a:fontRef>
-          </p:style>
-          <p:txBody>
-            <a:bodyPr rtlCol="0" anchor="b"/>
-            <a:lstStyle/>
-            <a:p>
-              <a:pPr algn="r"/>
-              <a:r>
-                <a:rPr lang="en-US" dirty="0">
-                  <a:solidFill>
-                    <a:schemeClr val="tx1"/>
-                  </a:solidFill>
-                  <a:latin typeface="CMU Serif Roman" panose="02000603000000000000" pitchFamily="2" charset="0"/>
-                  <a:ea typeface="CMU Serif Roman" panose="02000603000000000000" pitchFamily="2" charset="0"/>
-                  <a:cs typeface="CMU Serif Roman" panose="02000603000000000000" pitchFamily="2" charset="0"/>
-                </a:rPr>
-                <a:t>Client</a:t>
-              </a:r>
-            </a:p>
-          </p:txBody>
-        </p:sp>
-        <p:sp>
-          <p:nvSpPr>
-            <p:cNvPr id="98" name="Rectangle 97">
-              <a:extLst>
-                <a:ext uri="{FF2B5EF4-FFF2-40B4-BE49-F238E27FC236}">
-                  <a16:creationId xmlns:a16="http://schemas.microsoft.com/office/drawing/2014/main" id="{6F3284CE-9479-8E43-8E3F-DB8458E13E53}"/>
-                </a:ext>
-              </a:extLst>
-            </p:cNvPr>
-            <p:cNvSpPr/>
-            <p:nvPr/>
-          </p:nvSpPr>
-          <p:spPr>
-            <a:xfrm>
-              <a:off x="9516343" y="2239155"/>
-              <a:ext cx="433552" cy="1466591"/>
-            </a:xfrm>
-            <a:prstGeom prst="rect">
-              <a:avLst/>
-            </a:prstGeom>
-            <a:solidFill>
-              <a:schemeClr val="bg1"/>
-            </a:solidFill>
-            <a:ln>
-              <a:solidFill>
-                <a:schemeClr val="tx1"/>
-              </a:solidFill>
-            </a:ln>
-          </p:spPr>
-          <p:style>
-            <a:lnRef idx="2">
-              <a:schemeClr val="accent1">
-                <a:shade val="50000"/>
-              </a:schemeClr>
-            </a:lnRef>
-            <a:fillRef idx="1">
-              <a:schemeClr val="accent1"/>
-            </a:fillRef>
-            <a:effectRef idx="0">
-              <a:schemeClr val="accent1"/>
-            </a:effectRef>
-            <a:fontRef idx="minor">
-              <a:schemeClr val="lt1"/>
-            </a:fontRef>
-          </p:style>
-          <p:txBody>
-            <a:bodyPr vert="vert270" rtlCol="0" anchor="ctr"/>
-            <a:lstStyle/>
-            <a:p>
-              <a:pPr algn="ctr"/>
-              <a:r>
-                <a:rPr lang="en-US" dirty="0" err="1">
-                  <a:solidFill>
-                    <a:schemeClr val="tx1"/>
-                  </a:solidFill>
-                  <a:latin typeface="Courier New" panose="02070309020205020404" pitchFamily="49" charset="0"/>
-                  <a:ea typeface="CMU Serif Roman" panose="02000603000000000000" pitchFamily="2" charset="0"/>
-                  <a:cs typeface="Courier New" panose="02070309020205020404" pitchFamily="49" charset="0"/>
-                </a:rPr>
-                <a:t>alexandra</a:t>
-              </a:r>
-              <a:endParaRPr lang="en-US" dirty="0">
-                <a:solidFill>
-                  <a:schemeClr val="tx1"/>
-                </a:solidFill>
-                <a:latin typeface="Courier New" panose="02070309020205020404" pitchFamily="49" charset="0"/>
-                <a:ea typeface="CMU Serif Roman" panose="02000603000000000000" pitchFamily="2" charset="0"/>
-                <a:cs typeface="Courier New" panose="02070309020205020404" pitchFamily="49" charset="0"/>
-              </a:endParaRPr>
-            </a:p>
-          </p:txBody>
-        </p:sp>
-        <p:sp>
-          <p:nvSpPr>
-            <p:cNvPr id="99" name="Rectangle 98">
-              <a:extLst>
-                <a:ext uri="{FF2B5EF4-FFF2-40B4-BE49-F238E27FC236}">
-                  <a16:creationId xmlns:a16="http://schemas.microsoft.com/office/drawing/2014/main" id="{B38B5F9D-3357-B140-AAF1-D96992734DA3}"/>
-                </a:ext>
-              </a:extLst>
-            </p:cNvPr>
-            <p:cNvSpPr/>
-            <p:nvPr/>
-          </p:nvSpPr>
-          <p:spPr>
-            <a:xfrm>
-              <a:off x="10324839" y="2488621"/>
-              <a:ext cx="1502292" cy="963328"/>
-            </a:xfrm>
-            <a:prstGeom prst="rect">
-              <a:avLst/>
-            </a:prstGeom>
-            <a:solidFill>
-              <a:schemeClr val="bg1"/>
-            </a:solidFill>
-            <a:ln>
-              <a:solidFill>
-                <a:schemeClr val="tx1"/>
-              </a:solidFill>
-            </a:ln>
-          </p:spPr>
-          <p:style>
-            <a:lnRef idx="2">
-              <a:schemeClr val="accent1">
-                <a:shade val="50000"/>
-              </a:schemeClr>
-            </a:lnRef>
-            <a:fillRef idx="1">
-              <a:schemeClr val="accent1"/>
-            </a:fillRef>
-            <a:effectRef idx="0">
-              <a:schemeClr val="accent1"/>
-            </a:effectRef>
-            <a:fontRef idx="minor">
-              <a:schemeClr val="lt1"/>
-            </a:fontRef>
-          </p:style>
-          <p:txBody>
-            <a:bodyPr vert="horz" rtlCol="0" anchor="ctr"/>
-            <a:lstStyle/>
-            <a:p>
-              <a:pPr algn="ctr"/>
-              <a:r>
-                <a:rPr lang="en-US" dirty="0">
-                  <a:solidFill>
-                    <a:schemeClr val="tx1"/>
-                  </a:solidFill>
-                  <a:latin typeface="CMU Serif Roman" panose="02000603000000000000" pitchFamily="2" charset="0"/>
-                  <a:ea typeface="CMU Serif Roman" panose="02000603000000000000" pitchFamily="2" charset="0"/>
-                  <a:cs typeface="CMU Serif Roman" panose="02000603000000000000" pitchFamily="2" charset="0"/>
-                </a:rPr>
-                <a:t>Application</a:t>
-              </a:r>
-            </a:p>
-          </p:txBody>
-        </p:sp>
-        <p:cxnSp>
-          <p:nvCxnSpPr>
-            <p:cNvPr id="100" name="Straight Arrow Connector 99">
-              <a:extLst>
-                <a:ext uri="{FF2B5EF4-FFF2-40B4-BE49-F238E27FC236}">
-                  <a16:creationId xmlns:a16="http://schemas.microsoft.com/office/drawing/2014/main" id="{82EEA6DC-A7F5-6D42-9BDB-60CD453795D0}"/>
-                </a:ext>
-              </a:extLst>
-            </p:cNvPr>
-            <p:cNvCxnSpPr>
-              <a:cxnSpLocks/>
-              <a:stCxn id="98" idx="3"/>
-              <a:endCxn id="99" idx="1"/>
-            </p:cNvCxnSpPr>
-            <p:nvPr/>
-          </p:nvCxnSpPr>
-          <p:spPr>
-            <a:xfrm flipV="1">
-              <a:off x="9949895" y="2970285"/>
-              <a:ext cx="374944" cy="2166"/>
-            </a:xfrm>
-            <a:prstGeom prst="straightConnector1">
-              <a:avLst/>
-            </a:prstGeom>
-            <a:ln>
-              <a:solidFill>
-                <a:schemeClr val="tx1"/>
-              </a:solidFill>
-              <a:headEnd type="triangle"/>
-              <a:tailEnd type="triangle"/>
-            </a:ln>
-          </p:spPr>
-          <p:style>
-            <a:lnRef idx="1">
-              <a:schemeClr val="accent1"/>
-            </a:lnRef>
-            <a:fillRef idx="0">
-              <a:schemeClr val="accent1"/>
-            </a:fillRef>
-            <a:effectRef idx="0">
-              <a:schemeClr val="accent1"/>
-            </a:effectRef>
-            <a:fontRef idx="minor">
-              <a:schemeClr val="tx1"/>
-            </a:fontRef>
-          </p:style>
-        </p:cxnSp>
-      </p:grpSp>
-      <p:sp>
-        <p:nvSpPr>
-          <p:cNvPr id="141" name="Left-Right Arrow 140">
-            <a:extLst>
-              <a:ext uri="{FF2B5EF4-FFF2-40B4-BE49-F238E27FC236}">
-                <a16:creationId xmlns:a16="http://schemas.microsoft.com/office/drawing/2014/main" id="{25F8F1FC-E7FA-4443-A9EC-080B6575A9FB}"/>
-              </a:ext>
-            </a:extLst>
-          </p:cNvPr>
-          <p:cNvSpPr/>
-          <p:nvPr/>
-        </p:nvSpPr>
-        <p:spPr>
-          <a:xfrm rot="3115938">
-            <a:off x="3785108" y="2943239"/>
-            <a:ext cx="3526066" cy="672442"/>
-          </a:xfrm>
-          <a:prstGeom prst="leftRightArrow">
-            <a:avLst/>
-          </a:prstGeom>
-          <a:solidFill>
-            <a:srgbClr val="648FFF"/>
-          </a:solidFill>
-          <a:ln>
-            <a:solidFill>
-              <a:schemeClr val="tx1"/>
-            </a:solidFill>
-          </a:ln>
-        </p:spPr>
-        <p:style>
-          <a:lnRef idx="2">
-            <a:schemeClr val="accent1">
-              <a:shade val="50000"/>
-            </a:schemeClr>
-          </a:lnRef>
-          <a:fillRef idx="1">
-            <a:schemeClr val="accent1"/>
-          </a:fillRef>
-          <a:effectRef idx="0">
-            <a:schemeClr val="accent1"/>
-          </a:effectRef>
-          <a:fontRef idx="minor">
-            <a:schemeClr val="lt1"/>
-          </a:fontRef>
-        </p:style>
-        <p:txBody>
-          <a:bodyPr rtlCol="0" anchor="ctr"/>
-          <a:lstStyle/>
-          <a:p>
-            <a:pPr algn="ctr"/>
-            <a:endParaRPr lang="en-US"/>
-          </a:p>
-        </p:txBody>
-      </p:sp>
-      <p:sp>
-        <p:nvSpPr>
-          <p:cNvPr id="142" name="Left-Right Arrow 141">
-            <a:extLst>
-              <a:ext uri="{FF2B5EF4-FFF2-40B4-BE49-F238E27FC236}">
-                <a16:creationId xmlns:a16="http://schemas.microsoft.com/office/drawing/2014/main" id="{696A7B73-3680-DE4D-A809-9FBC7AE36627}"/>
-              </a:ext>
-            </a:extLst>
-          </p:cNvPr>
-          <p:cNvSpPr/>
-          <p:nvPr/>
-        </p:nvSpPr>
-        <p:spPr>
-          <a:xfrm>
-            <a:off x="4365949" y="1175170"/>
-            <a:ext cx="1397429" cy="672442"/>
-          </a:xfrm>
-          <a:prstGeom prst="leftRightArrow">
-            <a:avLst/>
-          </a:prstGeom>
-          <a:solidFill>
-            <a:srgbClr val="648FFF"/>
-          </a:solidFill>
-          <a:ln>
-            <a:solidFill>
-              <a:schemeClr val="tx1"/>
-            </a:solidFill>
-          </a:ln>
-        </p:spPr>
-        <p:style>
-          <a:lnRef idx="2">
-            <a:schemeClr val="accent1">
-              <a:shade val="50000"/>
-            </a:schemeClr>
-          </a:lnRef>
-          <a:fillRef idx="1">
-            <a:schemeClr val="accent1"/>
-          </a:fillRef>
-          <a:effectRef idx="0">
-            <a:schemeClr val="accent1"/>
-          </a:effectRef>
-          <a:fontRef idx="minor">
-            <a:schemeClr val="lt1"/>
-          </a:fontRef>
-        </p:style>
-        <p:txBody>
-          <a:bodyPr rtlCol="0" anchor="ctr"/>
-          <a:lstStyle/>
-          <a:p>
-            <a:pPr algn="ctr"/>
-            <a:endParaRPr lang="en-US"/>
-          </a:p>
-        </p:txBody>
-      </p:sp>
-      <p:sp>
-        <p:nvSpPr>
-          <p:cNvPr id="143" name="Left-Right Arrow 142">
-            <a:extLst>
-              <a:ext uri="{FF2B5EF4-FFF2-40B4-BE49-F238E27FC236}">
-                <a16:creationId xmlns:a16="http://schemas.microsoft.com/office/drawing/2014/main" id="{948AD2C4-356D-AF40-A769-335A274E260C}"/>
-              </a:ext>
-            </a:extLst>
-          </p:cNvPr>
-          <p:cNvSpPr/>
-          <p:nvPr/>
-        </p:nvSpPr>
-        <p:spPr>
-          <a:xfrm rot="5400000">
-            <a:off x="2397370" y="2285433"/>
-            <a:ext cx="274783" cy="672442"/>
-          </a:xfrm>
-          <a:prstGeom prst="leftRightArrow">
-            <a:avLst/>
-          </a:prstGeom>
-          <a:solidFill>
-            <a:srgbClr val="648FFF"/>
-          </a:solidFill>
-          <a:ln>
-            <a:solidFill>
-              <a:schemeClr val="tx1"/>
-            </a:solidFill>
-          </a:ln>
-        </p:spPr>
-        <p:style>
-          <a:lnRef idx="2">
-            <a:schemeClr val="accent1">
-              <a:shade val="50000"/>
-            </a:schemeClr>
-          </a:lnRef>
-          <a:fillRef idx="1">
-            <a:schemeClr val="accent1"/>
-          </a:fillRef>
-          <a:effectRef idx="0">
-            <a:schemeClr val="accent1"/>
-          </a:effectRef>
-          <a:fontRef idx="minor">
-            <a:schemeClr val="lt1"/>
-          </a:fontRef>
-        </p:style>
-        <p:txBody>
-          <a:bodyPr rtlCol="0" anchor="ctr"/>
-          <a:lstStyle/>
-          <a:p>
-            <a:pPr algn="ctr"/>
-            <a:endParaRPr lang="en-US"/>
-          </a:p>
-        </p:txBody>
-      </p:sp>
-      <p:sp>
-        <p:nvSpPr>
-          <p:cNvPr id="144" name="Left-Right Arrow 143">
-            <a:extLst>
-              <a:ext uri="{FF2B5EF4-FFF2-40B4-BE49-F238E27FC236}">
-                <a16:creationId xmlns:a16="http://schemas.microsoft.com/office/drawing/2014/main" id="{B675D3FA-797C-6B45-A779-AD523D3BBD4D}"/>
-              </a:ext>
-            </a:extLst>
-          </p:cNvPr>
-          <p:cNvSpPr/>
-          <p:nvPr/>
-        </p:nvSpPr>
-        <p:spPr>
-          <a:xfrm rot="5400000">
-            <a:off x="6033863" y="3199954"/>
-            <a:ext cx="2118622" cy="672442"/>
-          </a:xfrm>
-          <a:prstGeom prst="leftRightArrow">
-            <a:avLst/>
-          </a:prstGeom>
-          <a:solidFill>
-            <a:srgbClr val="DC267F"/>
-          </a:solidFill>
-          <a:ln>
-            <a:solidFill>
-              <a:schemeClr val="tx1"/>
-            </a:solidFill>
-          </a:ln>
-        </p:spPr>
-        <p:style>
-          <a:lnRef idx="2">
-            <a:schemeClr val="accent1">
-              <a:shade val="50000"/>
-            </a:schemeClr>
-          </a:lnRef>
-          <a:fillRef idx="1">
-            <a:schemeClr val="accent1"/>
-          </a:fillRef>
-          <a:effectRef idx="0">
-            <a:schemeClr val="accent1"/>
-          </a:effectRef>
-          <a:fontRef idx="minor">
-            <a:schemeClr val="lt1"/>
-          </a:fontRef>
-        </p:style>
-        <p:txBody>
-          <a:bodyPr rtlCol="0" anchor="ctr"/>
-          <a:lstStyle/>
-          <a:p>
-            <a:pPr algn="ctr"/>
-            <a:endParaRPr lang="en-US"/>
-          </a:p>
-        </p:txBody>
-      </p:sp>
-      <p:sp>
-        <p:nvSpPr>
-          <p:cNvPr id="145" name="Left-Right Arrow 144">
-            <a:extLst>
-              <a:ext uri="{FF2B5EF4-FFF2-40B4-BE49-F238E27FC236}">
-                <a16:creationId xmlns:a16="http://schemas.microsoft.com/office/drawing/2014/main" id="{02F20C92-2A4F-894D-A903-369B1891D977}"/>
-              </a:ext>
-            </a:extLst>
-          </p:cNvPr>
-          <p:cNvSpPr/>
-          <p:nvPr/>
-        </p:nvSpPr>
-        <p:spPr>
-          <a:xfrm rot="8718276">
-            <a:off x="4072251" y="2725359"/>
-            <a:ext cx="2118622" cy="672442"/>
-          </a:xfrm>
-          <a:prstGeom prst="leftRightArrow">
-            <a:avLst/>
-          </a:prstGeom>
-          <a:solidFill>
-            <a:srgbClr val="DC267F"/>
-          </a:solidFill>
-          <a:ln>
-            <a:solidFill>
-              <a:schemeClr val="tx1"/>
-            </a:solidFill>
-          </a:ln>
-        </p:spPr>
-        <p:style>
-          <a:lnRef idx="2">
-            <a:schemeClr val="accent1">
-              <a:shade val="50000"/>
-            </a:schemeClr>
-          </a:lnRef>
-          <a:fillRef idx="1">
-            <a:schemeClr val="accent1"/>
-          </a:fillRef>
-          <a:effectRef idx="0">
-            <a:schemeClr val="accent1"/>
-          </a:effectRef>
-          <a:fontRef idx="minor">
-            <a:schemeClr val="lt1"/>
-          </a:fontRef>
-        </p:style>
-        <p:txBody>
-          <a:bodyPr rtlCol="0" anchor="ctr"/>
-          <a:lstStyle/>
-          <a:p>
-            <a:pPr algn="ctr"/>
-            <a:endParaRPr lang="en-US"/>
-          </a:p>
-        </p:txBody>
-      </p:sp>
-      <p:sp>
-        <p:nvSpPr>
-          <p:cNvPr id="146" name="Left-Right Arrow 145">
-            <a:extLst>
-              <a:ext uri="{FF2B5EF4-FFF2-40B4-BE49-F238E27FC236}">
-                <a16:creationId xmlns:a16="http://schemas.microsoft.com/office/drawing/2014/main" id="{03DB0908-AC93-F244-84B9-CA7DD4593B65}"/>
-              </a:ext>
-            </a:extLst>
-          </p:cNvPr>
-          <p:cNvSpPr/>
-          <p:nvPr/>
-        </p:nvSpPr>
-        <p:spPr>
-          <a:xfrm rot="13295862">
-            <a:off x="4085662" y="4058574"/>
-            <a:ext cx="1491938" cy="672442"/>
-          </a:xfrm>
-          <a:prstGeom prst="leftRightArrow">
-            <a:avLst/>
-          </a:prstGeom>
-          <a:solidFill>
-            <a:srgbClr val="DC267F"/>
-          </a:solidFill>
-          <a:ln>
-            <a:solidFill>
-              <a:schemeClr val="tx1"/>
-            </a:solidFill>
-          </a:ln>
-        </p:spPr>
-        <p:style>
-          <a:lnRef idx="2">
-            <a:schemeClr val="accent1">
-              <a:shade val="50000"/>
-            </a:schemeClr>
-          </a:lnRef>
-          <a:fillRef idx="1">
-            <a:schemeClr val="accent1"/>
-          </a:fillRef>
-          <a:effectRef idx="0">
-            <a:schemeClr val="accent1"/>
-          </a:effectRef>
-          <a:fontRef idx="minor">
-            <a:schemeClr val="lt1"/>
-          </a:fontRef>
-        </p:style>
-        <p:txBody>
-          <a:bodyPr rtlCol="0" anchor="ctr"/>
-          <a:lstStyle/>
-          <a:p>
-            <a:pPr algn="ctr"/>
-            <a:endParaRPr lang="en-US"/>
-          </a:p>
-        </p:txBody>
-      </p:sp>
-      <p:sp>
-        <p:nvSpPr>
-          <p:cNvPr id="147" name="Left-Right Arrow 146">
-            <a:extLst>
-              <a:ext uri="{FF2B5EF4-FFF2-40B4-BE49-F238E27FC236}">
-                <a16:creationId xmlns:a16="http://schemas.microsoft.com/office/drawing/2014/main" id="{2B13C4E6-D5A0-F545-B8D1-A6D502D73220}"/>
-              </a:ext>
-            </a:extLst>
-          </p:cNvPr>
-          <p:cNvSpPr/>
-          <p:nvPr/>
-        </p:nvSpPr>
-        <p:spPr>
-          <a:xfrm rot="13295862">
-            <a:off x="7396375" y="1818785"/>
-            <a:ext cx="1491938" cy="672442"/>
-          </a:xfrm>
-          <a:prstGeom prst="leftRightArrow">
-            <a:avLst/>
-          </a:prstGeom>
-          <a:solidFill>
-            <a:srgbClr val="FFB000"/>
-          </a:solidFill>
-          <a:ln>
-            <a:solidFill>
-              <a:schemeClr val="tx1"/>
-            </a:solidFill>
-          </a:ln>
-        </p:spPr>
-        <p:style>
-          <a:lnRef idx="2">
-            <a:schemeClr val="accent1">
-              <a:shade val="50000"/>
-            </a:schemeClr>
-          </a:lnRef>
-          <a:fillRef idx="1">
-            <a:schemeClr val="accent1"/>
-          </a:fillRef>
-          <a:effectRef idx="0">
-            <a:schemeClr val="accent1"/>
-          </a:effectRef>
-          <a:fontRef idx="minor">
-            <a:schemeClr val="lt1"/>
-          </a:fontRef>
-        </p:style>
-        <p:txBody>
-          <a:bodyPr rtlCol="0" anchor="ctr"/>
-          <a:lstStyle/>
-          <a:p>
-            <a:pPr algn="ctr"/>
-            <a:endParaRPr lang="en-US"/>
-          </a:p>
-        </p:txBody>
-      </p:sp>
-      <p:sp>
-        <p:nvSpPr>
-          <p:cNvPr id="148" name="Left-Right Arrow 147">
-            <a:extLst>
-              <a:ext uri="{FF2B5EF4-FFF2-40B4-BE49-F238E27FC236}">
-                <a16:creationId xmlns:a16="http://schemas.microsoft.com/office/drawing/2014/main" id="{6BEF5757-D553-1342-95A7-B4788616ABA8}"/>
-              </a:ext>
-            </a:extLst>
-          </p:cNvPr>
-          <p:cNvSpPr/>
-          <p:nvPr/>
-        </p:nvSpPr>
-        <p:spPr>
-          <a:xfrm rot="18539334">
-            <a:off x="7020262" y="3595490"/>
-            <a:ext cx="2043212" cy="672442"/>
-          </a:xfrm>
-          <a:prstGeom prst="leftRightArrow">
-            <a:avLst/>
-          </a:prstGeom>
-          <a:solidFill>
-            <a:srgbClr val="FFB000"/>
-          </a:solidFill>
-          <a:ln>
-            <a:solidFill>
-              <a:schemeClr val="tx1"/>
-            </a:solidFill>
-          </a:ln>
-        </p:spPr>
-        <p:style>
-          <a:lnRef idx="2">
-            <a:schemeClr val="accent1">
-              <a:shade val="50000"/>
-            </a:schemeClr>
-          </a:lnRef>
-          <a:fillRef idx="1">
-            <a:schemeClr val="accent1"/>
-          </a:fillRef>
-          <a:effectRef idx="0">
-            <a:schemeClr val="accent1"/>
-          </a:effectRef>
-          <a:fontRef idx="minor">
-            <a:schemeClr val="lt1"/>
-          </a:fontRef>
-        </p:style>
-        <p:txBody>
-          <a:bodyPr rtlCol="0" anchor="ctr"/>
-          <a:lstStyle/>
-          <a:p>
-            <a:pPr algn="ctr"/>
-            <a:endParaRPr lang="en-US"/>
-          </a:p>
-        </p:txBody>
-      </p:sp>
-      <p:sp>
-        <p:nvSpPr>
-          <p:cNvPr id="149" name="Left-Right Arrow 148">
-            <a:extLst>
-              <a:ext uri="{FF2B5EF4-FFF2-40B4-BE49-F238E27FC236}">
-                <a16:creationId xmlns:a16="http://schemas.microsoft.com/office/drawing/2014/main" id="{7B597569-30DC-C342-AE25-F269A512AC59}"/>
-              </a:ext>
-            </a:extLst>
-          </p:cNvPr>
-          <p:cNvSpPr/>
-          <p:nvPr/>
-        </p:nvSpPr>
-        <p:spPr>
-          <a:xfrm rot="20997221">
-            <a:off x="4103800" y="2966663"/>
-            <a:ext cx="4652992" cy="672442"/>
-          </a:xfrm>
-          <a:prstGeom prst="leftRightArrow">
-            <a:avLst/>
-          </a:prstGeom>
-          <a:solidFill>
-            <a:srgbClr val="FFB000"/>
-          </a:solidFill>
-          <a:ln>
-            <a:solidFill>
-              <a:schemeClr val="tx1"/>
-            </a:solidFill>
-          </a:ln>
-        </p:spPr>
-        <p:style>
-          <a:lnRef idx="2">
-            <a:schemeClr val="accent1">
-              <a:shade val="50000"/>
-            </a:schemeClr>
-          </a:lnRef>
-          <a:fillRef idx="1">
-            <a:schemeClr val="accent1"/>
-          </a:fillRef>
-          <a:effectRef idx="0">
-            <a:schemeClr val="accent1"/>
-          </a:effectRef>
-          <a:fontRef idx="minor">
-            <a:schemeClr val="lt1"/>
-          </a:fontRef>
-        </p:style>
-        <p:txBody>
-          <a:bodyPr rtlCol="0" anchor="ctr"/>
-          <a:lstStyle/>
-          <a:p>
-            <a:pPr algn="ctr"/>
-            <a:endParaRPr lang="en-US"/>
-          </a:p>
-        </p:txBody>
-      </p:sp>
-      <p:sp>
-        <p:nvSpPr>
-          <p:cNvPr id="151" name="Line Callout 2 150">
-            <a:extLst>
-              <a:ext uri="{FF2B5EF4-FFF2-40B4-BE49-F238E27FC236}">
-                <a16:creationId xmlns:a16="http://schemas.microsoft.com/office/drawing/2014/main" id="{8417DF16-5BBD-2144-9E57-E62BE1B26229}"/>
-              </a:ext>
-            </a:extLst>
-          </p:cNvPr>
-          <p:cNvSpPr/>
-          <p:nvPr/>
-        </p:nvSpPr>
-        <p:spPr>
-          <a:xfrm>
-            <a:off x="8880576" y="1463369"/>
-            <a:ext cx="1811569" cy="441548"/>
-          </a:xfrm>
-          <a:prstGeom prst="borderCallout2">
-            <a:avLst/>
-          </a:prstGeom>
-          <a:solidFill>
-            <a:srgbClr val="FFB000"/>
-          </a:solidFill>
-          <a:ln>
-            <a:solidFill>
-              <a:schemeClr val="tx1"/>
-            </a:solidFill>
-          </a:ln>
-        </p:spPr>
-        <p:style>
-          <a:lnRef idx="2">
-            <a:schemeClr val="accent1">
-              <a:shade val="50000"/>
-            </a:schemeClr>
-          </a:lnRef>
-          <a:fillRef idx="1">
-            <a:schemeClr val="accent1"/>
-          </a:fillRef>
-          <a:effectRef idx="0">
-            <a:schemeClr val="accent1"/>
-          </a:effectRef>
-          <a:fontRef idx="minor">
-            <a:schemeClr val="lt1"/>
-          </a:fontRef>
-        </p:style>
-        <p:txBody>
-          <a:bodyPr rtlCol="0" anchor="ctr"/>
-          <a:lstStyle/>
-          <a:p>
-            <a:pPr algn="ctr"/>
-            <a:r>
-              <a:rPr lang="en-US" dirty="0">
-                <a:latin typeface="CMU Serif Roman" panose="02000603000000000000" pitchFamily="2" charset="0"/>
-                <a:ea typeface="CMU Serif Roman" panose="02000603000000000000" pitchFamily="2" charset="0"/>
-                <a:cs typeface="CMU Serif Roman" panose="02000603000000000000" pitchFamily="2" charset="0"/>
-              </a:rPr>
-              <a:t>Client Requests</a:t>
-            </a:r>
-          </a:p>
-        </p:txBody>
-      </p:sp>
-      <p:sp>
-        <p:nvSpPr>
-          <p:cNvPr id="152" name="Line Callout 2 151">
-            <a:extLst>
-              <a:ext uri="{FF2B5EF4-FFF2-40B4-BE49-F238E27FC236}">
-                <a16:creationId xmlns:a16="http://schemas.microsoft.com/office/drawing/2014/main" id="{ABE7EA24-A59A-4D4A-B315-B172D53F3612}"/>
-              </a:ext>
-            </a:extLst>
-          </p:cNvPr>
-          <p:cNvSpPr/>
-          <p:nvPr/>
-        </p:nvSpPr>
-        <p:spPr>
-          <a:xfrm>
-            <a:off x="8730371" y="3815016"/>
-            <a:ext cx="2030069" cy="441548"/>
-          </a:xfrm>
-          <a:prstGeom prst="borderCallout2">
-            <a:avLst>
-              <a:gd name="adj1" fmla="val 18750"/>
-              <a:gd name="adj2" fmla="val -8333"/>
-              <a:gd name="adj3" fmla="val 18750"/>
-              <a:gd name="adj4" fmla="val -16667"/>
-              <a:gd name="adj5" fmla="val -49362"/>
-              <a:gd name="adj6" fmla="val -77416"/>
-            </a:avLst>
-          </a:prstGeom>
-          <a:solidFill>
-            <a:srgbClr val="DC267F"/>
-          </a:solidFill>
-          <a:ln>
-            <a:solidFill>
-              <a:schemeClr val="tx1"/>
-            </a:solidFill>
-          </a:ln>
-        </p:spPr>
-        <p:style>
-          <a:lnRef idx="2">
-            <a:schemeClr val="accent1">
-              <a:shade val="50000"/>
-            </a:schemeClr>
-          </a:lnRef>
-          <a:fillRef idx="1">
-            <a:schemeClr val="accent1"/>
-          </a:fillRef>
-          <a:effectRef idx="0">
-            <a:schemeClr val="accent1"/>
-          </a:effectRef>
-          <a:fontRef idx="minor">
-            <a:schemeClr val="lt1"/>
-          </a:fontRef>
-        </p:style>
-        <p:txBody>
-          <a:bodyPr rtlCol="0" anchor="ctr"/>
-          <a:lstStyle/>
-          <a:p>
-            <a:pPr algn="ctr"/>
-            <a:r>
-              <a:rPr lang="en-US" dirty="0">
-                <a:latin typeface="CMU Serif Roman" panose="02000603000000000000" pitchFamily="2" charset="0"/>
-                <a:ea typeface="CMU Serif Roman" panose="02000603000000000000" pitchFamily="2" charset="0"/>
-                <a:cs typeface="CMU Serif Roman" panose="02000603000000000000" pitchFamily="2" charset="0"/>
-              </a:rPr>
-              <a:t>Data Replication</a:t>
-            </a:r>
-          </a:p>
-        </p:txBody>
-      </p:sp>
-      <p:sp>
-        <p:nvSpPr>
-          <p:cNvPr id="153" name="Line Callout 2 152">
-            <a:extLst>
-              <a:ext uri="{FF2B5EF4-FFF2-40B4-BE49-F238E27FC236}">
-                <a16:creationId xmlns:a16="http://schemas.microsoft.com/office/drawing/2014/main" id="{597A23F0-16DB-FF42-85BD-C49C1A2558DA}"/>
-              </a:ext>
-            </a:extLst>
-          </p:cNvPr>
-          <p:cNvSpPr/>
-          <p:nvPr/>
-        </p:nvSpPr>
-        <p:spPr>
-          <a:xfrm>
-            <a:off x="3174125" y="246275"/>
-            <a:ext cx="1618396" cy="441548"/>
-          </a:xfrm>
-          <a:prstGeom prst="borderCallout2">
-            <a:avLst>
-              <a:gd name="adj1" fmla="val 18750"/>
-              <a:gd name="adj2" fmla="val 104015"/>
-              <a:gd name="adj3" fmla="val 18749"/>
-              <a:gd name="adj4" fmla="val 111731"/>
-              <a:gd name="adj5" fmla="val 281505"/>
-              <a:gd name="adj6" fmla="val 133892"/>
-            </a:avLst>
-          </a:prstGeom>
-          <a:solidFill>
-            <a:srgbClr val="648FFF"/>
-          </a:solidFill>
-          <a:ln>
-            <a:solidFill>
-              <a:schemeClr val="tx1"/>
-            </a:solidFill>
-          </a:ln>
-        </p:spPr>
-        <p:style>
-          <a:lnRef idx="2">
-            <a:schemeClr val="accent1">
-              <a:shade val="50000"/>
-            </a:schemeClr>
-          </a:lnRef>
-          <a:fillRef idx="1">
-            <a:schemeClr val="accent1"/>
-          </a:fillRef>
-          <a:effectRef idx="0">
-            <a:schemeClr val="accent1"/>
-          </a:effectRef>
-          <a:fontRef idx="minor">
-            <a:schemeClr val="lt1"/>
-          </a:fontRef>
-        </p:style>
-        <p:txBody>
-          <a:bodyPr rtlCol="0" anchor="ctr"/>
-          <a:lstStyle/>
-          <a:p>
-            <a:pPr algn="ctr"/>
-            <a:r>
-              <a:rPr lang="en-US">
-                <a:latin typeface="CMU Serif Roman" panose="02000603000000000000" pitchFamily="2" charset="0"/>
-                <a:ea typeface="CMU Serif Roman" panose="02000603000000000000" pitchFamily="2" charset="0"/>
-                <a:cs typeface="CMU Serif Roman" panose="02000603000000000000" pitchFamily="2" charset="0"/>
-              </a:rPr>
-              <a:t>Configuration</a:t>
-            </a:r>
-            <a:endParaRPr lang="en-US" dirty="0">
-              <a:latin typeface="CMU Serif Roman" panose="02000603000000000000" pitchFamily="2" charset="0"/>
-              <a:ea typeface="CMU Serif Roman" panose="02000603000000000000" pitchFamily="2" charset="0"/>
-              <a:cs typeface="CMU Serif Roman" panose="02000603000000000000" pitchFamily="2" charset="0"/>
-            </a:endParaRPr>
-          </a:p>
-        </p:txBody>
-      </p:sp>
-      <p:grpSp>
-        <p:nvGrpSpPr>
-          <p:cNvPr id="55" name="Group 54">
-            <a:extLst>
-              <a:ext uri="{FF2B5EF4-FFF2-40B4-BE49-F238E27FC236}">
-                <a16:creationId xmlns:a16="http://schemas.microsoft.com/office/drawing/2014/main" id="{A444C9C1-3A41-5F4F-985A-DF96AEC1ECB4}"/>
-              </a:ext>
-            </a:extLst>
-          </p:cNvPr>
-          <p:cNvGrpSpPr/>
-          <p:nvPr/>
-        </p:nvGrpSpPr>
-        <p:grpSpPr>
-          <a:xfrm>
-            <a:off x="9405142" y="4799123"/>
-            <a:ext cx="1728276" cy="1179709"/>
-            <a:chOff x="10221986" y="2378471"/>
-            <a:chExt cx="1728276" cy="1179709"/>
-          </a:xfrm>
-        </p:grpSpPr>
-        <p:sp>
-          <p:nvSpPr>
-            <p:cNvPr id="57" name="Rectangle 56">
-              <a:extLst>
-                <a:ext uri="{FF2B5EF4-FFF2-40B4-BE49-F238E27FC236}">
-                  <a16:creationId xmlns:a16="http://schemas.microsoft.com/office/drawing/2014/main" id="{079B1838-C26A-8A48-832A-4A5A658D36A4}"/>
-                </a:ext>
-              </a:extLst>
-            </p:cNvPr>
-            <p:cNvSpPr/>
-            <p:nvPr/>
-          </p:nvSpPr>
-          <p:spPr>
-            <a:xfrm>
-              <a:off x="10221986" y="2378471"/>
-              <a:ext cx="1728276" cy="1179709"/>
-            </a:xfrm>
-            <a:prstGeom prst="rect">
-              <a:avLst/>
-            </a:prstGeom>
-            <a:solidFill>
-              <a:schemeClr val="bg1"/>
-            </a:solidFill>
-            <a:ln>
-              <a:solidFill>
-                <a:schemeClr val="tx1"/>
-              </a:solidFill>
-              <a:prstDash val="dash"/>
-            </a:ln>
-          </p:spPr>
-          <p:style>
-            <a:lnRef idx="2">
-              <a:schemeClr val="accent1">
-                <a:shade val="50000"/>
-              </a:schemeClr>
-            </a:lnRef>
-            <a:fillRef idx="1">
-              <a:schemeClr val="accent1"/>
-            </a:fillRef>
-            <a:effectRef idx="0">
-              <a:schemeClr val="accent1"/>
-            </a:effectRef>
-            <a:fontRef idx="minor">
-              <a:schemeClr val="lt1"/>
-            </a:fontRef>
-          </p:style>
-          <p:txBody>
-            <a:bodyPr rtlCol="0" anchor="b"/>
-            <a:lstStyle/>
-            <a:p>
-              <a:pPr algn="r"/>
-              <a:endParaRPr lang="en-US" dirty="0">
-                <a:solidFill>
-                  <a:schemeClr val="tx1"/>
-                </a:solidFill>
-                <a:latin typeface="CMU Serif Roman" panose="02000603000000000000" pitchFamily="2" charset="0"/>
-                <a:ea typeface="CMU Serif Roman" panose="02000603000000000000" pitchFamily="2" charset="0"/>
-                <a:cs typeface="CMU Serif Roman" panose="02000603000000000000" pitchFamily="2" charset="0"/>
-              </a:endParaRPr>
-            </a:p>
-          </p:txBody>
-        </p:sp>
-        <p:sp>
-          <p:nvSpPr>
-            <p:cNvPr id="59" name="Rectangle 58">
-              <a:extLst>
-                <a:ext uri="{FF2B5EF4-FFF2-40B4-BE49-F238E27FC236}">
-                  <a16:creationId xmlns:a16="http://schemas.microsoft.com/office/drawing/2014/main" id="{1523FA3E-8857-4041-82D6-D8552DD3CF0A}"/>
-                </a:ext>
-              </a:extLst>
-            </p:cNvPr>
-            <p:cNvSpPr/>
-            <p:nvPr/>
-          </p:nvSpPr>
-          <p:spPr>
-            <a:xfrm>
-              <a:off x="10324839" y="2488621"/>
-              <a:ext cx="1502292" cy="963328"/>
-            </a:xfrm>
-            <a:prstGeom prst="rect">
-              <a:avLst/>
-            </a:prstGeom>
-            <a:solidFill>
-              <a:schemeClr val="bg1"/>
-            </a:solidFill>
-            <a:ln>
-              <a:solidFill>
-                <a:schemeClr val="tx1"/>
-              </a:solidFill>
-            </a:ln>
-          </p:spPr>
-          <p:style>
-            <a:lnRef idx="2">
-              <a:schemeClr val="accent1">
-                <a:shade val="50000"/>
-              </a:schemeClr>
-            </a:lnRef>
-            <a:fillRef idx="1">
-              <a:schemeClr val="accent1"/>
-            </a:fillRef>
-            <a:effectRef idx="0">
-              <a:schemeClr val="accent1"/>
-            </a:effectRef>
-            <a:fontRef idx="minor">
-              <a:schemeClr val="lt1"/>
-            </a:fontRef>
-          </p:style>
-          <p:txBody>
-            <a:bodyPr vert="horz" rtlCol="0" anchor="ctr"/>
-            <a:lstStyle/>
-            <a:p>
-              <a:pPr algn="ctr"/>
-              <a:r>
-                <a:rPr lang="en-US" dirty="0">
-                  <a:solidFill>
-                    <a:schemeClr val="tx1"/>
-                  </a:solidFill>
-                  <a:latin typeface="CMU Serif Roman" panose="02000603000000000000" pitchFamily="2" charset="0"/>
-                  <a:ea typeface="CMU Serif Roman" panose="02000603000000000000" pitchFamily="2" charset="0"/>
-                  <a:cs typeface="CMU Serif Roman" panose="02000603000000000000" pitchFamily="2" charset="0"/>
-                </a:rPr>
-                <a:t>Trigger Node</a:t>
-              </a:r>
+              <a:endParaRPr lang="en-US"/>
             </a:p>
           </p:txBody>
         </p:sp>
       </p:grpSp>
-      <p:sp>
-        <p:nvSpPr>
-          <p:cNvPr id="2" name="Right Arrow 1">
-            <a:extLst>
-              <a:ext uri="{FF2B5EF4-FFF2-40B4-BE49-F238E27FC236}">
-                <a16:creationId xmlns:a16="http://schemas.microsoft.com/office/drawing/2014/main" id="{B7275444-E3F3-E547-AF27-F6956D08B2D7}"/>
-              </a:ext>
-            </a:extLst>
-          </p:cNvPr>
-          <p:cNvSpPr/>
-          <p:nvPr/>
-        </p:nvSpPr>
-        <p:spPr>
-          <a:xfrm rot="446105">
-            <a:off x="7984984" y="5040798"/>
-            <a:ext cx="1490772" cy="613773"/>
-          </a:xfrm>
-          <a:prstGeom prst="rightArrow">
-            <a:avLst/>
-          </a:prstGeom>
-          <a:solidFill>
-            <a:srgbClr val="DC267F"/>
-          </a:solidFill>
-          <a:ln>
-            <a:solidFill>
-              <a:schemeClr val="tx1"/>
-            </a:solidFill>
-          </a:ln>
-        </p:spPr>
-        <p:style>
-          <a:lnRef idx="2">
-            <a:schemeClr val="accent1">
-              <a:shade val="50000"/>
-            </a:schemeClr>
-          </a:lnRef>
-          <a:fillRef idx="1">
-            <a:schemeClr val="accent1"/>
-          </a:fillRef>
-          <a:effectRef idx="0">
-            <a:schemeClr val="accent1"/>
-          </a:effectRef>
-          <a:fontRef idx="minor">
-            <a:schemeClr val="lt1"/>
-          </a:fontRef>
-        </p:style>
-        <p:txBody>
-          <a:bodyPr rtlCol="0" anchor="ctr"/>
-          <a:lstStyle/>
-          <a:p>
-            <a:pPr algn="ctr"/>
-            <a:endParaRPr lang="en-US"/>
-          </a:p>
-        </p:txBody>
-      </p:sp>
     </p:spTree>
     <p:extLst>
       <p:ext uri="{BB962C8B-B14F-4D97-AF65-F5344CB8AC3E}">
